--- a/RTL.pptx
+++ b/RTL.pptx
@@ -4,6 +4,9 @@
   <p:sldMasterIdLst>
     <p:sldMasterId id="2147483648" r:id="rId1"/>
   </p:sldMasterIdLst>
+  <p:notesMasterIdLst>
+    <p:notesMasterId r:id="rId27"/>
+  </p:notesMasterIdLst>
   <p:sldIdLst>
     <p:sldId id="256" r:id="rId2"/>
     <p:sldId id="257" r:id="rId3"/>
@@ -20,12 +23,16 @@
     <p:sldId id="272" r:id="rId14"/>
     <p:sldId id="270" r:id="rId15"/>
     <p:sldId id="271" r:id="rId16"/>
-    <p:sldId id="273" r:id="rId17"/>
-    <p:sldId id="276" r:id="rId18"/>
-    <p:sldId id="275" r:id="rId19"/>
-    <p:sldId id="274" r:id="rId20"/>
-    <p:sldId id="277" r:id="rId21"/>
-    <p:sldId id="278" r:id="rId22"/>
+    <p:sldId id="279" r:id="rId17"/>
+    <p:sldId id="273" r:id="rId18"/>
+    <p:sldId id="276" r:id="rId19"/>
+    <p:sldId id="275" r:id="rId20"/>
+    <p:sldId id="274" r:id="rId21"/>
+    <p:sldId id="277" r:id="rId22"/>
+    <p:sldId id="278" r:id="rId23"/>
+    <p:sldId id="280" r:id="rId24"/>
+    <p:sldId id="281" r:id="rId25"/>
+    <p:sldId id="282" r:id="rId26"/>
   </p:sldIdLst>
   <p:sldSz cx="12192000" cy="6858000"/>
   <p:notesSz cx="6858000" cy="9144000"/>
@@ -124,7 +131,1450 @@
       </a:defRPr>
     </a:lvl9pPr>
   </p:defaultTextStyle>
+  <p:extLst>
+    <p:ext uri="{EFAFB233-063F-42B5-8137-9DF3F51BA10A}">
+      <p15:sldGuideLst xmlns:p15="http://schemas.microsoft.com/office/powerpoint/2012/main"/>
+    </p:ext>
+  </p:extLst>
 </p:presentation>
+</file>
+
+<file path=ppt/notesMasters/notesMaster1.xml><?xml version="1.0" encoding="utf-8"?>
+<p:notesMaster xmlns:a="http://schemas.openxmlformats.org/drawingml/2006/main" xmlns:r="http://schemas.openxmlformats.org/officeDocument/2006/relationships" xmlns:p="http://schemas.openxmlformats.org/presentationml/2006/main">
+  <p:cSld>
+    <p:bg>
+      <p:bgRef idx="1001">
+        <a:schemeClr val="bg1"/>
+      </p:bgRef>
+    </p:bg>
+    <p:spTree>
+      <p:nvGrpSpPr>
+        <p:cNvPr id="1" name=""/>
+        <p:cNvGrpSpPr/>
+        <p:nvPr/>
+      </p:nvGrpSpPr>
+      <p:grpSpPr>
+        <a:xfrm>
+          <a:off x="0" y="0"/>
+          <a:ext cx="0" cy="0"/>
+          <a:chOff x="0" y="0"/>
+          <a:chExt cx="0" cy="0"/>
+        </a:xfrm>
+      </p:grpSpPr>
+      <p:sp>
+        <p:nvSpPr>
+          <p:cNvPr id="2" name="Header Placeholder 1"/>
+          <p:cNvSpPr>
+            <a:spLocks noGrp="1"/>
+          </p:cNvSpPr>
+          <p:nvPr>
+            <p:ph type="hdr" sz="quarter"/>
+          </p:nvPr>
+        </p:nvSpPr>
+        <p:spPr>
+          <a:xfrm>
+            <a:off x="0" y="0"/>
+            <a:ext cx="2971800" cy="458788"/>
+          </a:xfrm>
+          <a:prstGeom prst="rect">
+            <a:avLst/>
+          </a:prstGeom>
+        </p:spPr>
+        <p:txBody>
+          <a:bodyPr vert="horz" lIns="91440" tIns="45720" rIns="91440" bIns="45720" rtlCol="0"/>
+          <a:lstStyle>
+            <a:lvl1pPr algn="l">
+              <a:defRPr sz="1200"/>
+            </a:lvl1pPr>
+          </a:lstStyle>
+          <a:p>
+            <a:endParaRPr lang="en-US"/>
+          </a:p>
+        </p:txBody>
+      </p:sp>
+      <p:sp>
+        <p:nvSpPr>
+          <p:cNvPr id="3" name="Date Placeholder 2"/>
+          <p:cNvSpPr>
+            <a:spLocks noGrp="1"/>
+          </p:cNvSpPr>
+          <p:nvPr>
+            <p:ph type="dt" idx="1"/>
+          </p:nvPr>
+        </p:nvSpPr>
+        <p:spPr>
+          <a:xfrm>
+            <a:off x="3884613" y="0"/>
+            <a:ext cx="2971800" cy="458788"/>
+          </a:xfrm>
+          <a:prstGeom prst="rect">
+            <a:avLst/>
+          </a:prstGeom>
+        </p:spPr>
+        <p:txBody>
+          <a:bodyPr vert="horz" lIns="91440" tIns="45720" rIns="91440" bIns="45720" rtlCol="0"/>
+          <a:lstStyle>
+            <a:lvl1pPr algn="r">
+              <a:defRPr sz="1200"/>
+            </a:lvl1pPr>
+          </a:lstStyle>
+          <a:p>
+            <a:fld id="{9D3A8545-0C7E-49D9-A6ED-B7986246E901}" type="datetimeFigureOut">
+              <a:rPr lang="en-US" smtClean="0"/>
+              <a:t>2/27/2018</a:t>
+            </a:fld>
+            <a:endParaRPr lang="en-US"/>
+          </a:p>
+        </p:txBody>
+      </p:sp>
+      <p:sp>
+        <p:nvSpPr>
+          <p:cNvPr id="4" name="Slide Image Placeholder 3"/>
+          <p:cNvSpPr>
+            <a:spLocks noGrp="1" noRot="1" noChangeAspect="1"/>
+          </p:cNvSpPr>
+          <p:nvPr>
+            <p:ph type="sldImg" idx="2"/>
+          </p:nvPr>
+        </p:nvSpPr>
+        <p:spPr>
+          <a:xfrm>
+            <a:off x="685800" y="1143000"/>
+            <a:ext cx="5486400" cy="3086100"/>
+          </a:xfrm>
+          <a:prstGeom prst="rect">
+            <a:avLst/>
+          </a:prstGeom>
+          <a:noFill/>
+          <a:ln w="12700">
+            <a:solidFill>
+              <a:prstClr val="black"/>
+            </a:solidFill>
+          </a:ln>
+        </p:spPr>
+        <p:txBody>
+          <a:bodyPr vert="horz" lIns="91440" tIns="45720" rIns="91440" bIns="45720" rtlCol="0" anchor="ctr"/>
+          <a:lstStyle/>
+          <a:p>
+            <a:endParaRPr lang="en-US"/>
+          </a:p>
+        </p:txBody>
+      </p:sp>
+      <p:sp>
+        <p:nvSpPr>
+          <p:cNvPr id="5" name="Notes Placeholder 4"/>
+          <p:cNvSpPr>
+            <a:spLocks noGrp="1"/>
+          </p:cNvSpPr>
+          <p:nvPr>
+            <p:ph type="body" sz="quarter" idx="3"/>
+          </p:nvPr>
+        </p:nvSpPr>
+        <p:spPr>
+          <a:xfrm>
+            <a:off x="685800" y="4400550"/>
+            <a:ext cx="5486400" cy="3600450"/>
+          </a:xfrm>
+          <a:prstGeom prst="rect">
+            <a:avLst/>
+          </a:prstGeom>
+        </p:spPr>
+        <p:txBody>
+          <a:bodyPr vert="horz" lIns="91440" tIns="45720" rIns="91440" bIns="45720" rtlCol="0"/>
+          <a:lstStyle/>
+          <a:p>
+            <a:pPr lvl="0"/>
+            <a:r>
+              <a:rPr lang="en-US" smtClean="0"/>
+              <a:t>Click to edit Master text styles</a:t>
+            </a:r>
+          </a:p>
+          <a:p>
+            <a:pPr lvl="1"/>
+            <a:r>
+              <a:rPr lang="en-US" smtClean="0"/>
+              <a:t>Second level</a:t>
+            </a:r>
+          </a:p>
+          <a:p>
+            <a:pPr lvl="2"/>
+            <a:r>
+              <a:rPr lang="en-US" smtClean="0"/>
+              <a:t>Third level</a:t>
+            </a:r>
+          </a:p>
+          <a:p>
+            <a:pPr lvl="3"/>
+            <a:r>
+              <a:rPr lang="en-US" smtClean="0"/>
+              <a:t>Fourth level</a:t>
+            </a:r>
+          </a:p>
+          <a:p>
+            <a:pPr lvl="4"/>
+            <a:r>
+              <a:rPr lang="en-US" smtClean="0"/>
+              <a:t>Fifth level</a:t>
+            </a:r>
+            <a:endParaRPr lang="en-US"/>
+          </a:p>
+        </p:txBody>
+      </p:sp>
+      <p:sp>
+        <p:nvSpPr>
+          <p:cNvPr id="6" name="Footer Placeholder 5"/>
+          <p:cNvSpPr>
+            <a:spLocks noGrp="1"/>
+          </p:cNvSpPr>
+          <p:nvPr>
+            <p:ph type="ftr" sz="quarter" idx="4"/>
+          </p:nvPr>
+        </p:nvSpPr>
+        <p:spPr>
+          <a:xfrm>
+            <a:off x="0" y="8685213"/>
+            <a:ext cx="2971800" cy="458787"/>
+          </a:xfrm>
+          <a:prstGeom prst="rect">
+            <a:avLst/>
+          </a:prstGeom>
+        </p:spPr>
+        <p:txBody>
+          <a:bodyPr vert="horz" lIns="91440" tIns="45720" rIns="91440" bIns="45720" rtlCol="0" anchor="b"/>
+          <a:lstStyle>
+            <a:lvl1pPr algn="l">
+              <a:defRPr sz="1200"/>
+            </a:lvl1pPr>
+          </a:lstStyle>
+          <a:p>
+            <a:endParaRPr lang="en-US"/>
+          </a:p>
+        </p:txBody>
+      </p:sp>
+      <p:sp>
+        <p:nvSpPr>
+          <p:cNvPr id="7" name="Slide Number Placeholder 6"/>
+          <p:cNvSpPr>
+            <a:spLocks noGrp="1"/>
+          </p:cNvSpPr>
+          <p:nvPr>
+            <p:ph type="sldNum" sz="quarter" idx="5"/>
+          </p:nvPr>
+        </p:nvSpPr>
+        <p:spPr>
+          <a:xfrm>
+            <a:off x="3884613" y="8685213"/>
+            <a:ext cx="2971800" cy="458787"/>
+          </a:xfrm>
+          <a:prstGeom prst="rect">
+            <a:avLst/>
+          </a:prstGeom>
+        </p:spPr>
+        <p:txBody>
+          <a:bodyPr vert="horz" lIns="91440" tIns="45720" rIns="91440" bIns="45720" rtlCol="0" anchor="b"/>
+          <a:lstStyle>
+            <a:lvl1pPr algn="r">
+              <a:defRPr sz="1200"/>
+            </a:lvl1pPr>
+          </a:lstStyle>
+          <a:p>
+            <a:fld id="{5845F458-97E0-4448-9DA7-C7B2C7E1BA9B}" type="slidenum">
+              <a:rPr lang="en-US" smtClean="0"/>
+              <a:t>‹#›</a:t>
+            </a:fld>
+            <a:endParaRPr lang="en-US"/>
+          </a:p>
+        </p:txBody>
+      </p:sp>
+    </p:spTree>
+    <p:extLst>
+      <p:ext uri="{BB962C8B-B14F-4D97-AF65-F5344CB8AC3E}">
+        <p14:creationId xmlns:p14="http://schemas.microsoft.com/office/powerpoint/2010/main" val="720133291"/>
+      </p:ext>
+    </p:extLst>
+  </p:cSld>
+  <p:clrMap bg1="lt1" tx1="dk1" bg2="lt2" tx2="dk2" accent1="accent1" accent2="accent2" accent3="accent3" accent4="accent4" accent5="accent5" accent6="accent6" hlink="hlink" folHlink="folHlink"/>
+  <p:notesStyle>
+    <a:lvl1pPr marL="0" algn="l" defTabSz="914400" rtl="0" eaLnBrk="1" latinLnBrk="0" hangingPunct="1">
+      <a:defRPr sz="1200" kern="1200">
+        <a:solidFill>
+          <a:schemeClr val="tx1"/>
+        </a:solidFill>
+        <a:latin typeface="+mn-lt"/>
+        <a:ea typeface="+mn-ea"/>
+        <a:cs typeface="+mn-cs"/>
+      </a:defRPr>
+    </a:lvl1pPr>
+    <a:lvl2pPr marL="457200" algn="l" defTabSz="914400" rtl="0" eaLnBrk="1" latinLnBrk="0" hangingPunct="1">
+      <a:defRPr sz="1200" kern="1200">
+        <a:solidFill>
+          <a:schemeClr val="tx1"/>
+        </a:solidFill>
+        <a:latin typeface="+mn-lt"/>
+        <a:ea typeface="+mn-ea"/>
+        <a:cs typeface="+mn-cs"/>
+      </a:defRPr>
+    </a:lvl2pPr>
+    <a:lvl3pPr marL="914400" algn="l" defTabSz="914400" rtl="0" eaLnBrk="1" latinLnBrk="0" hangingPunct="1">
+      <a:defRPr sz="1200" kern="1200">
+        <a:solidFill>
+          <a:schemeClr val="tx1"/>
+        </a:solidFill>
+        <a:latin typeface="+mn-lt"/>
+        <a:ea typeface="+mn-ea"/>
+        <a:cs typeface="+mn-cs"/>
+      </a:defRPr>
+    </a:lvl3pPr>
+    <a:lvl4pPr marL="1371600" algn="l" defTabSz="914400" rtl="0" eaLnBrk="1" latinLnBrk="0" hangingPunct="1">
+      <a:defRPr sz="1200" kern="1200">
+        <a:solidFill>
+          <a:schemeClr val="tx1"/>
+        </a:solidFill>
+        <a:latin typeface="+mn-lt"/>
+        <a:ea typeface="+mn-ea"/>
+        <a:cs typeface="+mn-cs"/>
+      </a:defRPr>
+    </a:lvl4pPr>
+    <a:lvl5pPr marL="1828800" algn="l" defTabSz="914400" rtl="0" eaLnBrk="1" latinLnBrk="0" hangingPunct="1">
+      <a:defRPr sz="1200" kern="1200">
+        <a:solidFill>
+          <a:schemeClr val="tx1"/>
+        </a:solidFill>
+        <a:latin typeface="+mn-lt"/>
+        <a:ea typeface="+mn-ea"/>
+        <a:cs typeface="+mn-cs"/>
+      </a:defRPr>
+    </a:lvl5pPr>
+    <a:lvl6pPr marL="2286000" algn="l" defTabSz="914400" rtl="0" eaLnBrk="1" latinLnBrk="0" hangingPunct="1">
+      <a:defRPr sz="1200" kern="1200">
+        <a:solidFill>
+          <a:schemeClr val="tx1"/>
+        </a:solidFill>
+        <a:latin typeface="+mn-lt"/>
+        <a:ea typeface="+mn-ea"/>
+        <a:cs typeface="+mn-cs"/>
+      </a:defRPr>
+    </a:lvl6pPr>
+    <a:lvl7pPr marL="2743200" algn="l" defTabSz="914400" rtl="0" eaLnBrk="1" latinLnBrk="0" hangingPunct="1">
+      <a:defRPr sz="1200" kern="1200">
+        <a:solidFill>
+          <a:schemeClr val="tx1"/>
+        </a:solidFill>
+        <a:latin typeface="+mn-lt"/>
+        <a:ea typeface="+mn-ea"/>
+        <a:cs typeface="+mn-cs"/>
+      </a:defRPr>
+    </a:lvl7pPr>
+    <a:lvl8pPr marL="3200400" algn="l" defTabSz="914400" rtl="0" eaLnBrk="1" latinLnBrk="0" hangingPunct="1">
+      <a:defRPr sz="1200" kern="1200">
+        <a:solidFill>
+          <a:schemeClr val="tx1"/>
+        </a:solidFill>
+        <a:latin typeface="+mn-lt"/>
+        <a:ea typeface="+mn-ea"/>
+        <a:cs typeface="+mn-cs"/>
+      </a:defRPr>
+    </a:lvl8pPr>
+    <a:lvl9pPr marL="3657600" algn="l" defTabSz="914400" rtl="0" eaLnBrk="1" latinLnBrk="0" hangingPunct="1">
+      <a:defRPr sz="1200" kern="1200">
+        <a:solidFill>
+          <a:schemeClr val="tx1"/>
+        </a:solidFill>
+        <a:latin typeface="+mn-lt"/>
+        <a:ea typeface="+mn-ea"/>
+        <a:cs typeface="+mn-cs"/>
+      </a:defRPr>
+    </a:lvl9pPr>
+  </p:notesStyle>
+</p:notesMaster>
+</file>
+
+<file path=ppt/notesSlides/notesSlide1.xml><?xml version="1.0" encoding="utf-8"?>
+<p:notes xmlns:a="http://schemas.openxmlformats.org/drawingml/2006/main" xmlns:r="http://schemas.openxmlformats.org/officeDocument/2006/relationships" xmlns:p="http://schemas.openxmlformats.org/presentationml/2006/main">
+  <p:cSld>
+    <p:spTree>
+      <p:nvGrpSpPr>
+        <p:cNvPr id="1" name=""/>
+        <p:cNvGrpSpPr/>
+        <p:nvPr/>
+      </p:nvGrpSpPr>
+      <p:grpSpPr>
+        <a:xfrm>
+          <a:off x="0" y="0"/>
+          <a:ext cx="0" cy="0"/>
+          <a:chOff x="0" y="0"/>
+          <a:chExt cx="0" cy="0"/>
+        </a:xfrm>
+      </p:grpSpPr>
+      <p:sp>
+        <p:nvSpPr>
+          <p:cNvPr id="2" name="Slide Image Placeholder 1"/>
+          <p:cNvSpPr>
+            <a:spLocks noGrp="1" noRot="1" noChangeAspect="1"/>
+          </p:cNvSpPr>
+          <p:nvPr>
+            <p:ph type="sldImg"/>
+          </p:nvPr>
+        </p:nvSpPr>
+        <p:spPr/>
+      </p:sp>
+      <p:sp>
+        <p:nvSpPr>
+          <p:cNvPr id="3" name="Notes Placeholder 2"/>
+          <p:cNvSpPr>
+            <a:spLocks noGrp="1"/>
+          </p:cNvSpPr>
+          <p:nvPr>
+            <p:ph type="body" idx="1"/>
+          </p:nvPr>
+        </p:nvSpPr>
+        <p:spPr/>
+        <p:txBody>
+          <a:bodyPr/>
+          <a:lstStyle/>
+          <a:p>
+            <a:r>
+              <a:rPr lang="en-US" dirty="0" smtClean="0"/>
+              <a:t>Talk about marks later</a:t>
+            </a:r>
+            <a:endParaRPr lang="en-US" dirty="0"/>
+          </a:p>
+        </p:txBody>
+      </p:sp>
+      <p:sp>
+        <p:nvSpPr>
+          <p:cNvPr id="4" name="Slide Number Placeholder 3"/>
+          <p:cNvSpPr>
+            <a:spLocks noGrp="1"/>
+          </p:cNvSpPr>
+          <p:nvPr>
+            <p:ph type="sldNum" sz="quarter" idx="10"/>
+          </p:nvPr>
+        </p:nvSpPr>
+        <p:spPr/>
+        <p:txBody>
+          <a:bodyPr/>
+          <a:lstStyle/>
+          <a:p>
+            <a:fld id="{5845F458-97E0-4448-9DA7-C7B2C7E1BA9B}" type="slidenum">
+              <a:rPr lang="en-US" smtClean="0"/>
+              <a:t>5</a:t>
+            </a:fld>
+            <a:endParaRPr lang="en-US"/>
+          </a:p>
+        </p:txBody>
+      </p:sp>
+    </p:spTree>
+    <p:extLst>
+      <p:ext uri="{BB962C8B-B14F-4D97-AF65-F5344CB8AC3E}">
+        <p14:creationId xmlns:p14="http://schemas.microsoft.com/office/powerpoint/2010/main" val="1580686349"/>
+      </p:ext>
+    </p:extLst>
+  </p:cSld>
+  <p:clrMapOvr>
+    <a:masterClrMapping/>
+  </p:clrMapOvr>
+</p:notes>
+</file>
+
+<file path=ppt/notesSlides/notesSlide10.xml><?xml version="1.0" encoding="utf-8"?>
+<p:notes xmlns:a="http://schemas.openxmlformats.org/drawingml/2006/main" xmlns:r="http://schemas.openxmlformats.org/officeDocument/2006/relationships" xmlns:p="http://schemas.openxmlformats.org/presentationml/2006/main">
+  <p:cSld>
+    <p:spTree>
+      <p:nvGrpSpPr>
+        <p:cNvPr id="1" name=""/>
+        <p:cNvGrpSpPr/>
+        <p:nvPr/>
+      </p:nvGrpSpPr>
+      <p:grpSpPr>
+        <a:xfrm>
+          <a:off x="0" y="0"/>
+          <a:ext cx="0" cy="0"/>
+          <a:chOff x="0" y="0"/>
+          <a:chExt cx="0" cy="0"/>
+        </a:xfrm>
+      </p:grpSpPr>
+      <p:sp>
+        <p:nvSpPr>
+          <p:cNvPr id="2" name="Slide Image Placeholder 1"/>
+          <p:cNvSpPr>
+            <a:spLocks noGrp="1" noRot="1" noChangeAspect="1"/>
+          </p:cNvSpPr>
+          <p:nvPr>
+            <p:ph type="sldImg"/>
+          </p:nvPr>
+        </p:nvSpPr>
+        <p:spPr/>
+      </p:sp>
+      <p:sp>
+        <p:nvSpPr>
+          <p:cNvPr id="3" name="Notes Placeholder 2"/>
+          <p:cNvSpPr>
+            <a:spLocks noGrp="1"/>
+          </p:cNvSpPr>
+          <p:nvPr>
+            <p:ph type="body" idx="1"/>
+          </p:nvPr>
+        </p:nvSpPr>
+        <p:spPr/>
+        <p:txBody>
+          <a:bodyPr/>
+          <a:lstStyle/>
+          <a:p>
+            <a:r>
+              <a:rPr lang="en-US" dirty="0" smtClean="0"/>
+              <a:t>- is</a:t>
+            </a:r>
+            <a:r>
+              <a:rPr lang="en-US" baseline="0" dirty="0" smtClean="0"/>
+              <a:t> weak so ‘- 5’ is right to left, </a:t>
+            </a:r>
+            <a:endParaRPr lang="en-US" dirty="0"/>
+          </a:p>
+        </p:txBody>
+      </p:sp>
+      <p:sp>
+        <p:nvSpPr>
+          <p:cNvPr id="4" name="Slide Number Placeholder 3"/>
+          <p:cNvSpPr>
+            <a:spLocks noGrp="1"/>
+          </p:cNvSpPr>
+          <p:nvPr>
+            <p:ph type="sldNum" sz="quarter" idx="10"/>
+          </p:nvPr>
+        </p:nvSpPr>
+        <p:spPr/>
+        <p:txBody>
+          <a:bodyPr/>
+          <a:lstStyle/>
+          <a:p>
+            <a:fld id="{5845F458-97E0-4448-9DA7-C7B2C7E1BA9B}" type="slidenum">
+              <a:rPr lang="en-US" smtClean="0"/>
+              <a:t>22</a:t>
+            </a:fld>
+            <a:endParaRPr lang="en-US"/>
+          </a:p>
+        </p:txBody>
+      </p:sp>
+    </p:spTree>
+    <p:extLst>
+      <p:ext uri="{BB962C8B-B14F-4D97-AF65-F5344CB8AC3E}">
+        <p14:creationId xmlns:p14="http://schemas.microsoft.com/office/powerpoint/2010/main" val="1652204170"/>
+      </p:ext>
+    </p:extLst>
+  </p:cSld>
+  <p:clrMapOvr>
+    <a:masterClrMapping/>
+  </p:clrMapOvr>
+</p:notes>
+</file>
+
+<file path=ppt/notesSlides/notesSlide11.xml><?xml version="1.0" encoding="utf-8"?>
+<p:notes xmlns:a="http://schemas.openxmlformats.org/drawingml/2006/main" xmlns:r="http://schemas.openxmlformats.org/officeDocument/2006/relationships" xmlns:p="http://schemas.openxmlformats.org/presentationml/2006/main">
+  <p:cSld>
+    <p:spTree>
+      <p:nvGrpSpPr>
+        <p:cNvPr id="1" name=""/>
+        <p:cNvGrpSpPr/>
+        <p:nvPr/>
+      </p:nvGrpSpPr>
+      <p:grpSpPr>
+        <a:xfrm>
+          <a:off x="0" y="0"/>
+          <a:ext cx="0" cy="0"/>
+          <a:chOff x="0" y="0"/>
+          <a:chExt cx="0" cy="0"/>
+        </a:xfrm>
+      </p:grpSpPr>
+      <p:sp>
+        <p:nvSpPr>
+          <p:cNvPr id="2" name="Slide Image Placeholder 1"/>
+          <p:cNvSpPr>
+            <a:spLocks noGrp="1" noRot="1" noChangeAspect="1"/>
+          </p:cNvSpPr>
+          <p:nvPr>
+            <p:ph type="sldImg"/>
+          </p:nvPr>
+        </p:nvSpPr>
+        <p:spPr/>
+      </p:sp>
+      <p:sp>
+        <p:nvSpPr>
+          <p:cNvPr id="3" name="Notes Placeholder 2"/>
+          <p:cNvSpPr>
+            <a:spLocks noGrp="1"/>
+          </p:cNvSpPr>
+          <p:nvPr>
+            <p:ph type="body" idx="1"/>
+          </p:nvPr>
+        </p:nvSpPr>
+        <p:spPr/>
+        <p:txBody>
+          <a:bodyPr/>
+          <a:lstStyle/>
+          <a:p>
+            <a:r>
+              <a:rPr lang="en-US" dirty="0" smtClean="0"/>
+              <a:t>Exclamation</a:t>
+            </a:r>
+            <a:r>
+              <a:rPr lang="en-US" baseline="0" dirty="0" smtClean="0"/>
+              <a:t> mark is weak. Base direction right to left</a:t>
+            </a:r>
+            <a:endParaRPr lang="en-US" dirty="0"/>
+          </a:p>
+        </p:txBody>
+      </p:sp>
+      <p:sp>
+        <p:nvSpPr>
+          <p:cNvPr id="4" name="Slide Number Placeholder 3"/>
+          <p:cNvSpPr>
+            <a:spLocks noGrp="1"/>
+          </p:cNvSpPr>
+          <p:nvPr>
+            <p:ph type="sldNum" sz="quarter" idx="10"/>
+          </p:nvPr>
+        </p:nvSpPr>
+        <p:spPr/>
+        <p:txBody>
+          <a:bodyPr/>
+          <a:lstStyle/>
+          <a:p>
+            <a:fld id="{5845F458-97E0-4448-9DA7-C7B2C7E1BA9B}" type="slidenum">
+              <a:rPr lang="en-US" smtClean="0"/>
+              <a:t>23</a:t>
+            </a:fld>
+            <a:endParaRPr lang="en-US"/>
+          </a:p>
+        </p:txBody>
+      </p:sp>
+    </p:spTree>
+    <p:extLst>
+      <p:ext uri="{BB962C8B-B14F-4D97-AF65-F5344CB8AC3E}">
+        <p14:creationId xmlns:p14="http://schemas.microsoft.com/office/powerpoint/2010/main" val="2435700857"/>
+      </p:ext>
+    </p:extLst>
+  </p:cSld>
+  <p:clrMapOvr>
+    <a:masterClrMapping/>
+  </p:clrMapOvr>
+</p:notes>
+</file>
+
+<file path=ppt/notesSlides/notesSlide12.xml><?xml version="1.0" encoding="utf-8"?>
+<p:notes xmlns:a="http://schemas.openxmlformats.org/drawingml/2006/main" xmlns:r="http://schemas.openxmlformats.org/officeDocument/2006/relationships" xmlns:p="http://schemas.openxmlformats.org/presentationml/2006/main">
+  <p:cSld>
+    <p:spTree>
+      <p:nvGrpSpPr>
+        <p:cNvPr id="1" name=""/>
+        <p:cNvGrpSpPr/>
+        <p:nvPr/>
+      </p:nvGrpSpPr>
+      <p:grpSpPr>
+        <a:xfrm>
+          <a:off x="0" y="0"/>
+          <a:ext cx="0" cy="0"/>
+          <a:chOff x="0" y="0"/>
+          <a:chExt cx="0" cy="0"/>
+        </a:xfrm>
+      </p:grpSpPr>
+      <p:sp>
+        <p:nvSpPr>
+          <p:cNvPr id="2" name="Slide Image Placeholder 1"/>
+          <p:cNvSpPr>
+            <a:spLocks noGrp="1" noRot="1" noChangeAspect="1"/>
+          </p:cNvSpPr>
+          <p:nvPr>
+            <p:ph type="sldImg"/>
+          </p:nvPr>
+        </p:nvSpPr>
+        <p:spPr/>
+      </p:sp>
+      <p:sp>
+        <p:nvSpPr>
+          <p:cNvPr id="3" name="Notes Placeholder 2"/>
+          <p:cNvSpPr>
+            <a:spLocks noGrp="1"/>
+          </p:cNvSpPr>
+          <p:nvPr>
+            <p:ph type="body" idx="1"/>
+          </p:nvPr>
+        </p:nvSpPr>
+        <p:spPr/>
+        <p:txBody>
+          <a:bodyPr/>
+          <a:lstStyle/>
+          <a:p>
+            <a:r>
+              <a:rPr lang="en-US" dirty="0" smtClean="0"/>
+              <a:t>User RTL mark which is a strong character. Strong – weak – strong </a:t>
+            </a:r>
+            <a:endParaRPr lang="en-US" dirty="0"/>
+          </a:p>
+        </p:txBody>
+      </p:sp>
+      <p:sp>
+        <p:nvSpPr>
+          <p:cNvPr id="4" name="Slide Number Placeholder 3"/>
+          <p:cNvSpPr>
+            <a:spLocks noGrp="1"/>
+          </p:cNvSpPr>
+          <p:nvPr>
+            <p:ph type="sldNum" sz="quarter" idx="10"/>
+          </p:nvPr>
+        </p:nvSpPr>
+        <p:spPr/>
+        <p:txBody>
+          <a:bodyPr/>
+          <a:lstStyle/>
+          <a:p>
+            <a:fld id="{5845F458-97E0-4448-9DA7-C7B2C7E1BA9B}" type="slidenum">
+              <a:rPr lang="en-US" smtClean="0"/>
+              <a:t>24</a:t>
+            </a:fld>
+            <a:endParaRPr lang="en-US"/>
+          </a:p>
+        </p:txBody>
+      </p:sp>
+    </p:spTree>
+    <p:extLst>
+      <p:ext uri="{BB962C8B-B14F-4D97-AF65-F5344CB8AC3E}">
+        <p14:creationId xmlns:p14="http://schemas.microsoft.com/office/powerpoint/2010/main" val="2428654205"/>
+      </p:ext>
+    </p:extLst>
+  </p:cSld>
+  <p:clrMapOvr>
+    <a:masterClrMapping/>
+  </p:clrMapOvr>
+</p:notes>
+</file>
+
+<file path=ppt/notesSlides/notesSlide2.xml><?xml version="1.0" encoding="utf-8"?>
+<p:notes xmlns:a="http://schemas.openxmlformats.org/drawingml/2006/main" xmlns:r="http://schemas.openxmlformats.org/officeDocument/2006/relationships" xmlns:p="http://schemas.openxmlformats.org/presentationml/2006/main">
+  <p:cSld>
+    <p:spTree>
+      <p:nvGrpSpPr>
+        <p:cNvPr id="1" name=""/>
+        <p:cNvGrpSpPr/>
+        <p:nvPr/>
+      </p:nvGrpSpPr>
+      <p:grpSpPr>
+        <a:xfrm>
+          <a:off x="0" y="0"/>
+          <a:ext cx="0" cy="0"/>
+          <a:chOff x="0" y="0"/>
+          <a:chExt cx="0" cy="0"/>
+        </a:xfrm>
+      </p:grpSpPr>
+      <p:sp>
+        <p:nvSpPr>
+          <p:cNvPr id="2" name="Slide Image Placeholder 1"/>
+          <p:cNvSpPr>
+            <a:spLocks noGrp="1" noRot="1" noChangeAspect="1"/>
+          </p:cNvSpPr>
+          <p:nvPr>
+            <p:ph type="sldImg"/>
+          </p:nvPr>
+        </p:nvSpPr>
+        <p:spPr/>
+      </p:sp>
+      <p:sp>
+        <p:nvSpPr>
+          <p:cNvPr id="3" name="Notes Placeholder 2"/>
+          <p:cNvSpPr>
+            <a:spLocks noGrp="1"/>
+          </p:cNvSpPr>
+          <p:nvPr>
+            <p:ph type="body" idx="1"/>
+          </p:nvPr>
+        </p:nvSpPr>
+        <p:spPr/>
+        <p:txBody>
+          <a:bodyPr/>
+          <a:lstStyle/>
+          <a:p>
+            <a:endParaRPr lang="en-US" dirty="0"/>
+          </a:p>
+        </p:txBody>
+      </p:sp>
+      <p:sp>
+        <p:nvSpPr>
+          <p:cNvPr id="4" name="Slide Number Placeholder 3"/>
+          <p:cNvSpPr>
+            <a:spLocks noGrp="1"/>
+          </p:cNvSpPr>
+          <p:nvPr>
+            <p:ph type="sldNum" sz="quarter" idx="10"/>
+          </p:nvPr>
+        </p:nvSpPr>
+        <p:spPr/>
+        <p:txBody>
+          <a:bodyPr/>
+          <a:lstStyle/>
+          <a:p>
+            <a:fld id="{5845F458-97E0-4448-9DA7-C7B2C7E1BA9B}" type="slidenum">
+              <a:rPr lang="en-US" smtClean="0"/>
+              <a:t>12</a:t>
+            </a:fld>
+            <a:endParaRPr lang="en-US"/>
+          </a:p>
+        </p:txBody>
+      </p:sp>
+    </p:spTree>
+    <p:extLst>
+      <p:ext uri="{BB962C8B-B14F-4D97-AF65-F5344CB8AC3E}">
+        <p14:creationId xmlns:p14="http://schemas.microsoft.com/office/powerpoint/2010/main" val="3070691637"/>
+      </p:ext>
+    </p:extLst>
+  </p:cSld>
+  <p:clrMapOvr>
+    <a:masterClrMapping/>
+  </p:clrMapOvr>
+</p:notes>
+</file>
+
+<file path=ppt/notesSlides/notesSlide3.xml><?xml version="1.0" encoding="utf-8"?>
+<p:notes xmlns:a="http://schemas.openxmlformats.org/drawingml/2006/main" xmlns:r="http://schemas.openxmlformats.org/officeDocument/2006/relationships" xmlns:p="http://schemas.openxmlformats.org/presentationml/2006/main">
+  <p:cSld>
+    <p:spTree>
+      <p:nvGrpSpPr>
+        <p:cNvPr id="1" name=""/>
+        <p:cNvGrpSpPr/>
+        <p:nvPr/>
+      </p:nvGrpSpPr>
+      <p:grpSpPr>
+        <a:xfrm>
+          <a:off x="0" y="0"/>
+          <a:ext cx="0" cy="0"/>
+          <a:chOff x="0" y="0"/>
+          <a:chExt cx="0" cy="0"/>
+        </a:xfrm>
+      </p:grpSpPr>
+      <p:sp>
+        <p:nvSpPr>
+          <p:cNvPr id="2" name="Slide Image Placeholder 1"/>
+          <p:cNvSpPr>
+            <a:spLocks noGrp="1" noRot="1" noChangeAspect="1"/>
+          </p:cNvSpPr>
+          <p:nvPr>
+            <p:ph type="sldImg"/>
+          </p:nvPr>
+        </p:nvSpPr>
+        <p:spPr/>
+      </p:sp>
+      <p:sp>
+        <p:nvSpPr>
+          <p:cNvPr id="3" name="Notes Placeholder 2"/>
+          <p:cNvSpPr>
+            <a:spLocks noGrp="1"/>
+          </p:cNvSpPr>
+          <p:nvPr>
+            <p:ph type="body" idx="1"/>
+          </p:nvPr>
+        </p:nvSpPr>
+        <p:spPr/>
+        <p:txBody>
+          <a:bodyPr/>
+          <a:lstStyle/>
+          <a:p>
+            <a:r>
+              <a:rPr lang="en-US" dirty="0" smtClean="0"/>
+              <a:t>Boundaries between runs of different</a:t>
+            </a:r>
+            <a:r>
+              <a:rPr lang="en-US" baseline="0" dirty="0" smtClean="0"/>
+              <a:t> directions</a:t>
+            </a:r>
+            <a:endParaRPr lang="en-US" dirty="0"/>
+          </a:p>
+        </p:txBody>
+      </p:sp>
+      <p:sp>
+        <p:nvSpPr>
+          <p:cNvPr id="4" name="Slide Number Placeholder 3"/>
+          <p:cNvSpPr>
+            <a:spLocks noGrp="1"/>
+          </p:cNvSpPr>
+          <p:nvPr>
+            <p:ph type="sldNum" sz="quarter" idx="10"/>
+          </p:nvPr>
+        </p:nvSpPr>
+        <p:spPr/>
+        <p:txBody>
+          <a:bodyPr/>
+          <a:lstStyle/>
+          <a:p>
+            <a:fld id="{5845F458-97E0-4448-9DA7-C7B2C7E1BA9B}" type="slidenum">
+              <a:rPr lang="en-US" smtClean="0"/>
+              <a:t>15</a:t>
+            </a:fld>
+            <a:endParaRPr lang="en-US"/>
+          </a:p>
+        </p:txBody>
+      </p:sp>
+    </p:spTree>
+    <p:extLst>
+      <p:ext uri="{BB962C8B-B14F-4D97-AF65-F5344CB8AC3E}">
+        <p14:creationId xmlns:p14="http://schemas.microsoft.com/office/powerpoint/2010/main" val="3454726571"/>
+      </p:ext>
+    </p:extLst>
+  </p:cSld>
+  <p:clrMapOvr>
+    <a:masterClrMapping/>
+  </p:clrMapOvr>
+</p:notes>
+</file>
+
+<file path=ppt/notesSlides/notesSlide4.xml><?xml version="1.0" encoding="utf-8"?>
+<p:notes xmlns:a="http://schemas.openxmlformats.org/drawingml/2006/main" xmlns:r="http://schemas.openxmlformats.org/officeDocument/2006/relationships" xmlns:p="http://schemas.openxmlformats.org/presentationml/2006/main">
+  <p:cSld>
+    <p:spTree>
+      <p:nvGrpSpPr>
+        <p:cNvPr id="1" name=""/>
+        <p:cNvGrpSpPr/>
+        <p:nvPr/>
+      </p:nvGrpSpPr>
+      <p:grpSpPr>
+        <a:xfrm>
+          <a:off x="0" y="0"/>
+          <a:ext cx="0" cy="0"/>
+          <a:chOff x="0" y="0"/>
+          <a:chExt cx="0" cy="0"/>
+        </a:xfrm>
+      </p:grpSpPr>
+      <p:sp>
+        <p:nvSpPr>
+          <p:cNvPr id="2" name="Slide Image Placeholder 1"/>
+          <p:cNvSpPr>
+            <a:spLocks noGrp="1" noRot="1" noChangeAspect="1"/>
+          </p:cNvSpPr>
+          <p:nvPr>
+            <p:ph type="sldImg"/>
+          </p:nvPr>
+        </p:nvSpPr>
+        <p:spPr/>
+      </p:sp>
+      <p:sp>
+        <p:nvSpPr>
+          <p:cNvPr id="3" name="Notes Placeholder 2"/>
+          <p:cNvSpPr>
+            <a:spLocks noGrp="1"/>
+          </p:cNvSpPr>
+          <p:nvPr>
+            <p:ph type="body" idx="1"/>
+          </p:nvPr>
+        </p:nvSpPr>
+        <p:spPr/>
+        <p:txBody>
+          <a:bodyPr/>
+          <a:lstStyle/>
+          <a:p>
+            <a:r>
+              <a:rPr lang="en-US" dirty="0" smtClean="0"/>
+              <a:t>Representation</a:t>
+            </a:r>
+            <a:r>
+              <a:rPr lang="en-US" baseline="0" dirty="0" smtClean="0"/>
+              <a:t> of the text in memory / bytes. Different than display order</a:t>
+            </a:r>
+            <a:endParaRPr lang="en-US" dirty="0"/>
+          </a:p>
+        </p:txBody>
+      </p:sp>
+      <p:sp>
+        <p:nvSpPr>
+          <p:cNvPr id="4" name="Slide Number Placeholder 3"/>
+          <p:cNvSpPr>
+            <a:spLocks noGrp="1"/>
+          </p:cNvSpPr>
+          <p:nvPr>
+            <p:ph type="sldNum" sz="quarter" idx="10"/>
+          </p:nvPr>
+        </p:nvSpPr>
+        <p:spPr/>
+        <p:txBody>
+          <a:bodyPr/>
+          <a:lstStyle/>
+          <a:p>
+            <a:fld id="{5845F458-97E0-4448-9DA7-C7B2C7E1BA9B}" type="slidenum">
+              <a:rPr lang="en-US" smtClean="0"/>
+              <a:t>16</a:t>
+            </a:fld>
+            <a:endParaRPr lang="en-US"/>
+          </a:p>
+        </p:txBody>
+      </p:sp>
+    </p:spTree>
+    <p:extLst>
+      <p:ext uri="{BB962C8B-B14F-4D97-AF65-F5344CB8AC3E}">
+        <p14:creationId xmlns:p14="http://schemas.microsoft.com/office/powerpoint/2010/main" val="771986577"/>
+      </p:ext>
+    </p:extLst>
+  </p:cSld>
+  <p:clrMapOvr>
+    <a:masterClrMapping/>
+  </p:clrMapOvr>
+</p:notes>
+</file>
+
+<file path=ppt/notesSlides/notesSlide5.xml><?xml version="1.0" encoding="utf-8"?>
+<p:notes xmlns:a="http://schemas.openxmlformats.org/drawingml/2006/main" xmlns:r="http://schemas.openxmlformats.org/officeDocument/2006/relationships" xmlns:p="http://schemas.openxmlformats.org/presentationml/2006/main">
+  <p:cSld>
+    <p:spTree>
+      <p:nvGrpSpPr>
+        <p:cNvPr id="1" name=""/>
+        <p:cNvGrpSpPr/>
+        <p:nvPr/>
+      </p:nvGrpSpPr>
+      <p:grpSpPr>
+        <a:xfrm>
+          <a:off x="0" y="0"/>
+          <a:ext cx="0" cy="0"/>
+          <a:chOff x="0" y="0"/>
+          <a:chExt cx="0" cy="0"/>
+        </a:xfrm>
+      </p:grpSpPr>
+      <p:sp>
+        <p:nvSpPr>
+          <p:cNvPr id="2" name="Slide Image Placeholder 1"/>
+          <p:cNvSpPr>
+            <a:spLocks noGrp="1" noRot="1" noChangeAspect="1"/>
+          </p:cNvSpPr>
+          <p:nvPr>
+            <p:ph type="sldImg"/>
+          </p:nvPr>
+        </p:nvSpPr>
+        <p:spPr/>
+      </p:sp>
+      <p:sp>
+        <p:nvSpPr>
+          <p:cNvPr id="3" name="Notes Placeholder 2"/>
+          <p:cNvSpPr>
+            <a:spLocks noGrp="1"/>
+          </p:cNvSpPr>
+          <p:nvPr>
+            <p:ph type="body" idx="1"/>
+          </p:nvPr>
+        </p:nvSpPr>
+        <p:spPr/>
+        <p:txBody>
+          <a:bodyPr/>
+          <a:lstStyle/>
+          <a:p>
+            <a:r>
+              <a:rPr lang="en-US" dirty="0" smtClean="0"/>
+              <a:t>Base direction</a:t>
+            </a:r>
+            <a:endParaRPr lang="en-US" dirty="0"/>
+          </a:p>
+        </p:txBody>
+      </p:sp>
+      <p:sp>
+        <p:nvSpPr>
+          <p:cNvPr id="4" name="Slide Number Placeholder 3"/>
+          <p:cNvSpPr>
+            <a:spLocks noGrp="1"/>
+          </p:cNvSpPr>
+          <p:nvPr>
+            <p:ph type="sldNum" sz="quarter" idx="10"/>
+          </p:nvPr>
+        </p:nvSpPr>
+        <p:spPr/>
+        <p:txBody>
+          <a:bodyPr/>
+          <a:lstStyle/>
+          <a:p>
+            <a:fld id="{5845F458-97E0-4448-9DA7-C7B2C7E1BA9B}" type="slidenum">
+              <a:rPr lang="en-US" smtClean="0"/>
+              <a:t>17</a:t>
+            </a:fld>
+            <a:endParaRPr lang="en-US"/>
+          </a:p>
+        </p:txBody>
+      </p:sp>
+    </p:spTree>
+    <p:extLst>
+      <p:ext uri="{BB962C8B-B14F-4D97-AF65-F5344CB8AC3E}">
+        <p14:creationId xmlns:p14="http://schemas.microsoft.com/office/powerpoint/2010/main" val="3552166949"/>
+      </p:ext>
+    </p:extLst>
+  </p:cSld>
+  <p:clrMapOvr>
+    <a:masterClrMapping/>
+  </p:clrMapOvr>
+</p:notes>
+</file>
+
+<file path=ppt/notesSlides/notesSlide6.xml><?xml version="1.0" encoding="utf-8"?>
+<p:notes xmlns:a="http://schemas.openxmlformats.org/drawingml/2006/main" xmlns:r="http://schemas.openxmlformats.org/officeDocument/2006/relationships" xmlns:p="http://schemas.openxmlformats.org/presentationml/2006/main">
+  <p:cSld>
+    <p:spTree>
+      <p:nvGrpSpPr>
+        <p:cNvPr id="1" name=""/>
+        <p:cNvGrpSpPr/>
+        <p:nvPr/>
+      </p:nvGrpSpPr>
+      <p:grpSpPr>
+        <a:xfrm>
+          <a:off x="0" y="0"/>
+          <a:ext cx="0" cy="0"/>
+          <a:chOff x="0" y="0"/>
+          <a:chExt cx="0" cy="0"/>
+        </a:xfrm>
+      </p:grpSpPr>
+      <p:sp>
+        <p:nvSpPr>
+          <p:cNvPr id="2" name="Slide Image Placeholder 1"/>
+          <p:cNvSpPr>
+            <a:spLocks noGrp="1" noRot="1" noChangeAspect="1"/>
+          </p:cNvSpPr>
+          <p:nvPr>
+            <p:ph type="sldImg"/>
+          </p:nvPr>
+        </p:nvSpPr>
+        <p:spPr/>
+      </p:sp>
+      <p:sp>
+        <p:nvSpPr>
+          <p:cNvPr id="3" name="Notes Placeholder 2"/>
+          <p:cNvSpPr>
+            <a:spLocks noGrp="1"/>
+          </p:cNvSpPr>
+          <p:nvPr>
+            <p:ph type="body" idx="1"/>
+          </p:nvPr>
+        </p:nvSpPr>
+        <p:spPr/>
+        <p:txBody>
+          <a:bodyPr/>
+          <a:lstStyle/>
+          <a:p>
+            <a:r>
+              <a:rPr lang="en-US" dirty="0" smtClean="0"/>
+              <a:t>If between two STRONG</a:t>
+            </a:r>
+            <a:r>
+              <a:rPr lang="en-US" baseline="0" dirty="0" smtClean="0"/>
+              <a:t> characters, assumes directionality. Neutral and weak characters have same rules except in some cases for weak characters</a:t>
+            </a:r>
+            <a:endParaRPr lang="en-US" dirty="0"/>
+          </a:p>
+        </p:txBody>
+      </p:sp>
+      <p:sp>
+        <p:nvSpPr>
+          <p:cNvPr id="4" name="Slide Number Placeholder 3"/>
+          <p:cNvSpPr>
+            <a:spLocks noGrp="1"/>
+          </p:cNvSpPr>
+          <p:nvPr>
+            <p:ph type="sldNum" sz="quarter" idx="10"/>
+          </p:nvPr>
+        </p:nvSpPr>
+        <p:spPr/>
+        <p:txBody>
+          <a:bodyPr/>
+          <a:lstStyle/>
+          <a:p>
+            <a:fld id="{5845F458-97E0-4448-9DA7-C7B2C7E1BA9B}" type="slidenum">
+              <a:rPr lang="en-US" smtClean="0"/>
+              <a:t>18</a:t>
+            </a:fld>
+            <a:endParaRPr lang="en-US"/>
+          </a:p>
+        </p:txBody>
+      </p:sp>
+    </p:spTree>
+    <p:extLst>
+      <p:ext uri="{BB962C8B-B14F-4D97-AF65-F5344CB8AC3E}">
+        <p14:creationId xmlns:p14="http://schemas.microsoft.com/office/powerpoint/2010/main" val="3196855243"/>
+      </p:ext>
+    </p:extLst>
+  </p:cSld>
+  <p:clrMapOvr>
+    <a:masterClrMapping/>
+  </p:clrMapOvr>
+</p:notes>
+</file>
+
+<file path=ppt/notesSlides/notesSlide7.xml><?xml version="1.0" encoding="utf-8"?>
+<p:notes xmlns:a="http://schemas.openxmlformats.org/drawingml/2006/main" xmlns:r="http://schemas.openxmlformats.org/officeDocument/2006/relationships" xmlns:p="http://schemas.openxmlformats.org/presentationml/2006/main">
+  <p:cSld>
+    <p:spTree>
+      <p:nvGrpSpPr>
+        <p:cNvPr id="1" name=""/>
+        <p:cNvGrpSpPr/>
+        <p:nvPr/>
+      </p:nvGrpSpPr>
+      <p:grpSpPr>
+        <a:xfrm>
+          <a:off x="0" y="0"/>
+          <a:ext cx="0" cy="0"/>
+          <a:chOff x="0" y="0"/>
+          <a:chExt cx="0" cy="0"/>
+        </a:xfrm>
+      </p:grpSpPr>
+      <p:sp>
+        <p:nvSpPr>
+          <p:cNvPr id="2" name="Slide Image Placeholder 1"/>
+          <p:cNvSpPr>
+            <a:spLocks noGrp="1" noRot="1" noChangeAspect="1"/>
+          </p:cNvSpPr>
+          <p:nvPr>
+            <p:ph type="sldImg"/>
+          </p:nvPr>
+        </p:nvSpPr>
+        <p:spPr/>
+      </p:sp>
+      <p:sp>
+        <p:nvSpPr>
+          <p:cNvPr id="3" name="Notes Placeholder 2"/>
+          <p:cNvSpPr>
+            <a:spLocks noGrp="1"/>
+          </p:cNvSpPr>
+          <p:nvPr>
+            <p:ph type="body" idx="1"/>
+          </p:nvPr>
+        </p:nvSpPr>
+        <p:spPr/>
+        <p:txBody>
+          <a:bodyPr/>
+          <a:lstStyle/>
+          <a:p>
+            <a:r>
+              <a:rPr lang="en-US" dirty="0" smtClean="0"/>
+              <a:t>Between 2 opposite</a:t>
+            </a:r>
+            <a:r>
+              <a:rPr lang="en-US" baseline="0" dirty="0" smtClean="0"/>
+              <a:t> directions, uses base direction</a:t>
+            </a:r>
+            <a:endParaRPr lang="en-US" dirty="0"/>
+          </a:p>
+        </p:txBody>
+      </p:sp>
+      <p:sp>
+        <p:nvSpPr>
+          <p:cNvPr id="4" name="Slide Number Placeholder 3"/>
+          <p:cNvSpPr>
+            <a:spLocks noGrp="1"/>
+          </p:cNvSpPr>
+          <p:nvPr>
+            <p:ph type="sldNum" sz="quarter" idx="10"/>
+          </p:nvPr>
+        </p:nvSpPr>
+        <p:spPr/>
+        <p:txBody>
+          <a:bodyPr/>
+          <a:lstStyle/>
+          <a:p>
+            <a:fld id="{5845F458-97E0-4448-9DA7-C7B2C7E1BA9B}" type="slidenum">
+              <a:rPr lang="en-US" smtClean="0"/>
+              <a:t>19</a:t>
+            </a:fld>
+            <a:endParaRPr lang="en-US"/>
+          </a:p>
+        </p:txBody>
+      </p:sp>
+    </p:spTree>
+    <p:extLst>
+      <p:ext uri="{BB962C8B-B14F-4D97-AF65-F5344CB8AC3E}">
+        <p14:creationId xmlns:p14="http://schemas.microsoft.com/office/powerpoint/2010/main" val="719540834"/>
+      </p:ext>
+    </p:extLst>
+  </p:cSld>
+  <p:clrMapOvr>
+    <a:masterClrMapping/>
+  </p:clrMapOvr>
+</p:notes>
+</file>
+
+<file path=ppt/notesSlides/notesSlide8.xml><?xml version="1.0" encoding="utf-8"?>
+<p:notes xmlns:a="http://schemas.openxmlformats.org/drawingml/2006/main" xmlns:r="http://schemas.openxmlformats.org/officeDocument/2006/relationships" xmlns:p="http://schemas.openxmlformats.org/presentationml/2006/main">
+  <p:cSld>
+    <p:spTree>
+      <p:nvGrpSpPr>
+        <p:cNvPr id="1" name=""/>
+        <p:cNvGrpSpPr/>
+        <p:nvPr/>
+      </p:nvGrpSpPr>
+      <p:grpSpPr>
+        <a:xfrm>
+          <a:off x="0" y="0"/>
+          <a:ext cx="0" cy="0"/>
+          <a:chOff x="0" y="0"/>
+          <a:chExt cx="0" cy="0"/>
+        </a:xfrm>
+      </p:grpSpPr>
+      <p:sp>
+        <p:nvSpPr>
+          <p:cNvPr id="2" name="Slide Image Placeholder 1"/>
+          <p:cNvSpPr>
+            <a:spLocks noGrp="1" noRot="1" noChangeAspect="1"/>
+          </p:cNvSpPr>
+          <p:nvPr>
+            <p:ph type="sldImg"/>
+          </p:nvPr>
+        </p:nvSpPr>
+        <p:spPr/>
+      </p:sp>
+      <p:sp>
+        <p:nvSpPr>
+          <p:cNvPr id="3" name="Notes Placeholder 2"/>
+          <p:cNvSpPr>
+            <a:spLocks noGrp="1"/>
+          </p:cNvSpPr>
+          <p:nvPr>
+            <p:ph type="body" idx="1"/>
+          </p:nvPr>
+        </p:nvSpPr>
+        <p:spPr/>
+        <p:txBody>
+          <a:bodyPr/>
+          <a:lstStyle/>
+          <a:p>
+            <a:r>
+              <a:rPr lang="en-US" dirty="0" smtClean="0"/>
+              <a:t>Special rules for weak character numbers</a:t>
+            </a:r>
+            <a:endParaRPr lang="en-US" dirty="0"/>
+          </a:p>
+        </p:txBody>
+      </p:sp>
+      <p:sp>
+        <p:nvSpPr>
+          <p:cNvPr id="4" name="Slide Number Placeholder 3"/>
+          <p:cNvSpPr>
+            <a:spLocks noGrp="1"/>
+          </p:cNvSpPr>
+          <p:nvPr>
+            <p:ph type="sldNum" sz="quarter" idx="10"/>
+          </p:nvPr>
+        </p:nvSpPr>
+        <p:spPr/>
+        <p:txBody>
+          <a:bodyPr/>
+          <a:lstStyle/>
+          <a:p>
+            <a:fld id="{5845F458-97E0-4448-9DA7-C7B2C7E1BA9B}" type="slidenum">
+              <a:rPr lang="en-US" smtClean="0"/>
+              <a:t>20</a:t>
+            </a:fld>
+            <a:endParaRPr lang="en-US"/>
+          </a:p>
+        </p:txBody>
+      </p:sp>
+    </p:spTree>
+    <p:extLst>
+      <p:ext uri="{BB962C8B-B14F-4D97-AF65-F5344CB8AC3E}">
+        <p14:creationId xmlns:p14="http://schemas.microsoft.com/office/powerpoint/2010/main" val="1304199737"/>
+      </p:ext>
+    </p:extLst>
+  </p:cSld>
+  <p:clrMapOvr>
+    <a:masterClrMapping/>
+  </p:clrMapOvr>
+</p:notes>
+</file>
+
+<file path=ppt/notesSlides/notesSlide9.xml><?xml version="1.0" encoding="utf-8"?>
+<p:notes xmlns:a="http://schemas.openxmlformats.org/drawingml/2006/main" xmlns:r="http://schemas.openxmlformats.org/officeDocument/2006/relationships" xmlns:p="http://schemas.openxmlformats.org/presentationml/2006/main">
+  <p:cSld>
+    <p:spTree>
+      <p:nvGrpSpPr>
+        <p:cNvPr id="1" name=""/>
+        <p:cNvGrpSpPr/>
+        <p:nvPr/>
+      </p:nvGrpSpPr>
+      <p:grpSpPr>
+        <a:xfrm>
+          <a:off x="0" y="0"/>
+          <a:ext cx="0" cy="0"/>
+          <a:chOff x="0" y="0"/>
+          <a:chExt cx="0" cy="0"/>
+        </a:xfrm>
+      </p:grpSpPr>
+      <p:sp>
+        <p:nvSpPr>
+          <p:cNvPr id="2" name="Slide Image Placeholder 1"/>
+          <p:cNvSpPr>
+            <a:spLocks noGrp="1" noRot="1" noChangeAspect="1"/>
+          </p:cNvSpPr>
+          <p:nvPr>
+            <p:ph type="sldImg"/>
+          </p:nvPr>
+        </p:nvSpPr>
+        <p:spPr/>
+      </p:sp>
+      <p:sp>
+        <p:nvSpPr>
+          <p:cNvPr id="3" name="Notes Placeholder 2"/>
+          <p:cNvSpPr>
+            <a:spLocks noGrp="1"/>
+          </p:cNvSpPr>
+          <p:nvPr>
+            <p:ph type="body" idx="1"/>
+          </p:nvPr>
+        </p:nvSpPr>
+        <p:spPr/>
+        <p:txBody>
+          <a:bodyPr/>
+          <a:lstStyle/>
+          <a:p>
+            <a:r>
+              <a:rPr lang="en-US" dirty="0" smtClean="0"/>
+              <a:t>Important</a:t>
+            </a:r>
+            <a:r>
+              <a:rPr lang="en-US" baseline="0" dirty="0" smtClean="0"/>
+              <a:t> to know for </a:t>
+            </a:r>
+            <a:r>
+              <a:rPr lang="en-US" baseline="0" dirty="0" err="1" smtClean="0"/>
+              <a:t>ui</a:t>
+            </a:r>
+            <a:r>
+              <a:rPr lang="en-US" baseline="0" dirty="0" smtClean="0"/>
+              <a:t> and internationalization. Cant just translate</a:t>
+            </a:r>
+            <a:endParaRPr lang="en-US" dirty="0"/>
+          </a:p>
+        </p:txBody>
+      </p:sp>
+      <p:sp>
+        <p:nvSpPr>
+          <p:cNvPr id="4" name="Slide Number Placeholder 3"/>
+          <p:cNvSpPr>
+            <a:spLocks noGrp="1"/>
+          </p:cNvSpPr>
+          <p:nvPr>
+            <p:ph type="sldNum" sz="quarter" idx="10"/>
+          </p:nvPr>
+        </p:nvSpPr>
+        <p:spPr/>
+        <p:txBody>
+          <a:bodyPr/>
+          <a:lstStyle/>
+          <a:p>
+            <a:fld id="{5845F458-97E0-4448-9DA7-C7B2C7E1BA9B}" type="slidenum">
+              <a:rPr lang="en-US" smtClean="0"/>
+              <a:t>21</a:t>
+            </a:fld>
+            <a:endParaRPr lang="en-US"/>
+          </a:p>
+        </p:txBody>
+      </p:sp>
+    </p:spTree>
+    <p:extLst>
+      <p:ext uri="{BB962C8B-B14F-4D97-AF65-F5344CB8AC3E}">
+        <p14:creationId xmlns:p14="http://schemas.microsoft.com/office/powerpoint/2010/main" val="109054784"/>
+      </p:ext>
+    </p:extLst>
+  </p:cSld>
+  <p:clrMapOvr>
+    <a:masterClrMapping/>
+  </p:clrMapOvr>
+</p:notes>
 </file>
 
 <file path=ppt/slideLayouts/slideLayout1.xml><?xml version="1.0" encoding="utf-8"?>
@@ -3120,14 +4570,11 @@
             <a:pPr lvl="1"/>
             <a:r>
               <a:rPr lang="en-US" dirty="0" smtClean="0"/>
-              <a:t>Marks – Used to change grouping of adjacent characters</a:t>
-            </a:r>
-          </a:p>
-          <a:p>
-            <a:pPr lvl="1"/>
-            <a:r>
-              <a:rPr lang="en-US" dirty="0" smtClean="0"/>
-              <a:t>Embedding – Classic method of explicit formatting. </a:t>
+              <a:t>Embedding </a:t>
+            </a:r>
+            <a:r>
+              <a:rPr lang="en-US" dirty="0" smtClean="0"/>
+              <a:t>– Classic method of explicit formatting. </a:t>
             </a:r>
             <a:r>
               <a:rPr lang="en-US" dirty="0" smtClean="0">
@@ -3177,7 +4624,6 @@
               <a:rPr lang="en-US" dirty="0" smtClean="0"/>
               <a:t>FIRST STRONG ISOLATE</a:t>
             </a:r>
-            <a:endParaRPr lang="en-US" dirty="0" smtClean="0"/>
           </a:p>
         </p:txBody>
       </p:sp>
@@ -3185,6 +4631,346 @@
     <p:extLst>
       <p:ext uri="{BB962C8B-B14F-4D97-AF65-F5344CB8AC3E}">
         <p14:creationId xmlns:p14="http://schemas.microsoft.com/office/powerpoint/2010/main" val="1471764942"/>
+      </p:ext>
+    </p:extLst>
+  </p:cSld>
+  <p:clrMapOvr>
+    <a:masterClrMapping/>
+  </p:clrMapOvr>
+  <p:timing>
+    <p:tnLst>
+      <p:par>
+        <p:cTn id="1" dur="indefinite" restart="never" nodeType="tmRoot"/>
+      </p:par>
+    </p:tnLst>
+  </p:timing>
+</p:sld>
+</file>
+
+<file path=ppt/slides/slide11.xml><?xml version="1.0" encoding="utf-8"?>
+<p:sld xmlns:a="http://schemas.openxmlformats.org/drawingml/2006/main" xmlns:r="http://schemas.openxmlformats.org/officeDocument/2006/relationships" xmlns:p="http://schemas.openxmlformats.org/presentationml/2006/main">
+  <p:cSld>
+    <p:spTree>
+      <p:nvGrpSpPr>
+        <p:cNvPr id="1" name=""/>
+        <p:cNvGrpSpPr/>
+        <p:nvPr/>
+      </p:nvGrpSpPr>
+      <p:grpSpPr>
+        <a:xfrm>
+          <a:off x="0" y="0"/>
+          <a:ext cx="0" cy="0"/>
+          <a:chOff x="0" y="0"/>
+          <a:chExt cx="0" cy="0"/>
+        </a:xfrm>
+      </p:grpSpPr>
+      <p:sp>
+        <p:nvSpPr>
+          <p:cNvPr id="2" name="Title 1"/>
+          <p:cNvSpPr>
+            <a:spLocks noGrp="1"/>
+          </p:cNvSpPr>
+          <p:nvPr>
+            <p:ph type="title"/>
+          </p:nvPr>
+        </p:nvSpPr>
+        <p:spPr/>
+        <p:txBody>
+          <a:bodyPr/>
+          <a:lstStyle/>
+          <a:p>
+            <a:r>
+              <a:rPr lang="en-US" dirty="0" smtClean="0"/>
+              <a:t>Explicit characters</a:t>
+            </a:r>
+            <a:endParaRPr lang="en-US" dirty="0"/>
+          </a:p>
+        </p:txBody>
+      </p:sp>
+      <p:sp>
+        <p:nvSpPr>
+          <p:cNvPr id="3" name="Content Placeholder 2"/>
+          <p:cNvSpPr>
+            <a:spLocks noGrp="1"/>
+          </p:cNvSpPr>
+          <p:nvPr>
+            <p:ph idx="1"/>
+          </p:nvPr>
+        </p:nvSpPr>
+        <p:spPr/>
+        <p:txBody>
+          <a:bodyPr/>
+          <a:lstStyle/>
+          <a:p>
+            <a:r>
+              <a:rPr lang="en-US" dirty="0" smtClean="0"/>
+              <a:t>Control characters that modify default algorithm behavior </a:t>
+            </a:r>
+          </a:p>
+          <a:p>
+            <a:r>
+              <a:rPr lang="en-US" dirty="0" smtClean="0"/>
+              <a:t>Different types</a:t>
+            </a:r>
+          </a:p>
+          <a:p>
+            <a:pPr lvl="1"/>
+            <a:r>
+              <a:rPr lang="en-US" dirty="0" smtClean="0"/>
+              <a:t>Embedding </a:t>
+            </a:r>
+            <a:r>
+              <a:rPr lang="en-US" dirty="0" smtClean="0"/>
+              <a:t>– Classic method of explicit formatting. </a:t>
+            </a:r>
+            <a:r>
+              <a:rPr lang="en-US" dirty="0" smtClean="0">
+                <a:solidFill>
+                  <a:schemeClr val="accent5"/>
+                </a:solidFill>
+              </a:rPr>
+              <a:t>Isolates</a:t>
+            </a:r>
+            <a:r>
+              <a:rPr lang="en-US" dirty="0" smtClean="0"/>
+              <a:t> are </a:t>
+            </a:r>
+            <a:r>
+              <a:rPr lang="en-US" dirty="0" err="1" smtClean="0"/>
+              <a:t>favoured</a:t>
+            </a:r>
+            <a:r>
+              <a:rPr lang="en-US" dirty="0" smtClean="0"/>
+              <a:t> instead</a:t>
+            </a:r>
+          </a:p>
+          <a:p>
+            <a:pPr lvl="1"/>
+            <a:r>
+              <a:rPr lang="en-US" dirty="0" smtClean="0"/>
+              <a:t>Isolates – Signal that text should be directionally isolated</a:t>
+            </a:r>
+          </a:p>
+          <a:p>
+            <a:pPr lvl="1"/>
+            <a:r>
+              <a:rPr lang="en-US" dirty="0" smtClean="0"/>
+              <a:t>Pops – Terminate scope of latest explicit character</a:t>
+            </a:r>
+          </a:p>
+          <a:p>
+            <a:pPr lvl="2"/>
+            <a:r>
+              <a:rPr lang="en-US" dirty="0" smtClean="0"/>
+              <a:t>POP DIRECTIONAL FORMATTING</a:t>
+            </a:r>
+          </a:p>
+          <a:p>
+            <a:pPr lvl="2"/>
+            <a:r>
+              <a:rPr lang="en-US" dirty="0" smtClean="0"/>
+              <a:t>POP DIRECTIONAL ISOLATE</a:t>
+            </a:r>
+          </a:p>
+        </p:txBody>
+      </p:sp>
+    </p:spTree>
+    <p:extLst>
+      <p:ext uri="{BB962C8B-B14F-4D97-AF65-F5344CB8AC3E}">
+        <p14:creationId xmlns:p14="http://schemas.microsoft.com/office/powerpoint/2010/main" val="953310226"/>
+      </p:ext>
+    </p:extLst>
+  </p:cSld>
+  <p:clrMapOvr>
+    <a:masterClrMapping/>
+  </p:clrMapOvr>
+  <p:timing>
+    <p:tnLst>
+      <p:par>
+        <p:cTn id="1" dur="indefinite" restart="never" nodeType="tmRoot"/>
+      </p:par>
+    </p:tnLst>
+  </p:timing>
+</p:sld>
+</file>
+
+<file path=ppt/slides/slide12.xml><?xml version="1.0" encoding="utf-8"?>
+<p:sld xmlns:a="http://schemas.openxmlformats.org/drawingml/2006/main" xmlns:r="http://schemas.openxmlformats.org/officeDocument/2006/relationships" xmlns:p="http://schemas.openxmlformats.org/presentationml/2006/main">
+  <p:cSld>
+    <p:spTree>
+      <p:nvGrpSpPr>
+        <p:cNvPr id="1" name=""/>
+        <p:cNvGrpSpPr/>
+        <p:nvPr/>
+      </p:nvGrpSpPr>
+      <p:grpSpPr>
+        <a:xfrm>
+          <a:off x="0" y="0"/>
+          <a:ext cx="0" cy="0"/>
+          <a:chOff x="0" y="0"/>
+          <a:chExt cx="0" cy="0"/>
+        </a:xfrm>
+      </p:grpSpPr>
+      <p:sp>
+        <p:nvSpPr>
+          <p:cNvPr id="2" name="Title 1"/>
+          <p:cNvSpPr>
+            <a:spLocks noGrp="1"/>
+          </p:cNvSpPr>
+          <p:nvPr>
+            <p:ph type="title"/>
+          </p:nvPr>
+        </p:nvSpPr>
+        <p:spPr/>
+        <p:txBody>
+          <a:bodyPr/>
+          <a:lstStyle/>
+          <a:p>
+            <a:r>
+              <a:rPr lang="en-US" dirty="0" smtClean="0"/>
+              <a:t>Unicode </a:t>
+            </a:r>
+            <a:r>
+              <a:rPr lang="en-US" dirty="0" err="1" smtClean="0"/>
+              <a:t>Bidirection</a:t>
+            </a:r>
+            <a:r>
+              <a:rPr lang="en-US" dirty="0" smtClean="0"/>
+              <a:t> Algorithm</a:t>
+            </a:r>
+            <a:endParaRPr lang="en-US" dirty="0"/>
+          </a:p>
+        </p:txBody>
+      </p:sp>
+      <p:sp>
+        <p:nvSpPr>
+          <p:cNvPr id="3" name="Content Placeholder 2"/>
+          <p:cNvSpPr>
+            <a:spLocks noGrp="1"/>
+          </p:cNvSpPr>
+          <p:nvPr>
+            <p:ph idx="1"/>
+          </p:nvPr>
+        </p:nvSpPr>
+        <p:spPr/>
+        <p:txBody>
+          <a:bodyPr>
+            <a:normAutofit fontScale="92500" lnSpcReduction="10000"/>
+          </a:bodyPr>
+          <a:lstStyle/>
+          <a:p>
+            <a:r>
+              <a:rPr lang="en-US" dirty="0" smtClean="0">
+                <a:solidFill>
+                  <a:schemeClr val="bg2"/>
+                </a:solidFill>
+              </a:rPr>
+              <a:t>Code points have directionality assigned to them</a:t>
+            </a:r>
+          </a:p>
+          <a:p>
+            <a:r>
+              <a:rPr lang="en-US" dirty="0" smtClean="0">
+                <a:solidFill>
+                  <a:schemeClr val="bg2"/>
+                </a:solidFill>
+              </a:rPr>
+              <a:t>Partitioned into 4 types</a:t>
+            </a:r>
+          </a:p>
+          <a:p>
+            <a:pPr lvl="1"/>
+            <a:r>
+              <a:rPr lang="en-US" dirty="0" smtClean="0">
+                <a:solidFill>
+                  <a:schemeClr val="bg2"/>
+                </a:solidFill>
+              </a:rPr>
+              <a:t>Strong – Have a definite direction. Ex. English Alphabet characters</a:t>
+            </a:r>
+          </a:p>
+          <a:p>
+            <a:pPr lvl="1"/>
+            <a:r>
+              <a:rPr lang="en-US" dirty="0" smtClean="0">
+                <a:solidFill>
+                  <a:schemeClr val="bg2"/>
+                </a:solidFill>
+              </a:rPr>
+              <a:t>Weak – Vague direction. Ex. Digits, mathematic symbols</a:t>
+            </a:r>
+          </a:p>
+          <a:p>
+            <a:pPr lvl="1"/>
+            <a:r>
+              <a:rPr lang="en-US" dirty="0" smtClean="0">
+                <a:solidFill>
+                  <a:schemeClr val="bg2"/>
+                </a:solidFill>
+              </a:rPr>
+              <a:t>Neutral – Direction determined by surrounding. Ex. Whitespace</a:t>
+            </a:r>
+          </a:p>
+          <a:p>
+            <a:pPr lvl="1"/>
+            <a:r>
+              <a:rPr lang="en-US" dirty="0" smtClean="0">
+                <a:solidFill>
+                  <a:schemeClr val="bg2"/>
+                </a:solidFill>
+              </a:rPr>
+              <a:t>Explicit - Control characters that modifies default algorithm behavior</a:t>
+            </a:r>
+          </a:p>
+          <a:p>
+            <a:r>
+              <a:rPr lang="en-US" dirty="0" smtClean="0"/>
+              <a:t>Base direction</a:t>
+            </a:r>
+          </a:p>
+          <a:p>
+            <a:pPr lvl="1"/>
+            <a:r>
+              <a:rPr lang="en-US" dirty="0" smtClean="0"/>
+              <a:t>Assigned to containing block.</a:t>
+            </a:r>
+          </a:p>
+          <a:p>
+            <a:pPr lvl="1"/>
+            <a:r>
+              <a:rPr lang="en-US" dirty="0" smtClean="0"/>
+              <a:t>Changes visual order – Remember code points are stored in an order in memory, but not necessarily displayed in that order</a:t>
+            </a:r>
+            <a:r>
+              <a:rPr lang="en-US" dirty="0" smtClean="0"/>
+              <a:t>!</a:t>
+            </a:r>
+          </a:p>
+          <a:p>
+            <a:pPr lvl="1"/>
+            <a:r>
+              <a:rPr lang="en-US" dirty="0" err="1" smtClean="0"/>
+              <a:t>Embeddings</a:t>
+            </a:r>
+            <a:r>
+              <a:rPr lang="en-US" dirty="0" smtClean="0"/>
+              <a:t>, Isolates</a:t>
+            </a:r>
+          </a:p>
+          <a:p>
+            <a:pPr lvl="1"/>
+            <a:r>
+              <a:rPr lang="en-US" dirty="0" smtClean="0"/>
+              <a:t>Dir attribute in HTML</a:t>
+            </a:r>
+            <a:endParaRPr lang="en-US" dirty="0" smtClean="0"/>
+          </a:p>
+        </p:txBody>
+      </p:sp>
+    </p:spTree>
+    <p:extLst>
+      <p:ext uri="{BB962C8B-B14F-4D97-AF65-F5344CB8AC3E}">
+        <p14:creationId xmlns:p14="http://schemas.microsoft.com/office/powerpoint/2010/main" val="880588641"/>
       </p:ext>
     </p:extLst>
   </p:cSld>
@@ -3203,9 +4989,6 @@
                     <p:cTn id="3" fill="hold">
                       <p:stCondLst>
                         <p:cond delay="indefinite"/>
-                        <p:cond evt="onBegin" delay="0">
-                          <p:tn val="2"/>
-                        </p:cond>
                       </p:stCondLst>
                       <p:childTnLst>
                         <p:par>
@@ -3215,7 +4998,7 @@
                             </p:stCondLst>
                             <p:childTnLst>
                               <p:par>
-                                <p:cTn id="5" presetID="1" presetClass="entr" presetSubtype="0" fill="hold" grpId="0" nodeType="withEffect">
+                                <p:cTn id="5" presetID="1" presetClass="entr" presetSubtype="0" fill="hold" grpId="0" nodeType="clickEffect">
                                   <p:stCondLst>
                                     <p:cond delay="0"/>
                                   </p:stCondLst>
@@ -3230,7 +5013,7 @@
                                         <p:tgtEl>
                                           <p:spTgt spid="3">
                                             <p:txEl>
-                                              <p:pRg st="4" end="4"/>
+                                              <p:pRg st="7" end="7"/>
                                             </p:txEl>
                                           </p:spTgt>
                                         </p:tgtEl>
@@ -3279,7 +5062,7 @@
                                         <p:tgtEl>
                                           <p:spTgt spid="3">
                                             <p:txEl>
-                                              <p:pRg st="5" end="5"/>
+                                              <p:pRg st="8" end="8"/>
                                             </p:txEl>
                                           </p:spTgt>
                                         </p:tgtEl>
@@ -3294,15 +5077,33 @@
                                   </p:childTnLst>
                                 </p:cTn>
                               </p:par>
+                            </p:childTnLst>
+                          </p:cTn>
+                        </p:par>
+                      </p:childTnLst>
+                    </p:cTn>
+                  </p:par>
+                  <p:par>
+                    <p:cTn id="11" fill="hold">
+                      <p:stCondLst>
+                        <p:cond delay="indefinite"/>
+                      </p:stCondLst>
+                      <p:childTnLst>
+                        <p:par>
+                          <p:cTn id="12" fill="hold">
+                            <p:stCondLst>
+                              <p:cond delay="0"/>
+                            </p:stCondLst>
+                            <p:childTnLst>
                               <p:par>
-                                <p:cTn id="11" presetID="1" presetClass="entr" presetSubtype="0" fill="hold" grpId="0" nodeType="withEffect">
+                                <p:cTn id="13" presetID="1" presetClass="entr" presetSubtype="0" fill="hold" grpId="0" nodeType="clickEffect">
                                   <p:stCondLst>
                                     <p:cond delay="0"/>
                                   </p:stCondLst>
                                   <p:childTnLst>
                                     <p:set>
                                       <p:cBhvr>
-                                        <p:cTn id="12" dur="1" fill="hold">
+                                        <p:cTn id="14" dur="1" fill="hold">
                                           <p:stCondLst>
                                             <p:cond delay="0"/>
                                           </p:stCondLst>
@@ -3310,7 +5111,7 @@
                                         <p:tgtEl>
                                           <p:spTgt spid="3">
                                             <p:txEl>
-                                              <p:pRg st="6" end="6"/>
+                                              <p:pRg st="9" end="9"/>
                                             </p:txEl>
                                           </p:spTgt>
                                         </p:tgtEl>
@@ -3325,15 +5126,33 @@
                                   </p:childTnLst>
                                 </p:cTn>
                               </p:par>
+                            </p:childTnLst>
+                          </p:cTn>
+                        </p:par>
+                      </p:childTnLst>
+                    </p:cTn>
+                  </p:par>
+                  <p:par>
+                    <p:cTn id="15" fill="hold">
+                      <p:stCondLst>
+                        <p:cond delay="indefinite"/>
+                      </p:stCondLst>
+                      <p:childTnLst>
+                        <p:par>
+                          <p:cTn id="16" fill="hold">
+                            <p:stCondLst>
+                              <p:cond delay="0"/>
+                            </p:stCondLst>
+                            <p:childTnLst>
                               <p:par>
-                                <p:cTn id="13" presetID="1" presetClass="entr" presetSubtype="0" fill="hold" grpId="0" nodeType="withEffect">
+                                <p:cTn id="17" presetID="1" presetClass="entr" presetSubtype="0" fill="hold" grpId="0" nodeType="clickEffect">
                                   <p:stCondLst>
                                     <p:cond delay="0"/>
                                   </p:stCondLst>
                                   <p:childTnLst>
                                     <p:set>
                                       <p:cBhvr>
-                                        <p:cTn id="14" dur="1" fill="hold">
+                                        <p:cTn id="18" dur="1" fill="hold">
                                           <p:stCondLst>
                                             <p:cond delay="0"/>
                                           </p:stCondLst>
@@ -3341,7 +5160,7 @@
                                         <p:tgtEl>
                                           <p:spTgt spid="3">
                                             <p:txEl>
-                                              <p:pRg st="7" end="7"/>
+                                              <p:pRg st="10" end="10"/>
                                             </p:txEl>
                                           </p:spTgt>
                                         </p:tgtEl>
@@ -3390,325 +5209,6 @@
 </p:sld>
 </file>
 
-<file path=ppt/slides/slide11.xml><?xml version="1.0" encoding="utf-8"?>
-<p:sld xmlns:a="http://schemas.openxmlformats.org/drawingml/2006/main" xmlns:r="http://schemas.openxmlformats.org/officeDocument/2006/relationships" xmlns:p="http://schemas.openxmlformats.org/presentationml/2006/main">
-  <p:cSld>
-    <p:spTree>
-      <p:nvGrpSpPr>
-        <p:cNvPr id="1" name=""/>
-        <p:cNvGrpSpPr/>
-        <p:nvPr/>
-      </p:nvGrpSpPr>
-      <p:grpSpPr>
-        <a:xfrm>
-          <a:off x="0" y="0"/>
-          <a:ext cx="0" cy="0"/>
-          <a:chOff x="0" y="0"/>
-          <a:chExt cx="0" cy="0"/>
-        </a:xfrm>
-      </p:grpSpPr>
-      <p:sp>
-        <p:nvSpPr>
-          <p:cNvPr id="2" name="Title 1"/>
-          <p:cNvSpPr>
-            <a:spLocks noGrp="1"/>
-          </p:cNvSpPr>
-          <p:nvPr>
-            <p:ph type="title"/>
-          </p:nvPr>
-        </p:nvSpPr>
-        <p:spPr/>
-        <p:txBody>
-          <a:bodyPr/>
-          <a:lstStyle/>
-          <a:p>
-            <a:r>
-              <a:rPr lang="en-US" dirty="0" smtClean="0"/>
-              <a:t>Explicit characters</a:t>
-            </a:r>
-            <a:endParaRPr lang="en-US" dirty="0"/>
-          </a:p>
-        </p:txBody>
-      </p:sp>
-      <p:sp>
-        <p:nvSpPr>
-          <p:cNvPr id="3" name="Content Placeholder 2"/>
-          <p:cNvSpPr>
-            <a:spLocks noGrp="1"/>
-          </p:cNvSpPr>
-          <p:nvPr>
-            <p:ph idx="1"/>
-          </p:nvPr>
-        </p:nvSpPr>
-        <p:spPr/>
-        <p:txBody>
-          <a:bodyPr/>
-          <a:lstStyle/>
-          <a:p>
-            <a:r>
-              <a:rPr lang="en-US" dirty="0" smtClean="0"/>
-              <a:t>Control characters that modify default algorithm behavior </a:t>
-            </a:r>
-          </a:p>
-          <a:p>
-            <a:r>
-              <a:rPr lang="en-US" dirty="0" smtClean="0"/>
-              <a:t>Different types</a:t>
-            </a:r>
-          </a:p>
-          <a:p>
-            <a:pPr lvl="1"/>
-            <a:r>
-              <a:rPr lang="en-US" dirty="0" smtClean="0"/>
-              <a:t>Marks – Used to change grouping of adjacent characters</a:t>
-            </a:r>
-          </a:p>
-          <a:p>
-            <a:pPr lvl="1"/>
-            <a:r>
-              <a:rPr lang="en-US" dirty="0" smtClean="0"/>
-              <a:t>Embedding – Classic method of explicit formatting. </a:t>
-            </a:r>
-            <a:r>
-              <a:rPr lang="en-US" dirty="0" smtClean="0">
-                <a:solidFill>
-                  <a:schemeClr val="accent5"/>
-                </a:solidFill>
-              </a:rPr>
-              <a:t>Isolates</a:t>
-            </a:r>
-            <a:r>
-              <a:rPr lang="en-US" dirty="0" smtClean="0"/>
-              <a:t> are </a:t>
-            </a:r>
-            <a:r>
-              <a:rPr lang="en-US" dirty="0" err="1" smtClean="0"/>
-              <a:t>favoured</a:t>
-            </a:r>
-            <a:r>
-              <a:rPr lang="en-US" dirty="0" smtClean="0"/>
-              <a:t> instead</a:t>
-            </a:r>
-          </a:p>
-          <a:p>
-            <a:pPr lvl="1"/>
-            <a:r>
-              <a:rPr lang="en-US" dirty="0" smtClean="0"/>
-              <a:t>Isolates – Signal that text should be directionally isolated</a:t>
-            </a:r>
-          </a:p>
-          <a:p>
-            <a:pPr lvl="1"/>
-            <a:r>
-              <a:rPr lang="en-US" dirty="0" smtClean="0"/>
-              <a:t>Pops – Terminate scope of latest explicit character</a:t>
-            </a:r>
-          </a:p>
-          <a:p>
-            <a:pPr lvl="2"/>
-            <a:r>
-              <a:rPr lang="en-US" dirty="0" smtClean="0"/>
-              <a:t>POP DIRECTIONAL FORMATTING</a:t>
-            </a:r>
-          </a:p>
-          <a:p>
-            <a:pPr lvl="2"/>
-            <a:r>
-              <a:rPr lang="en-US" dirty="0" smtClean="0"/>
-              <a:t>POP DIRECTIONAL ISOLATE</a:t>
-            </a:r>
-            <a:endParaRPr lang="en-US" dirty="0" smtClean="0"/>
-          </a:p>
-        </p:txBody>
-      </p:sp>
-    </p:spTree>
-    <p:extLst>
-      <p:ext uri="{BB962C8B-B14F-4D97-AF65-F5344CB8AC3E}">
-        <p14:creationId xmlns:p14="http://schemas.microsoft.com/office/powerpoint/2010/main" val="953310226"/>
-      </p:ext>
-    </p:extLst>
-  </p:cSld>
-  <p:clrMapOvr>
-    <a:masterClrMapping/>
-  </p:clrMapOvr>
-  <p:timing>
-    <p:tnLst>
-      <p:par>
-        <p:cTn id="1" dur="indefinite" restart="never" nodeType="tmRoot"/>
-      </p:par>
-    </p:tnLst>
-  </p:timing>
-</p:sld>
-</file>
-
-<file path=ppt/slides/slide12.xml><?xml version="1.0" encoding="utf-8"?>
-<p:sld xmlns:a="http://schemas.openxmlformats.org/drawingml/2006/main" xmlns:r="http://schemas.openxmlformats.org/officeDocument/2006/relationships" xmlns:p="http://schemas.openxmlformats.org/presentationml/2006/main">
-  <p:cSld>
-    <p:spTree>
-      <p:nvGrpSpPr>
-        <p:cNvPr id="1" name=""/>
-        <p:cNvGrpSpPr/>
-        <p:nvPr/>
-      </p:nvGrpSpPr>
-      <p:grpSpPr>
-        <a:xfrm>
-          <a:off x="0" y="0"/>
-          <a:ext cx="0" cy="0"/>
-          <a:chOff x="0" y="0"/>
-          <a:chExt cx="0" cy="0"/>
-        </a:xfrm>
-      </p:grpSpPr>
-      <p:sp>
-        <p:nvSpPr>
-          <p:cNvPr id="2" name="Title 1"/>
-          <p:cNvSpPr>
-            <a:spLocks noGrp="1"/>
-          </p:cNvSpPr>
-          <p:nvPr>
-            <p:ph type="title"/>
-          </p:nvPr>
-        </p:nvSpPr>
-        <p:spPr/>
-        <p:txBody>
-          <a:bodyPr/>
-          <a:lstStyle/>
-          <a:p>
-            <a:r>
-              <a:rPr lang="en-US" dirty="0" smtClean="0"/>
-              <a:t>Unicode </a:t>
-            </a:r>
-            <a:r>
-              <a:rPr lang="en-US" dirty="0" err="1" smtClean="0"/>
-              <a:t>Bidirection</a:t>
-            </a:r>
-            <a:r>
-              <a:rPr lang="en-US" dirty="0" smtClean="0"/>
-              <a:t> Algorithm</a:t>
-            </a:r>
-            <a:endParaRPr lang="en-US" dirty="0"/>
-          </a:p>
-        </p:txBody>
-      </p:sp>
-      <p:sp>
-        <p:nvSpPr>
-          <p:cNvPr id="3" name="Content Placeholder 2"/>
-          <p:cNvSpPr>
-            <a:spLocks noGrp="1"/>
-          </p:cNvSpPr>
-          <p:nvPr>
-            <p:ph idx="1"/>
-          </p:nvPr>
-        </p:nvSpPr>
-        <p:spPr/>
-        <p:txBody>
-          <a:bodyPr/>
-          <a:lstStyle/>
-          <a:p>
-            <a:r>
-              <a:rPr lang="en-US" dirty="0" smtClean="0">
-                <a:solidFill>
-                  <a:schemeClr val="bg2"/>
-                </a:solidFill>
-              </a:rPr>
-              <a:t>Code points have directionality assigned to them</a:t>
-            </a:r>
-          </a:p>
-          <a:p>
-            <a:r>
-              <a:rPr lang="en-US" dirty="0" smtClean="0">
-                <a:solidFill>
-                  <a:schemeClr val="bg2"/>
-                </a:solidFill>
-              </a:rPr>
-              <a:t>Partitioned into 4 types</a:t>
-            </a:r>
-          </a:p>
-          <a:p>
-            <a:pPr lvl="1"/>
-            <a:r>
-              <a:rPr lang="en-US" dirty="0" smtClean="0">
-                <a:solidFill>
-                  <a:schemeClr val="bg2"/>
-                </a:solidFill>
-              </a:rPr>
-              <a:t>Strong – Have a definite direction. Ex. English Alphabet characters</a:t>
-            </a:r>
-          </a:p>
-          <a:p>
-            <a:pPr lvl="1"/>
-            <a:r>
-              <a:rPr lang="en-US" dirty="0" smtClean="0">
-                <a:solidFill>
-                  <a:schemeClr val="bg2"/>
-                </a:solidFill>
-              </a:rPr>
-              <a:t>Weak – Vague direction. Ex. Digits, mathematic symbols</a:t>
-            </a:r>
-          </a:p>
-          <a:p>
-            <a:pPr lvl="1"/>
-            <a:r>
-              <a:rPr lang="en-US" dirty="0" smtClean="0">
-                <a:solidFill>
-                  <a:schemeClr val="bg2"/>
-                </a:solidFill>
-              </a:rPr>
-              <a:t>Neutral – Direction determined by surrounding. Ex. Whitespace</a:t>
-            </a:r>
-          </a:p>
-          <a:p>
-            <a:pPr lvl="1"/>
-            <a:r>
-              <a:rPr lang="en-US" dirty="0" smtClean="0">
-                <a:solidFill>
-                  <a:schemeClr val="bg2"/>
-                </a:solidFill>
-              </a:rPr>
-              <a:t>Explicit - Control characters that modifies default algorithm behavior</a:t>
-            </a:r>
-          </a:p>
-          <a:p>
-            <a:r>
-              <a:rPr lang="en-US" dirty="0" smtClean="0"/>
-              <a:t>Base direction</a:t>
-            </a:r>
-          </a:p>
-          <a:p>
-            <a:pPr lvl="1"/>
-            <a:r>
-              <a:rPr lang="en-US" dirty="0" smtClean="0"/>
-              <a:t>Assigned to containing block.</a:t>
-            </a:r>
-          </a:p>
-          <a:p>
-            <a:pPr lvl="1"/>
-            <a:r>
-              <a:rPr lang="en-US" dirty="0" smtClean="0"/>
-              <a:t>Changes visual order – Remember code points are stored in an order in memory, but not necessarily displayed in that order!</a:t>
-            </a:r>
-          </a:p>
-        </p:txBody>
-      </p:sp>
-    </p:spTree>
-    <p:extLst>
-      <p:ext uri="{BB962C8B-B14F-4D97-AF65-F5344CB8AC3E}">
-        <p14:creationId xmlns:p14="http://schemas.microsoft.com/office/powerpoint/2010/main" val="880588641"/>
-      </p:ext>
-    </p:extLst>
-  </p:cSld>
-  <p:clrMapOvr>
-    <a:masterClrMapping/>
-  </p:clrMapOvr>
-  <p:timing>
-    <p:tnLst>
-      <p:par>
-        <p:cTn id="1" dur="indefinite" restart="never" nodeType="tmRoot"/>
-      </p:par>
-    </p:tnLst>
-  </p:timing>
-</p:sld>
-</file>
-
 <file path=ppt/slides/slide13.xml><?xml version="1.0" encoding="utf-8"?>
 <p:sld xmlns:a="http://schemas.openxmlformats.org/drawingml/2006/main" xmlns:r="http://schemas.openxmlformats.org/officeDocument/2006/relationships" xmlns:p="http://schemas.openxmlformats.org/presentationml/2006/main">
   <p:cSld>
@@ -3951,11 +5451,7 @@
           <a:p>
             <a:r>
               <a:rPr lang="en-US" dirty="0" smtClean="0"/>
-              <a:t>Sequence of characters with same directionality</a:t>
-            </a:r>
-            <a:r>
-              <a:rPr lang="en-US" dirty="0" smtClean="0"/>
-              <a:t> 					</a:t>
+              <a:t>Sequence of characters with same directionality 					</a:t>
             </a:r>
             <a:endParaRPr lang="en-US" dirty="0"/>
           </a:p>
@@ -4282,7 +5778,7 @@
         </p:nvSpPr>
         <p:spPr>
           <a:xfrm>
-            <a:off x="3881484" y="3731436"/>
+            <a:off x="3944001" y="3075057"/>
             <a:ext cx="4303999" cy="707886"/>
           </a:xfrm>
           <a:prstGeom prst="rect">
@@ -4327,8 +5823,8 @@
         </p:nvCxnSpPr>
         <p:spPr>
           <a:xfrm>
-            <a:off x="4055633" y="4589928"/>
-            <a:ext cx="1400288" cy="0"/>
+            <a:off x="4058447" y="3894016"/>
+            <a:ext cx="1540317" cy="0"/>
           </a:xfrm>
           <a:prstGeom prst="straightConnector1">
             <a:avLst/>
@@ -4360,7 +5856,7 @@
         </p:nvCxnSpPr>
         <p:spPr>
           <a:xfrm>
-            <a:off x="6703807" y="4589928"/>
+            <a:off x="6752359" y="3894016"/>
             <a:ext cx="1400288" cy="0"/>
           </a:xfrm>
           <a:prstGeom prst="straightConnector1">
@@ -4393,7 +5889,7 @@
         </p:nvCxnSpPr>
         <p:spPr>
           <a:xfrm flipH="1">
-            <a:off x="5680038" y="4598889"/>
+            <a:off x="5769050" y="3894016"/>
             <a:ext cx="896471" cy="0"/>
           </a:xfrm>
           <a:prstGeom prst="straightConnector1">
@@ -4439,6 +5935,669 @@
 </file>
 
 <file path=ppt/slides/slide16.xml><?xml version="1.0" encoding="utf-8"?>
+<p:sld xmlns:a="http://schemas.openxmlformats.org/drawingml/2006/main" xmlns:r="http://schemas.openxmlformats.org/officeDocument/2006/relationships" xmlns:p="http://schemas.openxmlformats.org/presentationml/2006/main">
+  <p:cSld>
+    <p:spTree>
+      <p:nvGrpSpPr>
+        <p:cNvPr id="1" name=""/>
+        <p:cNvGrpSpPr/>
+        <p:nvPr/>
+      </p:nvGrpSpPr>
+      <p:grpSpPr>
+        <a:xfrm>
+          <a:off x="0" y="0"/>
+          <a:ext cx="0" cy="0"/>
+          <a:chOff x="0" y="0"/>
+          <a:chExt cx="0" cy="0"/>
+        </a:xfrm>
+      </p:grpSpPr>
+      <p:sp>
+        <p:nvSpPr>
+          <p:cNvPr id="11" name="Rectangle 10"/>
+          <p:cNvSpPr/>
+          <p:nvPr/>
+        </p:nvSpPr>
+        <p:spPr>
+          <a:xfrm>
+            <a:off x="3944001" y="3075057"/>
+            <a:ext cx="4303999" cy="707886"/>
+          </a:xfrm>
+          <a:prstGeom prst="rect">
+            <a:avLst/>
+          </a:prstGeom>
+        </p:spPr>
+        <p:txBody>
+          <a:bodyPr wrap="none">
+            <a:spAutoFit/>
+          </a:bodyPr>
+          <a:lstStyle/>
+          <a:p>
+            <a:r>
+              <a:rPr lang="en-US" sz="4000" dirty="0" err="1">
+                <a:solidFill>
+                  <a:srgbClr val="FF0000"/>
+                </a:solidFill>
+              </a:rPr>
+              <a:t>b</a:t>
+            </a:r>
+            <a:r>
+              <a:rPr lang="en-US" sz="4000" dirty="0" err="1" smtClean="0">
+                <a:solidFill>
+                  <a:srgbClr val="FF0000"/>
+                </a:solidFill>
+              </a:rPr>
+              <a:t>ahrain</a:t>
+            </a:r>
+            <a:r>
+              <a:rPr lang="ar-AE" sz="4000" dirty="0" smtClean="0">
+                <a:solidFill>
+                  <a:srgbClr val="7030A0"/>
+                </a:solidFill>
+              </a:rPr>
+              <a:t>مصر</a:t>
+            </a:r>
+            <a:r>
+              <a:rPr lang="ar-AE" sz="4000" dirty="0" smtClean="0"/>
+              <a:t> </a:t>
+            </a:r>
+            <a:r>
+              <a:rPr lang="en-US" sz="4000" dirty="0" smtClean="0"/>
+              <a:t> </a:t>
+            </a:r>
+            <a:r>
+              <a:rPr lang="en-US" sz="4000" dirty="0" err="1" smtClean="0">
+                <a:solidFill>
+                  <a:schemeClr val="accent6"/>
+                </a:solidFill>
+              </a:rPr>
+              <a:t>kuwait</a:t>
+            </a:r>
+            <a:endParaRPr lang="en-US" sz="4000" dirty="0">
+              <a:solidFill>
+                <a:schemeClr val="accent6"/>
+              </a:solidFill>
+            </a:endParaRPr>
+          </a:p>
+        </p:txBody>
+      </p:sp>
+      <p:cxnSp>
+        <p:nvCxnSpPr>
+          <p:cNvPr id="14" name="Straight Arrow Connector 13"/>
+          <p:cNvCxnSpPr/>
+          <p:nvPr/>
+        </p:nvCxnSpPr>
+        <p:spPr>
+          <a:xfrm>
+            <a:off x="4058447" y="3894016"/>
+            <a:ext cx="1540317" cy="0"/>
+          </a:xfrm>
+          <a:prstGeom prst="straightConnector1">
+            <a:avLst/>
+          </a:prstGeom>
+          <a:ln w="41275">
+            <a:tailEnd type="triangle"/>
+          </a:ln>
+        </p:spPr>
+        <p:style>
+          <a:lnRef idx="1">
+            <a:schemeClr val="accent1"/>
+          </a:lnRef>
+          <a:fillRef idx="0">
+            <a:schemeClr val="accent1"/>
+          </a:fillRef>
+          <a:effectRef idx="0">
+            <a:schemeClr val="accent1"/>
+          </a:effectRef>
+          <a:fontRef idx="minor">
+            <a:schemeClr val="tx1"/>
+          </a:fontRef>
+        </p:style>
+      </p:cxnSp>
+      <p:cxnSp>
+        <p:nvCxnSpPr>
+          <p:cNvPr id="16" name="Straight Arrow Connector 15"/>
+          <p:cNvCxnSpPr/>
+          <p:nvPr/>
+        </p:nvCxnSpPr>
+        <p:spPr>
+          <a:xfrm>
+            <a:off x="6752359" y="3894016"/>
+            <a:ext cx="1400288" cy="0"/>
+          </a:xfrm>
+          <a:prstGeom prst="straightConnector1">
+            <a:avLst/>
+          </a:prstGeom>
+          <a:ln w="41275">
+            <a:tailEnd type="triangle"/>
+          </a:ln>
+        </p:spPr>
+        <p:style>
+          <a:lnRef idx="1">
+            <a:schemeClr val="accent1"/>
+          </a:lnRef>
+          <a:fillRef idx="0">
+            <a:schemeClr val="accent1"/>
+          </a:fillRef>
+          <a:effectRef idx="0">
+            <a:schemeClr val="accent1"/>
+          </a:effectRef>
+          <a:fontRef idx="minor">
+            <a:schemeClr val="tx1"/>
+          </a:fontRef>
+        </p:style>
+      </p:cxnSp>
+      <p:cxnSp>
+        <p:nvCxnSpPr>
+          <p:cNvPr id="17" name="Straight Arrow Connector 16"/>
+          <p:cNvCxnSpPr/>
+          <p:nvPr/>
+        </p:nvCxnSpPr>
+        <p:spPr>
+          <a:xfrm flipH="1">
+            <a:off x="5769050" y="3894016"/>
+            <a:ext cx="896471" cy="0"/>
+          </a:xfrm>
+          <a:prstGeom prst="straightConnector1">
+            <a:avLst/>
+          </a:prstGeom>
+          <a:ln w="41275">
+            <a:tailEnd type="triangle"/>
+          </a:ln>
+        </p:spPr>
+        <p:style>
+          <a:lnRef idx="1">
+            <a:schemeClr val="accent1"/>
+          </a:lnRef>
+          <a:fillRef idx="0">
+            <a:schemeClr val="accent1"/>
+          </a:fillRef>
+          <a:effectRef idx="0">
+            <a:schemeClr val="accent1"/>
+          </a:effectRef>
+          <a:fontRef idx="minor">
+            <a:schemeClr val="tx1"/>
+          </a:fontRef>
+        </p:style>
+      </p:cxnSp>
+      <p:sp>
+        <p:nvSpPr>
+          <p:cNvPr id="6" name="TextBox 5"/>
+          <p:cNvSpPr txBox="1"/>
+          <p:nvPr/>
+        </p:nvSpPr>
+        <p:spPr>
+          <a:xfrm>
+            <a:off x="1487586" y="4685288"/>
+            <a:ext cx="9216829" cy="369332"/>
+          </a:xfrm>
+          <a:prstGeom prst="rect">
+            <a:avLst/>
+          </a:prstGeom>
+          <a:noFill/>
+        </p:spPr>
+        <p:txBody>
+          <a:bodyPr wrap="square" rtlCol="0">
+            <a:spAutoFit/>
+          </a:bodyPr>
+          <a:lstStyle/>
+          <a:p>
+            <a:r>
+              <a:rPr lang="en-US" dirty="0"/>
+              <a:t>[  </a:t>
+            </a:r>
+            <a:r>
+              <a:rPr lang="en-US" dirty="0">
+                <a:solidFill>
+                  <a:srgbClr val="FF0000"/>
+                </a:solidFill>
+              </a:rPr>
+              <a:t>98,  97,  104,  114,  97,  105,  110</a:t>
+            </a:r>
+            <a:r>
+              <a:rPr lang="en-US" dirty="0"/>
+              <a:t>,  32, </a:t>
+            </a:r>
+            <a:r>
+              <a:rPr lang="en-US" dirty="0" smtClean="0"/>
+              <a:t> </a:t>
+            </a:r>
+            <a:r>
+              <a:rPr lang="en-US" dirty="0" smtClean="0">
+                <a:solidFill>
+                  <a:srgbClr val="7030A0"/>
+                </a:solidFill>
+              </a:rPr>
+              <a:t>1605,  1589,  1585</a:t>
+            </a:r>
+            <a:r>
+              <a:rPr lang="en-US" dirty="0" smtClean="0"/>
+              <a:t>,  </a:t>
+            </a:r>
+            <a:r>
+              <a:rPr lang="en-US" dirty="0"/>
+              <a:t>32,  </a:t>
+            </a:r>
+            <a:r>
+              <a:rPr lang="en-US" dirty="0">
+                <a:solidFill>
+                  <a:schemeClr val="accent6"/>
+                </a:solidFill>
+              </a:rPr>
+              <a:t>107,  117,  119,  97,  105,  116</a:t>
+            </a:r>
+            <a:r>
+              <a:rPr lang="en-US" dirty="0"/>
+              <a:t>]</a:t>
+            </a:r>
+          </a:p>
+        </p:txBody>
+      </p:sp>
+      <p:sp>
+        <p:nvSpPr>
+          <p:cNvPr id="7" name="Rectangle 6"/>
+          <p:cNvSpPr/>
+          <p:nvPr/>
+        </p:nvSpPr>
+        <p:spPr>
+          <a:xfrm>
+            <a:off x="5494141" y="5054620"/>
+            <a:ext cx="263214" cy="369332"/>
+          </a:xfrm>
+          <a:prstGeom prst="rect">
+            <a:avLst/>
+          </a:prstGeom>
+        </p:spPr>
+        <p:txBody>
+          <a:bodyPr wrap="none">
+            <a:spAutoFit/>
+          </a:bodyPr>
+          <a:lstStyle/>
+          <a:p>
+            <a:r>
+              <a:rPr lang="ar-AE" dirty="0"/>
+              <a:t>م</a:t>
+            </a:r>
+            <a:endParaRPr lang="en-US" dirty="0"/>
+          </a:p>
+        </p:txBody>
+      </p:sp>
+      <p:sp>
+        <p:nvSpPr>
+          <p:cNvPr id="8" name="Rectangle 7"/>
+          <p:cNvSpPr/>
+          <p:nvPr/>
+        </p:nvSpPr>
+        <p:spPr>
+          <a:xfrm>
+            <a:off x="6006407" y="5054620"/>
+            <a:ext cx="437940" cy="369332"/>
+          </a:xfrm>
+          <a:prstGeom prst="rect">
+            <a:avLst/>
+          </a:prstGeom>
+        </p:spPr>
+        <p:txBody>
+          <a:bodyPr wrap="none">
+            <a:spAutoFit/>
+          </a:bodyPr>
+          <a:lstStyle/>
+          <a:p>
+            <a:r>
+              <a:rPr lang="ar-AE" dirty="0"/>
+              <a:t>ص</a:t>
+            </a:r>
+            <a:endParaRPr lang="en-US" dirty="0"/>
+          </a:p>
+        </p:txBody>
+      </p:sp>
+      <p:sp>
+        <p:nvSpPr>
+          <p:cNvPr id="9" name="Rectangle 8"/>
+          <p:cNvSpPr/>
+          <p:nvPr/>
+        </p:nvSpPr>
+        <p:spPr>
+          <a:xfrm>
+            <a:off x="6669123" y="5054620"/>
+            <a:ext cx="296876" cy="369332"/>
+          </a:xfrm>
+          <a:prstGeom prst="rect">
+            <a:avLst/>
+          </a:prstGeom>
+        </p:spPr>
+        <p:txBody>
+          <a:bodyPr wrap="none">
+            <a:spAutoFit/>
+          </a:bodyPr>
+          <a:lstStyle/>
+          <a:p>
+            <a:r>
+              <a:rPr lang="ar-AE" dirty="0"/>
+              <a:t>ر</a:t>
+            </a:r>
+            <a:endParaRPr lang="en-US" dirty="0"/>
+          </a:p>
+        </p:txBody>
+      </p:sp>
+      <p:sp>
+        <p:nvSpPr>
+          <p:cNvPr id="15" name="Rectangle 14"/>
+          <p:cNvSpPr/>
+          <p:nvPr/>
+        </p:nvSpPr>
+        <p:spPr>
+          <a:xfrm>
+            <a:off x="6478737" y="2733413"/>
+            <a:ext cx="263214" cy="369332"/>
+          </a:xfrm>
+          <a:prstGeom prst="rect">
+            <a:avLst/>
+          </a:prstGeom>
+        </p:spPr>
+        <p:txBody>
+          <a:bodyPr wrap="none">
+            <a:spAutoFit/>
+          </a:bodyPr>
+          <a:lstStyle/>
+          <a:p>
+            <a:r>
+              <a:rPr lang="ar-AE" dirty="0"/>
+              <a:t>م</a:t>
+            </a:r>
+            <a:endParaRPr lang="en-US" dirty="0"/>
+          </a:p>
+        </p:txBody>
+      </p:sp>
+      <p:sp>
+        <p:nvSpPr>
+          <p:cNvPr id="18" name="Rectangle 17"/>
+          <p:cNvSpPr/>
+          <p:nvPr/>
+        </p:nvSpPr>
+        <p:spPr>
+          <a:xfrm>
+            <a:off x="6040797" y="2761262"/>
+            <a:ext cx="437940" cy="369332"/>
+          </a:xfrm>
+          <a:prstGeom prst="rect">
+            <a:avLst/>
+          </a:prstGeom>
+        </p:spPr>
+        <p:txBody>
+          <a:bodyPr wrap="none">
+            <a:spAutoFit/>
+          </a:bodyPr>
+          <a:lstStyle/>
+          <a:p>
+            <a:r>
+              <a:rPr lang="ar-AE" dirty="0"/>
+              <a:t>ص</a:t>
+            </a:r>
+            <a:endParaRPr lang="en-US" dirty="0"/>
+          </a:p>
+        </p:txBody>
+      </p:sp>
+      <p:sp>
+        <p:nvSpPr>
+          <p:cNvPr id="19" name="Rectangle 18"/>
+          <p:cNvSpPr/>
+          <p:nvPr/>
+        </p:nvSpPr>
+        <p:spPr>
+          <a:xfrm>
+            <a:off x="5771608" y="2755579"/>
+            <a:ext cx="296876" cy="369332"/>
+          </a:xfrm>
+          <a:prstGeom prst="rect">
+            <a:avLst/>
+          </a:prstGeom>
+        </p:spPr>
+        <p:txBody>
+          <a:bodyPr wrap="none">
+            <a:spAutoFit/>
+          </a:bodyPr>
+          <a:lstStyle/>
+          <a:p>
+            <a:r>
+              <a:rPr lang="ar-AE" dirty="0"/>
+              <a:t>ر</a:t>
+            </a:r>
+            <a:endParaRPr lang="en-US" dirty="0"/>
+          </a:p>
+        </p:txBody>
+      </p:sp>
+    </p:spTree>
+    <p:extLst>
+      <p:ext uri="{BB962C8B-B14F-4D97-AF65-F5344CB8AC3E}">
+        <p14:creationId xmlns:p14="http://schemas.microsoft.com/office/powerpoint/2010/main" val="1350525536"/>
+      </p:ext>
+    </p:extLst>
+  </p:cSld>
+  <p:clrMapOvr>
+    <a:masterClrMapping/>
+  </p:clrMapOvr>
+  <p:timing>
+    <p:tnLst>
+      <p:par>
+        <p:cTn id="1" dur="indefinite" restart="never" nodeType="tmRoot">
+          <p:childTnLst>
+            <p:seq concurrent="1" nextAc="seek">
+              <p:cTn id="2" dur="indefinite" nodeType="mainSeq">
+                <p:childTnLst>
+                  <p:par>
+                    <p:cTn id="3" fill="hold">
+                      <p:stCondLst>
+                        <p:cond delay="indefinite"/>
+                      </p:stCondLst>
+                      <p:childTnLst>
+                        <p:par>
+                          <p:cTn id="4" fill="hold">
+                            <p:stCondLst>
+                              <p:cond delay="0"/>
+                            </p:stCondLst>
+                            <p:childTnLst>
+                              <p:par>
+                                <p:cTn id="5" presetID="1" presetClass="entr" presetSubtype="0" fill="hold" grpId="0" nodeType="clickEffect">
+                                  <p:stCondLst>
+                                    <p:cond delay="0"/>
+                                  </p:stCondLst>
+                                  <p:childTnLst>
+                                    <p:set>
+                                      <p:cBhvr>
+                                        <p:cTn id="6" dur="1" fill="hold">
+                                          <p:stCondLst>
+                                            <p:cond delay="0"/>
+                                          </p:stCondLst>
+                                        </p:cTn>
+                                        <p:tgtEl>
+                                          <p:spTgt spid="15"/>
+                                        </p:tgtEl>
+                                        <p:attrNameLst>
+                                          <p:attrName>style.visibility</p:attrName>
+                                        </p:attrNameLst>
+                                      </p:cBhvr>
+                                      <p:to>
+                                        <p:strVal val="visible"/>
+                                      </p:to>
+                                    </p:set>
+                                  </p:childTnLst>
+                                </p:cTn>
+                              </p:par>
+                              <p:par>
+                                <p:cTn id="7" presetID="1" presetClass="entr" presetSubtype="0" fill="hold" grpId="0" nodeType="withEffect">
+                                  <p:stCondLst>
+                                    <p:cond delay="0"/>
+                                  </p:stCondLst>
+                                  <p:childTnLst>
+                                    <p:set>
+                                      <p:cBhvr>
+                                        <p:cTn id="8" dur="1" fill="hold">
+                                          <p:stCondLst>
+                                            <p:cond delay="0"/>
+                                          </p:stCondLst>
+                                        </p:cTn>
+                                        <p:tgtEl>
+                                          <p:spTgt spid="18"/>
+                                        </p:tgtEl>
+                                        <p:attrNameLst>
+                                          <p:attrName>style.visibility</p:attrName>
+                                        </p:attrNameLst>
+                                      </p:cBhvr>
+                                      <p:to>
+                                        <p:strVal val="visible"/>
+                                      </p:to>
+                                    </p:set>
+                                  </p:childTnLst>
+                                </p:cTn>
+                              </p:par>
+                              <p:par>
+                                <p:cTn id="9" presetID="1" presetClass="entr" presetSubtype="0" fill="hold" grpId="0" nodeType="withEffect">
+                                  <p:stCondLst>
+                                    <p:cond delay="0"/>
+                                  </p:stCondLst>
+                                  <p:childTnLst>
+                                    <p:set>
+                                      <p:cBhvr>
+                                        <p:cTn id="10" dur="1" fill="hold">
+                                          <p:stCondLst>
+                                            <p:cond delay="0"/>
+                                          </p:stCondLst>
+                                        </p:cTn>
+                                        <p:tgtEl>
+                                          <p:spTgt spid="19"/>
+                                        </p:tgtEl>
+                                        <p:attrNameLst>
+                                          <p:attrName>style.visibility</p:attrName>
+                                        </p:attrNameLst>
+                                      </p:cBhvr>
+                                      <p:to>
+                                        <p:strVal val="visible"/>
+                                      </p:to>
+                                    </p:set>
+                                  </p:childTnLst>
+                                </p:cTn>
+                              </p:par>
+                              <p:par>
+                                <p:cTn id="11" presetID="1" presetClass="entr" presetSubtype="0" fill="hold" grpId="0" nodeType="withEffect">
+                                  <p:stCondLst>
+                                    <p:cond delay="0"/>
+                                  </p:stCondLst>
+                                  <p:childTnLst>
+                                    <p:set>
+                                      <p:cBhvr>
+                                        <p:cTn id="12" dur="1" fill="hold">
+                                          <p:stCondLst>
+                                            <p:cond delay="0"/>
+                                          </p:stCondLst>
+                                        </p:cTn>
+                                        <p:tgtEl>
+                                          <p:spTgt spid="7"/>
+                                        </p:tgtEl>
+                                        <p:attrNameLst>
+                                          <p:attrName>style.visibility</p:attrName>
+                                        </p:attrNameLst>
+                                      </p:cBhvr>
+                                      <p:to>
+                                        <p:strVal val="visible"/>
+                                      </p:to>
+                                    </p:set>
+                                  </p:childTnLst>
+                                </p:cTn>
+                              </p:par>
+                              <p:par>
+                                <p:cTn id="13" presetID="1" presetClass="entr" presetSubtype="0" fill="hold" grpId="0" nodeType="withEffect">
+                                  <p:stCondLst>
+                                    <p:cond delay="0"/>
+                                  </p:stCondLst>
+                                  <p:childTnLst>
+                                    <p:set>
+                                      <p:cBhvr>
+                                        <p:cTn id="14" dur="1" fill="hold">
+                                          <p:stCondLst>
+                                            <p:cond delay="0"/>
+                                          </p:stCondLst>
+                                        </p:cTn>
+                                        <p:tgtEl>
+                                          <p:spTgt spid="8"/>
+                                        </p:tgtEl>
+                                        <p:attrNameLst>
+                                          <p:attrName>style.visibility</p:attrName>
+                                        </p:attrNameLst>
+                                      </p:cBhvr>
+                                      <p:to>
+                                        <p:strVal val="visible"/>
+                                      </p:to>
+                                    </p:set>
+                                  </p:childTnLst>
+                                </p:cTn>
+                              </p:par>
+                              <p:par>
+                                <p:cTn id="15" presetID="1" presetClass="entr" presetSubtype="0" fill="hold" grpId="0" nodeType="withEffect">
+                                  <p:stCondLst>
+                                    <p:cond delay="0"/>
+                                  </p:stCondLst>
+                                  <p:childTnLst>
+                                    <p:set>
+                                      <p:cBhvr>
+                                        <p:cTn id="16" dur="1" fill="hold">
+                                          <p:stCondLst>
+                                            <p:cond delay="0"/>
+                                          </p:stCondLst>
+                                        </p:cTn>
+                                        <p:tgtEl>
+                                          <p:spTgt spid="9"/>
+                                        </p:tgtEl>
+                                        <p:attrNameLst>
+                                          <p:attrName>style.visibility</p:attrName>
+                                        </p:attrNameLst>
+                                      </p:cBhvr>
+                                      <p:to>
+                                        <p:strVal val="visible"/>
+                                      </p:to>
+                                    </p:set>
+                                  </p:childTnLst>
+                                </p:cTn>
+                              </p:par>
+                            </p:childTnLst>
+                          </p:cTn>
+                        </p:par>
+                      </p:childTnLst>
+                    </p:cTn>
+                  </p:par>
+                </p:childTnLst>
+              </p:cTn>
+              <p:prevCondLst>
+                <p:cond evt="onPrev" delay="0">
+                  <p:tgtEl>
+                    <p:sldTgt/>
+                  </p:tgtEl>
+                </p:cond>
+              </p:prevCondLst>
+              <p:nextCondLst>
+                <p:cond evt="onNext" delay="0">
+                  <p:tgtEl>
+                    <p:sldTgt/>
+                  </p:tgtEl>
+                </p:cond>
+              </p:nextCondLst>
+            </p:seq>
+          </p:childTnLst>
+        </p:cTn>
+      </p:par>
+    </p:tnLst>
+    <p:bldLst>
+      <p:bldP spid="7" grpId="0"/>
+      <p:bldP spid="8" grpId="0"/>
+      <p:bldP spid="9" grpId="0"/>
+      <p:bldP spid="15" grpId="0"/>
+      <p:bldP spid="18" grpId="0"/>
+      <p:bldP spid="19" grpId="0"/>
+    </p:bldLst>
+  </p:timing>
+</p:sld>
+</file>
+
+<file path=ppt/slides/slide17.xml><?xml version="1.0" encoding="utf-8"?>
 <p:sld xmlns:a="http://schemas.openxmlformats.org/drawingml/2006/main" xmlns:r="http://schemas.openxmlformats.org/officeDocument/2006/relationships" xmlns:p="http://schemas.openxmlformats.org/presentationml/2006/main">
   <p:cSld>
     <p:spTree>
@@ -4793,7 +6952,11 @@
           <a:p>
             <a:r>
               <a:rPr lang="en-US" dirty="0" smtClean="0"/>
-              <a:t>Base direction Right to Left</a:t>
+              <a:t>Base direction </a:t>
+            </a:r>
+            <a:r>
+              <a:rPr lang="en-US" dirty="0" smtClean="0"/>
+              <a:t>Left to Right</a:t>
             </a:r>
             <a:endParaRPr lang="en-US" dirty="0"/>
           </a:p>
@@ -4819,7 +6982,7 @@
 </p:sld>
 </file>
 
-<file path=ppt/slides/slide17.xml><?xml version="1.0" encoding="utf-8"?>
+<file path=ppt/slides/slide18.xml><?xml version="1.0" encoding="utf-8"?>
 <p:sld xmlns:a="http://schemas.openxmlformats.org/drawingml/2006/main" xmlns:r="http://schemas.openxmlformats.org/officeDocument/2006/relationships" xmlns:p="http://schemas.openxmlformats.org/presentationml/2006/main">
   <p:cSld>
     <p:spTree>
@@ -4947,7 +7110,7 @@
         </p:nvCxnSpPr>
         <p:spPr>
           <a:xfrm flipH="1">
-            <a:off x="4559326" y="3856613"/>
+            <a:off x="4559326" y="3847648"/>
             <a:ext cx="3094862" cy="0"/>
           </a:xfrm>
           <a:prstGeom prst="straightConnector1">
@@ -4980,8 +7143,8 @@
         </p:nvSpPr>
         <p:spPr>
           <a:xfrm>
-            <a:off x="3877027" y="4340714"/>
-            <a:ext cx="4437946" cy="369332"/>
+            <a:off x="3532606" y="4340714"/>
+            <a:ext cx="5126788" cy="369332"/>
           </a:xfrm>
           <a:prstGeom prst="rect">
             <a:avLst/>
@@ -4996,7 +7159,11 @@
           <a:p>
             <a:r>
               <a:rPr lang="en-US" dirty="0" smtClean="0"/>
-              <a:t>Neutral characters take on their surroundings</a:t>
+              <a:t>Neutral / weak </a:t>
+            </a:r>
+            <a:r>
+              <a:rPr lang="en-US" dirty="0" smtClean="0"/>
+              <a:t>characters take on their surroundings</a:t>
             </a:r>
             <a:endParaRPr lang="en-US" dirty="0"/>
           </a:p>
@@ -5181,7 +7348,7 @@
 </p:sld>
 </file>
 
-<file path=ppt/slides/slide18.xml><?xml version="1.0" encoding="utf-8"?>
+<file path=ppt/slides/slide19.xml><?xml version="1.0" encoding="utf-8"?>
 <p:sld xmlns:a="http://schemas.openxmlformats.org/drawingml/2006/main" xmlns:r="http://schemas.openxmlformats.org/officeDocument/2006/relationships" xmlns:p="http://schemas.openxmlformats.org/presentationml/2006/main">
   <p:cSld>
     <p:spTree>
@@ -5284,7 +7451,7 @@
         </p:nvCxnSpPr>
         <p:spPr>
           <a:xfrm>
-            <a:off x="7773737" y="3847650"/>
+            <a:off x="7890278" y="3847650"/>
             <a:ext cx="1863784" cy="0"/>
           </a:xfrm>
           <a:prstGeom prst="straightConnector1">
@@ -5317,8 +7484,8 @@
         </p:nvCxnSpPr>
         <p:spPr>
           <a:xfrm flipH="1">
-            <a:off x="4559326" y="3856613"/>
-            <a:ext cx="3094862" cy="0"/>
+            <a:off x="4559324" y="3847648"/>
+            <a:ext cx="3182139" cy="0"/>
           </a:xfrm>
           <a:prstGeom prst="straightConnector1">
             <a:avLst/>
@@ -5350,8 +7517,8 @@
         </p:nvSpPr>
         <p:spPr>
           <a:xfrm>
-            <a:off x="3877027" y="4340714"/>
-            <a:ext cx="4437946" cy="369332"/>
+            <a:off x="3532606" y="4340714"/>
+            <a:ext cx="5126788" cy="369332"/>
           </a:xfrm>
           <a:prstGeom prst="rect">
             <a:avLst/>
@@ -5366,7 +7533,15 @@
           <a:p>
             <a:r>
               <a:rPr lang="en-US" dirty="0" smtClean="0"/>
-              <a:t>Neutral characters take on their surroundings</a:t>
+              <a:t>Neutral </a:t>
+            </a:r>
+            <a:r>
+              <a:rPr lang="en-US" dirty="0" smtClean="0"/>
+              <a:t>/ weak characters </a:t>
+            </a:r>
+            <a:r>
+              <a:rPr lang="en-US" dirty="0" smtClean="0"/>
+              <a:t>take on their surroundings</a:t>
             </a:r>
             <a:endParaRPr lang="en-US" dirty="0"/>
           </a:p>
@@ -5457,279 +7632,6 @@
 </p:sld>
 </file>
 
-<file path=ppt/slides/slide19.xml><?xml version="1.0" encoding="utf-8"?>
-<p:sld xmlns:a="http://schemas.openxmlformats.org/drawingml/2006/main" xmlns:r="http://schemas.openxmlformats.org/officeDocument/2006/relationships" xmlns:p="http://schemas.openxmlformats.org/presentationml/2006/main">
-  <p:cSld>
-    <p:spTree>
-      <p:nvGrpSpPr>
-        <p:cNvPr id="1" name=""/>
-        <p:cNvGrpSpPr/>
-        <p:nvPr/>
-      </p:nvGrpSpPr>
-      <p:grpSpPr>
-        <a:xfrm>
-          <a:off x="0" y="0"/>
-          <a:ext cx="0" cy="0"/>
-          <a:chOff x="0" y="0"/>
-          <a:chExt cx="0" cy="0"/>
-        </a:xfrm>
-      </p:grpSpPr>
-      <p:sp>
-        <p:nvSpPr>
-          <p:cNvPr id="4" name="Rectangle 3"/>
-          <p:cNvSpPr/>
-          <p:nvPr/>
-        </p:nvSpPr>
-        <p:spPr>
-          <a:xfrm>
-            <a:off x="3458868" y="2453067"/>
-            <a:ext cx="5274264" cy="707886"/>
-          </a:xfrm>
-          <a:prstGeom prst="rect">
-            <a:avLst/>
-          </a:prstGeom>
-        </p:spPr>
-        <p:txBody>
-          <a:bodyPr wrap="none">
-            <a:spAutoFit/>
-          </a:bodyPr>
-          <a:lstStyle/>
-          <a:p>
-            <a:r>
-              <a:rPr lang="en-US" sz="4000" dirty="0" smtClean="0"/>
-              <a:t>one two </a:t>
-            </a:r>
-            <a:r>
-              <a:rPr lang="ar-AE" sz="4000" dirty="0" smtClean="0"/>
-              <a:t>ثلاثة 1234 خمسة </a:t>
-            </a:r>
-            <a:endParaRPr lang="en-US" sz="4000" dirty="0"/>
-          </a:p>
-        </p:txBody>
-      </p:sp>
-      <p:cxnSp>
-        <p:nvCxnSpPr>
-          <p:cNvPr id="5" name="Straight Arrow Connector 4"/>
-          <p:cNvCxnSpPr/>
-          <p:nvPr/>
-        </p:nvCxnSpPr>
-        <p:spPr>
-          <a:xfrm>
-            <a:off x="3584784" y="3429000"/>
-            <a:ext cx="1707980" cy="0"/>
-          </a:xfrm>
-          <a:prstGeom prst="straightConnector1">
-            <a:avLst/>
-          </a:prstGeom>
-          <a:ln w="41275">
-            <a:tailEnd type="triangle"/>
-          </a:ln>
-        </p:spPr>
-        <p:style>
-          <a:lnRef idx="1">
-            <a:schemeClr val="accent1"/>
-          </a:lnRef>
-          <a:fillRef idx="0">
-            <a:schemeClr val="accent1"/>
-          </a:fillRef>
-          <a:effectRef idx="0">
-            <a:schemeClr val="accent1"/>
-          </a:effectRef>
-          <a:fontRef idx="minor">
-            <a:schemeClr val="tx1"/>
-          </a:fontRef>
-        </p:style>
-      </p:cxnSp>
-      <p:cxnSp>
-        <p:nvCxnSpPr>
-          <p:cNvPr id="6" name="Straight Arrow Connector 5"/>
-          <p:cNvCxnSpPr/>
-          <p:nvPr/>
-        </p:nvCxnSpPr>
-        <p:spPr>
-          <a:xfrm>
-            <a:off x="6667027" y="3160953"/>
-            <a:ext cx="1013930" cy="0"/>
-          </a:xfrm>
-          <a:prstGeom prst="straightConnector1">
-            <a:avLst/>
-          </a:prstGeom>
-          <a:ln w="41275">
-            <a:solidFill>
-              <a:schemeClr val="accent1"/>
-            </a:solidFill>
-            <a:prstDash val="sysDash"/>
-            <a:tailEnd type="triangle"/>
-          </a:ln>
-        </p:spPr>
-        <p:style>
-          <a:lnRef idx="1">
-            <a:schemeClr val="accent1"/>
-          </a:lnRef>
-          <a:fillRef idx="0">
-            <a:schemeClr val="accent1"/>
-          </a:fillRef>
-          <a:effectRef idx="0">
-            <a:schemeClr val="accent1"/>
-          </a:effectRef>
-          <a:fontRef idx="minor">
-            <a:schemeClr val="tx1"/>
-          </a:fontRef>
-        </p:style>
-      </p:cxnSp>
-      <p:cxnSp>
-        <p:nvCxnSpPr>
-          <p:cNvPr id="7" name="Straight Arrow Connector 6"/>
-          <p:cNvCxnSpPr/>
-          <p:nvPr/>
-        </p:nvCxnSpPr>
-        <p:spPr>
-          <a:xfrm flipH="1">
-            <a:off x="5442800" y="3427366"/>
-            <a:ext cx="3184833" cy="0"/>
-          </a:xfrm>
-          <a:prstGeom prst="straightConnector1">
-            <a:avLst/>
-          </a:prstGeom>
-          <a:ln w="41275">
-            <a:tailEnd type="triangle"/>
-          </a:ln>
-        </p:spPr>
-        <p:style>
-          <a:lnRef idx="1">
-            <a:schemeClr val="accent1"/>
-          </a:lnRef>
-          <a:fillRef idx="0">
-            <a:schemeClr val="accent1"/>
-          </a:fillRef>
-          <a:effectRef idx="0">
-            <a:schemeClr val="accent1"/>
-          </a:effectRef>
-          <a:fontRef idx="minor">
-            <a:schemeClr val="tx1"/>
-          </a:fontRef>
-        </p:style>
-      </p:cxnSp>
-      <p:sp>
-        <p:nvSpPr>
-          <p:cNvPr id="13" name="TextBox 12"/>
-          <p:cNvSpPr txBox="1"/>
-          <p:nvPr/>
-        </p:nvSpPr>
-        <p:spPr>
-          <a:xfrm>
-            <a:off x="4300140" y="4889355"/>
-            <a:ext cx="3613233" cy="369332"/>
-          </a:xfrm>
-          <a:prstGeom prst="rect">
-            <a:avLst/>
-          </a:prstGeom>
-          <a:noFill/>
-        </p:spPr>
-        <p:txBody>
-          <a:bodyPr wrap="none" rtlCol="0">
-            <a:spAutoFit/>
-          </a:bodyPr>
-          <a:lstStyle/>
-          <a:p>
-            <a:r>
-              <a:rPr lang="en-US" dirty="0" smtClean="0"/>
-              <a:t>Weak characters don’t break the run</a:t>
-            </a:r>
-            <a:endParaRPr lang="en-US" dirty="0"/>
-          </a:p>
-        </p:txBody>
-      </p:sp>
-      <p:sp>
-        <p:nvSpPr>
-          <p:cNvPr id="22" name="Rectangle 21"/>
-          <p:cNvSpPr/>
-          <p:nvPr/>
-        </p:nvSpPr>
-        <p:spPr>
-          <a:xfrm>
-            <a:off x="3458868" y="3666729"/>
-            <a:ext cx="5210144" cy="707886"/>
-          </a:xfrm>
-          <a:prstGeom prst="rect">
-            <a:avLst/>
-          </a:prstGeom>
-        </p:spPr>
-        <p:txBody>
-          <a:bodyPr wrap="none">
-            <a:spAutoFit/>
-          </a:bodyPr>
-          <a:lstStyle/>
-          <a:p>
-            <a:r>
-              <a:rPr lang="en-US" sz="4000" dirty="0" smtClean="0"/>
-              <a:t>one two </a:t>
-            </a:r>
-            <a:r>
-              <a:rPr lang="ar-AE" sz="4000" dirty="0" smtClean="0"/>
-              <a:t>ثلاثة ١٢٣٤ خمسة </a:t>
-            </a:r>
-            <a:endParaRPr lang="en-US" sz="4000" dirty="0"/>
-          </a:p>
-        </p:txBody>
-      </p:sp>
-      <p:cxnSp>
-        <p:nvCxnSpPr>
-          <p:cNvPr id="26" name="Straight Arrow Connector 25"/>
-          <p:cNvCxnSpPr/>
-          <p:nvPr/>
-        </p:nvCxnSpPr>
-        <p:spPr>
-          <a:xfrm>
-            <a:off x="6668820" y="3679112"/>
-            <a:ext cx="1013930" cy="0"/>
-          </a:xfrm>
-          <a:prstGeom prst="straightConnector1">
-            <a:avLst/>
-          </a:prstGeom>
-          <a:ln w="41275">
-            <a:solidFill>
-              <a:schemeClr val="accent1"/>
-            </a:solidFill>
-            <a:prstDash val="sysDash"/>
-            <a:tailEnd type="triangle"/>
-          </a:ln>
-        </p:spPr>
-        <p:style>
-          <a:lnRef idx="1">
-            <a:schemeClr val="accent1"/>
-          </a:lnRef>
-          <a:fillRef idx="0">
-            <a:schemeClr val="accent1"/>
-          </a:fillRef>
-          <a:effectRef idx="0">
-            <a:schemeClr val="accent1"/>
-          </a:effectRef>
-          <a:fontRef idx="minor">
-            <a:schemeClr val="tx1"/>
-          </a:fontRef>
-        </p:style>
-      </p:cxnSp>
-    </p:spTree>
-    <p:extLst>
-      <p:ext uri="{BB962C8B-B14F-4D97-AF65-F5344CB8AC3E}">
-        <p14:creationId xmlns:p14="http://schemas.microsoft.com/office/powerpoint/2010/main" val="1019494655"/>
-      </p:ext>
-    </p:extLst>
-  </p:cSld>
-  <p:clrMapOvr>
-    <a:masterClrMapping/>
-  </p:clrMapOvr>
-  <p:timing>
-    <p:tnLst>
-      <p:par>
-        <p:cTn id="1" dur="indefinite" restart="never" nodeType="tmRoot"/>
-      </p:par>
-    </p:tnLst>
-  </p:timing>
-</p:sld>
-</file>
-
 <file path=ppt/slides/slide2.xml><?xml version="1.0" encoding="utf-8"?>
 <p:sld xmlns:a="http://schemas.openxmlformats.org/drawingml/2006/main" xmlns:r="http://schemas.openxmlformats.org/officeDocument/2006/relationships" xmlns:p="http://schemas.openxmlformats.org/presentationml/2006/main">
   <p:cSld>
@@ -5764,7 +7666,11 @@
           <a:p>
             <a:r>
               <a:rPr lang="en-US" dirty="0" smtClean="0"/>
-              <a:t>Quick refresh</a:t>
+              <a:t>Unicode quick </a:t>
+            </a:r>
+            <a:r>
+              <a:rPr lang="en-US" dirty="0" smtClean="0"/>
+              <a:t>refresh</a:t>
             </a:r>
             <a:endParaRPr lang="en-US" dirty="0"/>
           </a:p>
@@ -5962,6 +7868,283 @@
       </p:grpSpPr>
       <p:sp>
         <p:nvSpPr>
+          <p:cNvPr id="4" name="Rectangle 3"/>
+          <p:cNvSpPr/>
+          <p:nvPr/>
+        </p:nvSpPr>
+        <p:spPr>
+          <a:xfrm>
+            <a:off x="3458868" y="2453067"/>
+            <a:ext cx="5274264" cy="707886"/>
+          </a:xfrm>
+          <a:prstGeom prst="rect">
+            <a:avLst/>
+          </a:prstGeom>
+        </p:spPr>
+        <p:txBody>
+          <a:bodyPr wrap="none">
+            <a:spAutoFit/>
+          </a:bodyPr>
+          <a:lstStyle/>
+          <a:p>
+            <a:r>
+              <a:rPr lang="en-US" sz="4000" dirty="0" smtClean="0"/>
+              <a:t>one two </a:t>
+            </a:r>
+            <a:r>
+              <a:rPr lang="ar-AE" sz="4000" dirty="0" smtClean="0"/>
+              <a:t>ثلاثة 1234 خمسة </a:t>
+            </a:r>
+            <a:endParaRPr lang="en-US" sz="4000" dirty="0"/>
+          </a:p>
+        </p:txBody>
+      </p:sp>
+      <p:cxnSp>
+        <p:nvCxnSpPr>
+          <p:cNvPr id="5" name="Straight Arrow Connector 4"/>
+          <p:cNvCxnSpPr/>
+          <p:nvPr/>
+        </p:nvCxnSpPr>
+        <p:spPr>
+          <a:xfrm>
+            <a:off x="3584784" y="3429000"/>
+            <a:ext cx="1707980" cy="0"/>
+          </a:xfrm>
+          <a:prstGeom prst="straightConnector1">
+            <a:avLst/>
+          </a:prstGeom>
+          <a:ln w="41275">
+            <a:tailEnd type="triangle"/>
+          </a:ln>
+        </p:spPr>
+        <p:style>
+          <a:lnRef idx="1">
+            <a:schemeClr val="accent1"/>
+          </a:lnRef>
+          <a:fillRef idx="0">
+            <a:schemeClr val="accent1"/>
+          </a:fillRef>
+          <a:effectRef idx="0">
+            <a:schemeClr val="accent1"/>
+          </a:effectRef>
+          <a:fontRef idx="minor">
+            <a:schemeClr val="tx1"/>
+          </a:fontRef>
+        </p:style>
+      </p:cxnSp>
+      <p:cxnSp>
+        <p:nvCxnSpPr>
+          <p:cNvPr id="6" name="Straight Arrow Connector 5"/>
+          <p:cNvCxnSpPr/>
+          <p:nvPr/>
+        </p:nvCxnSpPr>
+        <p:spPr>
+          <a:xfrm>
+            <a:off x="6667027" y="3160953"/>
+            <a:ext cx="1013930" cy="0"/>
+          </a:xfrm>
+          <a:prstGeom prst="straightConnector1">
+            <a:avLst/>
+          </a:prstGeom>
+          <a:ln w="41275">
+            <a:solidFill>
+              <a:schemeClr val="accent1"/>
+            </a:solidFill>
+            <a:prstDash val="sysDash"/>
+            <a:tailEnd type="triangle"/>
+          </a:ln>
+        </p:spPr>
+        <p:style>
+          <a:lnRef idx="1">
+            <a:schemeClr val="accent1"/>
+          </a:lnRef>
+          <a:fillRef idx="0">
+            <a:schemeClr val="accent1"/>
+          </a:fillRef>
+          <a:effectRef idx="0">
+            <a:schemeClr val="accent1"/>
+          </a:effectRef>
+          <a:fontRef idx="minor">
+            <a:schemeClr val="tx1"/>
+          </a:fontRef>
+        </p:style>
+      </p:cxnSp>
+      <p:cxnSp>
+        <p:nvCxnSpPr>
+          <p:cNvPr id="7" name="Straight Arrow Connector 6"/>
+          <p:cNvCxnSpPr/>
+          <p:nvPr/>
+        </p:nvCxnSpPr>
+        <p:spPr>
+          <a:xfrm flipH="1">
+            <a:off x="5442800" y="3427366"/>
+            <a:ext cx="3184833" cy="0"/>
+          </a:xfrm>
+          <a:prstGeom prst="straightConnector1">
+            <a:avLst/>
+          </a:prstGeom>
+          <a:ln w="41275">
+            <a:tailEnd type="triangle"/>
+          </a:ln>
+        </p:spPr>
+        <p:style>
+          <a:lnRef idx="1">
+            <a:schemeClr val="accent1"/>
+          </a:lnRef>
+          <a:fillRef idx="0">
+            <a:schemeClr val="accent1"/>
+          </a:fillRef>
+          <a:effectRef idx="0">
+            <a:schemeClr val="accent1"/>
+          </a:effectRef>
+          <a:fontRef idx="minor">
+            <a:schemeClr val="tx1"/>
+          </a:fontRef>
+        </p:style>
+      </p:cxnSp>
+      <p:sp>
+        <p:nvSpPr>
+          <p:cNvPr id="13" name="TextBox 12"/>
+          <p:cNvSpPr txBox="1"/>
+          <p:nvPr/>
+        </p:nvSpPr>
+        <p:spPr>
+          <a:xfrm>
+            <a:off x="4634991" y="4889355"/>
+            <a:ext cx="2922018" cy="369332"/>
+          </a:xfrm>
+          <a:prstGeom prst="rect">
+            <a:avLst/>
+          </a:prstGeom>
+          <a:noFill/>
+        </p:spPr>
+        <p:txBody>
+          <a:bodyPr wrap="none" rtlCol="0">
+            <a:spAutoFit/>
+          </a:bodyPr>
+          <a:lstStyle/>
+          <a:p>
+            <a:r>
+              <a:rPr lang="en-US" dirty="0" smtClean="0"/>
+              <a:t>Numbers don’t </a:t>
+            </a:r>
+            <a:r>
+              <a:rPr lang="en-US" dirty="0" smtClean="0"/>
+              <a:t>break the run</a:t>
+            </a:r>
+            <a:endParaRPr lang="en-US" dirty="0"/>
+          </a:p>
+        </p:txBody>
+      </p:sp>
+      <p:sp>
+        <p:nvSpPr>
+          <p:cNvPr id="22" name="Rectangle 21"/>
+          <p:cNvSpPr/>
+          <p:nvPr/>
+        </p:nvSpPr>
+        <p:spPr>
+          <a:xfrm>
+            <a:off x="3458868" y="3666729"/>
+            <a:ext cx="5210144" cy="707886"/>
+          </a:xfrm>
+          <a:prstGeom prst="rect">
+            <a:avLst/>
+          </a:prstGeom>
+        </p:spPr>
+        <p:txBody>
+          <a:bodyPr wrap="none">
+            <a:spAutoFit/>
+          </a:bodyPr>
+          <a:lstStyle/>
+          <a:p>
+            <a:r>
+              <a:rPr lang="en-US" sz="4000" dirty="0" smtClean="0"/>
+              <a:t>one two </a:t>
+            </a:r>
+            <a:r>
+              <a:rPr lang="ar-AE" sz="4000" dirty="0" smtClean="0"/>
+              <a:t>ثلاثة ١٢٣٤ خمسة </a:t>
+            </a:r>
+            <a:endParaRPr lang="en-US" sz="4000" dirty="0"/>
+          </a:p>
+        </p:txBody>
+      </p:sp>
+      <p:cxnSp>
+        <p:nvCxnSpPr>
+          <p:cNvPr id="26" name="Straight Arrow Connector 25"/>
+          <p:cNvCxnSpPr/>
+          <p:nvPr/>
+        </p:nvCxnSpPr>
+        <p:spPr>
+          <a:xfrm>
+            <a:off x="6668820" y="3679112"/>
+            <a:ext cx="1013930" cy="0"/>
+          </a:xfrm>
+          <a:prstGeom prst="straightConnector1">
+            <a:avLst/>
+          </a:prstGeom>
+          <a:ln w="41275">
+            <a:solidFill>
+              <a:schemeClr val="accent1"/>
+            </a:solidFill>
+            <a:prstDash val="sysDash"/>
+            <a:tailEnd type="triangle"/>
+          </a:ln>
+        </p:spPr>
+        <p:style>
+          <a:lnRef idx="1">
+            <a:schemeClr val="accent1"/>
+          </a:lnRef>
+          <a:fillRef idx="0">
+            <a:schemeClr val="accent1"/>
+          </a:fillRef>
+          <a:effectRef idx="0">
+            <a:schemeClr val="accent1"/>
+          </a:effectRef>
+          <a:fontRef idx="minor">
+            <a:schemeClr val="tx1"/>
+          </a:fontRef>
+        </p:style>
+      </p:cxnSp>
+    </p:spTree>
+    <p:extLst>
+      <p:ext uri="{BB962C8B-B14F-4D97-AF65-F5344CB8AC3E}">
+        <p14:creationId xmlns:p14="http://schemas.microsoft.com/office/powerpoint/2010/main" val="1019494655"/>
+      </p:ext>
+    </p:extLst>
+  </p:cSld>
+  <p:clrMapOvr>
+    <a:masterClrMapping/>
+  </p:clrMapOvr>
+  <p:timing>
+    <p:tnLst>
+      <p:par>
+        <p:cTn id="1" dur="indefinite" restart="never" nodeType="tmRoot"/>
+      </p:par>
+    </p:tnLst>
+  </p:timing>
+</p:sld>
+</file>
+
+<file path=ppt/slides/slide21.xml><?xml version="1.0" encoding="utf-8"?>
+<p:sld xmlns:a="http://schemas.openxmlformats.org/drawingml/2006/main" xmlns:r="http://schemas.openxmlformats.org/officeDocument/2006/relationships" xmlns:p="http://schemas.openxmlformats.org/presentationml/2006/main">
+  <p:cSld>
+    <p:spTree>
+      <p:nvGrpSpPr>
+        <p:cNvPr id="1" name=""/>
+        <p:cNvGrpSpPr/>
+        <p:nvPr/>
+      </p:nvGrpSpPr>
+      <p:grpSpPr>
+        <a:xfrm>
+          <a:off x="0" y="0"/>
+          <a:ext cx="0" cy="0"/>
+          <a:chOff x="0" y="0"/>
+          <a:chExt cx="0" cy="0"/>
+        </a:xfrm>
+      </p:grpSpPr>
+      <p:sp>
+        <p:nvSpPr>
           <p:cNvPr id="9" name="Rectangle 8"/>
           <p:cNvSpPr/>
           <p:nvPr/>
@@ -6407,7 +8590,20 @@
                 <a:effectLst/>
                 <a:latin typeface="Arial" panose="020B0604020202020204" pitchFamily="34" charset="0"/>
               </a:rPr>
-              <a:t> – </a:t>
+              <a:t> </a:t>
+            </a:r>
+            <a:r>
+              <a:rPr kumimoji="0" lang="en-US" altLang="en-US" sz="2400" b="0" i="0" u="none" strike="noStrike" cap="none" normalizeH="0" baseline="0" dirty="0" smtClean="0">
+                <a:ln>
+                  <a:noFill/>
+                </a:ln>
+                <a:solidFill>
+                  <a:schemeClr val="tx1"/>
+                </a:solidFill>
+                <a:effectLst/>
+                <a:latin typeface="Arial" panose="020B0604020202020204" pitchFamily="34" charset="0"/>
+              </a:rPr>
+              <a:t>- </a:t>
             </a:r>
             <a:r>
               <a:rPr kumimoji="0" lang="en-US" altLang="en-US" sz="1400" b="0" i="0" u="none" strike="noStrike" cap="none" normalizeH="0" baseline="0" dirty="0" smtClean="0">
@@ -6538,7 +8734,7 @@
 </p:sld>
 </file>
 
-<file path=ppt/slides/slide21.xml><?xml version="1.0" encoding="utf-8"?>
+<file path=ppt/slides/slide22.xml><?xml version="1.0" encoding="utf-8"?>
 <p:sld xmlns:a="http://schemas.openxmlformats.org/drawingml/2006/main" xmlns:r="http://schemas.openxmlformats.org/officeDocument/2006/relationships" xmlns:p="http://schemas.openxmlformats.org/presentationml/2006/main">
   <p:cSld>
     <p:spTree>
@@ -6816,6 +9012,14 @@
               </a:rPr>
               <a:t>★★★★</a:t>
             </a:r>
+            <a:endParaRPr lang="en-US" sz="2400" dirty="0" smtClean="0">
+              <a:solidFill>
+                <a:schemeClr val="accent4">
+                  <a:lumMod val="60000"/>
+                  <a:lumOff val="40000"/>
+                </a:schemeClr>
+              </a:solidFill>
+            </a:endParaRPr>
           </a:p>
           <a:p>
             <a:pPr lvl="0" eaLnBrk="0" fontAlgn="base" hangingPunct="0">
@@ -7011,7 +9215,20 @@
                 <a:effectLst/>
                 <a:latin typeface="Arial" panose="020B0604020202020204" pitchFamily="34" charset="0"/>
               </a:rPr>
-              <a:t> – </a:t>
+              <a:t> </a:t>
+            </a:r>
+            <a:r>
+              <a:rPr kumimoji="0" lang="en-US" altLang="en-US" sz="2400" b="0" i="0" u="none" strike="noStrike" cap="none" normalizeH="0" baseline="0" dirty="0" smtClean="0">
+                <a:ln>
+                  <a:noFill/>
+                </a:ln>
+                <a:solidFill>
+                  <a:schemeClr val="tx1"/>
+                </a:solidFill>
+                <a:effectLst/>
+                <a:latin typeface="Arial" panose="020B0604020202020204" pitchFamily="34" charset="0"/>
+              </a:rPr>
+              <a:t>- </a:t>
             </a:r>
             <a:r>
               <a:rPr kumimoji="0" lang="en-US" altLang="en-US" sz="1400" b="0" i="0" u="none" strike="noStrike" cap="none" normalizeH="0" baseline="0" dirty="0" smtClean="0">
@@ -7142,7 +9359,7 @@
 </p:sld>
 </file>
 
-<file path=ppt/slides/slide3.xml><?xml version="1.0" encoding="utf-8"?>
+<file path=ppt/slides/slide23.xml><?xml version="1.0" encoding="utf-8"?>
 <p:sld xmlns:a="http://schemas.openxmlformats.org/drawingml/2006/main" xmlns:r="http://schemas.openxmlformats.org/officeDocument/2006/relationships" xmlns:p="http://schemas.openxmlformats.org/presentationml/2006/main">
   <p:cSld>
     <p:spTree>
@@ -7161,53 +9378,287 @@
       </p:grpSpPr>
       <p:sp>
         <p:nvSpPr>
-          <p:cNvPr id="2" name="Title 1"/>
-          <p:cNvSpPr>
-            <a:spLocks noGrp="1"/>
-          </p:cNvSpPr>
-          <p:nvPr>
-            <p:ph type="title"/>
-          </p:nvPr>
-        </p:nvSpPr>
-        <p:spPr/>
-        <p:txBody>
-          <a:bodyPr/>
-          <a:lstStyle/>
-          <a:p>
-            <a:r>
-              <a:rPr lang="en-US" dirty="0" smtClean="0"/>
-              <a:t>Unicode </a:t>
-            </a:r>
-            <a:r>
-              <a:rPr lang="en-US" dirty="0" err="1" smtClean="0"/>
-              <a:t>Bidirection</a:t>
-            </a:r>
-            <a:r>
-              <a:rPr lang="en-US" dirty="0" smtClean="0"/>
-              <a:t> Algorithm</a:t>
-            </a:r>
-            <a:endParaRPr lang="en-US" dirty="0"/>
-          </a:p>
-        </p:txBody>
-      </p:sp>
-      <p:sp>
-        <p:nvSpPr>
-          <p:cNvPr id="3" name="Content Placeholder 2"/>
-          <p:cNvSpPr>
-            <a:spLocks noGrp="1"/>
-          </p:cNvSpPr>
-          <p:nvPr>
-            <p:ph idx="1"/>
-          </p:nvPr>
-        </p:nvSpPr>
-        <p:spPr/>
-        <p:txBody>
-          <a:bodyPr/>
-          <a:lstStyle/>
-          <a:p>
-            <a:r>
-              <a:rPr lang="en-US" dirty="0" smtClean="0"/>
-              <a:t>Code points have directionality assigned to them</a:t>
+          <p:cNvPr id="2" name="Rectangle 1"/>
+          <p:cNvSpPr>
+            <a:spLocks noChangeArrowheads="1"/>
+          </p:cNvSpPr>
+          <p:nvPr/>
+        </p:nvSpPr>
+        <p:spPr bwMode="auto">
+          <a:xfrm>
+            <a:off x="2290483" y="3136613"/>
+            <a:ext cx="7611035" cy="584775"/>
+          </a:xfrm>
+          <a:prstGeom prst="rect">
+            <a:avLst/>
+          </a:prstGeom>
+          <a:noFill/>
+          <a:ln>
+            <a:noFill/>
+          </a:ln>
+          <a:effectLst/>
+          <a:extLst>
+            <a:ext uri="{909E8E84-426E-40DD-AFC4-6F175D3DCCD1}">
+              <a14:hiddenFill xmlns:a14="http://schemas.microsoft.com/office/drawing/2010/main">
+                <a:solidFill>
+                  <a:schemeClr val="accent1"/>
+                </a:solidFill>
+              </a14:hiddenFill>
+            </a:ext>
+            <a:ext uri="{91240B29-F687-4F45-9708-019B960494DF}">
+              <a14:hiddenLine xmlns:a14="http://schemas.microsoft.com/office/drawing/2010/main" w="9525">
+                <a:solidFill>
+                  <a:schemeClr val="tx1"/>
+                </a:solidFill>
+                <a:miter lim="800000"/>
+                <a:headEnd/>
+                <a:tailEnd/>
+              </a14:hiddenLine>
+            </a:ext>
+            <a:ext uri="{AF507438-7753-43E0-B8FC-AC1667EBCBE1}">
+              <a14:hiddenEffects xmlns:a14="http://schemas.microsoft.com/office/drawing/2010/main">
+                <a:effectLst>
+                  <a:outerShdw dist="35921" dir="2700000" algn="ctr" rotWithShape="0">
+                    <a:schemeClr val="bg2"/>
+                  </a:outerShdw>
+                </a:effectLst>
+              </a14:hiddenEffects>
+            </a:ext>
+          </a:extLst>
+        </p:spPr>
+        <p:txBody>
+          <a:bodyPr vert="horz" wrap="square" lIns="91440" tIns="45720" rIns="91440" bIns="45720" numCol="1" anchor="ctr" anchorCtr="0" compatLnSpc="1">
+            <a:prstTxWarp prst="textNoShape">
+              <a:avLst/>
+            </a:prstTxWarp>
+            <a:spAutoFit/>
+          </a:bodyPr>
+          <a:lstStyle/>
+          <a:p>
+            <a:pPr marL="0" marR="0" lvl="0" indent="0" algn="l" defTabSz="914400" rtl="0" eaLnBrk="0" fontAlgn="base" latinLnBrk="0" hangingPunct="0">
+              <a:lnSpc>
+                <a:spcPct val="100000"/>
+              </a:lnSpc>
+              <a:spcBef>
+                <a:spcPct val="0"/>
+              </a:spcBef>
+              <a:spcAft>
+                <a:spcPct val="0"/>
+              </a:spcAft>
+              <a:buClrTx/>
+              <a:buSzTx/>
+              <a:buFontTx/>
+              <a:buNone/>
+              <a:tabLst/>
+            </a:pPr>
+            <a:r>
+              <a:rPr kumimoji="0" lang="en-US" altLang="en-US" sz="3200" b="0" i="0" u="none" strike="noStrike" cap="none" normalizeH="0" baseline="0" dirty="0" smtClean="0">
+                <a:ln>
+                  <a:noFill/>
+                </a:ln>
+                <a:solidFill>
+                  <a:schemeClr val="tx1"/>
+                </a:solidFill>
+                <a:effectLst/>
+                <a:latin typeface="Arial Unicode MS" panose="020B0604020202020204" pitchFamily="34" charset="-128"/>
+              </a:rPr>
+              <a:t>I enjoyed staying -- </a:t>
+            </a:r>
+            <a:r>
+              <a:rPr kumimoji="0" lang="he-IL" altLang="en-US" sz="3200" b="0" i="0" u="none" strike="noStrike" cap="none" normalizeH="0" baseline="0" dirty="0" smtClean="0">
+                <a:ln>
+                  <a:noFill/>
+                </a:ln>
+                <a:solidFill>
+                  <a:schemeClr val="accent2"/>
+                </a:solidFill>
+                <a:effectLst/>
+                <a:latin typeface="Arial Unicode MS" panose="020B0604020202020204" pitchFamily="34" charset="-128"/>
+                <a:cs typeface="Arial" panose="020B0604020202020204" pitchFamily="34" charset="0"/>
+              </a:rPr>
+              <a:t>באמת</a:t>
+            </a:r>
+            <a:r>
+              <a:rPr kumimoji="0" lang="en-US" altLang="en-US" sz="3200" b="0" i="0" u="none" strike="noStrike" cap="none" normalizeH="0" baseline="0" dirty="0" smtClean="0">
+                <a:ln>
+                  <a:noFill/>
+                </a:ln>
+                <a:solidFill>
+                  <a:schemeClr val="accent2"/>
+                </a:solidFill>
+                <a:effectLst/>
+                <a:latin typeface="Arial Unicode MS" panose="020B0604020202020204" pitchFamily="34" charset="-128"/>
+              </a:rPr>
+              <a:t>!</a:t>
+            </a:r>
+            <a:r>
+              <a:rPr kumimoji="0" lang="en-US" altLang="en-US" sz="3200" b="0" i="0" u="none" strike="noStrike" cap="none" normalizeH="0" baseline="0" dirty="0" smtClean="0">
+                <a:ln>
+                  <a:noFill/>
+                </a:ln>
+                <a:solidFill>
+                  <a:schemeClr val="tx1"/>
+                </a:solidFill>
+                <a:effectLst/>
+                <a:latin typeface="Arial Unicode MS" panose="020B0604020202020204" pitchFamily="34" charset="-128"/>
+              </a:rPr>
+              <a:t> -- at his house.</a:t>
+            </a:r>
+            <a:r>
+              <a:rPr kumimoji="0" lang="en-US" altLang="en-US" sz="3200" b="0" i="0" u="none" strike="noStrike" cap="none" normalizeH="0" baseline="0" dirty="0" smtClean="0">
+                <a:ln>
+                  <a:noFill/>
+                </a:ln>
+                <a:solidFill>
+                  <a:schemeClr val="tx1"/>
+                </a:solidFill>
+                <a:effectLst/>
+              </a:rPr>
+              <a:t> </a:t>
+            </a:r>
+            <a:endParaRPr kumimoji="0" lang="en-US" altLang="en-US" sz="3200" b="0" i="0" u="none" strike="noStrike" cap="none" normalizeH="0" baseline="0" dirty="0" smtClean="0">
+              <a:ln>
+                <a:noFill/>
+              </a:ln>
+              <a:solidFill>
+                <a:schemeClr val="tx1"/>
+              </a:solidFill>
+              <a:effectLst/>
+              <a:latin typeface="Arial" panose="020B0604020202020204" pitchFamily="34" charset="0"/>
+            </a:endParaRPr>
+          </a:p>
+        </p:txBody>
+      </p:sp>
+      <p:sp>
+        <p:nvSpPr>
+          <p:cNvPr id="3" name="Rectangle 2"/>
+          <p:cNvSpPr/>
+          <p:nvPr/>
+        </p:nvSpPr>
+        <p:spPr>
+          <a:xfrm>
+            <a:off x="5719483" y="3873674"/>
+            <a:ext cx="2653553" cy="369332"/>
+          </a:xfrm>
+          <a:prstGeom prst="rect">
+            <a:avLst/>
+          </a:prstGeom>
+        </p:spPr>
+        <p:txBody>
+          <a:bodyPr wrap="square">
+            <a:spAutoFit/>
+          </a:bodyPr>
+          <a:lstStyle/>
+          <a:p>
+            <a:r>
+              <a:rPr lang="en-US" altLang="en-US" dirty="0" smtClean="0">
+                <a:solidFill>
+                  <a:schemeClr val="accent2"/>
+                </a:solidFill>
+                <a:latin typeface="Arial Unicode MS" panose="020B0604020202020204" pitchFamily="34" charset="-128"/>
+              </a:rPr>
+              <a:t>[ </a:t>
+            </a:r>
+            <a:r>
+              <a:rPr lang="he-IL" altLang="en-US" dirty="0" smtClean="0">
+                <a:solidFill>
+                  <a:schemeClr val="accent2"/>
+                </a:solidFill>
+                <a:latin typeface="Arial Unicode MS" panose="020B0604020202020204" pitchFamily="34" charset="-128"/>
+              </a:rPr>
+              <a:t>ב</a:t>
+            </a:r>
+            <a:r>
+              <a:rPr lang="en-US" dirty="0" smtClean="0">
+                <a:solidFill>
+                  <a:schemeClr val="accent2"/>
+                </a:solidFill>
+              </a:rPr>
+              <a:t>, </a:t>
+            </a:r>
+            <a:r>
+              <a:rPr lang="he-IL" altLang="en-US" dirty="0">
+                <a:solidFill>
+                  <a:schemeClr val="accent2"/>
+                </a:solidFill>
+                <a:latin typeface="Arial Unicode MS" panose="020B0604020202020204" pitchFamily="34" charset="-128"/>
+              </a:rPr>
+              <a:t>א</a:t>
+            </a:r>
+            <a:r>
+              <a:rPr lang="en-US" dirty="0" smtClean="0">
+                <a:solidFill>
+                  <a:schemeClr val="accent2"/>
+                </a:solidFill>
+              </a:rPr>
+              <a:t>, </a:t>
+            </a:r>
+            <a:r>
+              <a:rPr lang="he-IL" altLang="en-US" dirty="0">
+                <a:solidFill>
+                  <a:schemeClr val="accent2"/>
+                </a:solidFill>
+                <a:latin typeface="Arial Unicode MS" panose="020B0604020202020204" pitchFamily="34" charset="-128"/>
+              </a:rPr>
+              <a:t>מ</a:t>
+            </a:r>
+            <a:r>
+              <a:rPr lang="en-US" dirty="0" smtClean="0">
+                <a:solidFill>
+                  <a:schemeClr val="accent2"/>
+                </a:solidFill>
+              </a:rPr>
+              <a:t>, </a:t>
+            </a:r>
+            <a:r>
+              <a:rPr lang="he-IL" altLang="en-US" dirty="0">
+                <a:solidFill>
+                  <a:schemeClr val="accent2"/>
+                </a:solidFill>
+                <a:latin typeface="Arial Unicode MS" panose="020B0604020202020204" pitchFamily="34" charset="-128"/>
+              </a:rPr>
+              <a:t>ת</a:t>
+            </a:r>
+            <a:r>
+              <a:rPr lang="en-US" dirty="0" smtClean="0">
+                <a:solidFill>
+                  <a:schemeClr val="accent2"/>
+                </a:solidFill>
+              </a:rPr>
+              <a:t>, ! ]</a:t>
+            </a:r>
+            <a:endParaRPr lang="en-US" dirty="0">
+              <a:solidFill>
+                <a:schemeClr val="accent2"/>
+              </a:solidFill>
+            </a:endParaRPr>
+          </a:p>
+        </p:txBody>
+      </p:sp>
+      <p:sp>
+        <p:nvSpPr>
+          <p:cNvPr id="4" name="Rectangle 3"/>
+          <p:cNvSpPr/>
+          <p:nvPr/>
+        </p:nvSpPr>
+        <p:spPr>
+          <a:xfrm>
+            <a:off x="0" y="6543346"/>
+            <a:ext cx="2720617" cy="246221"/>
+          </a:xfrm>
+          <a:prstGeom prst="rect">
+            <a:avLst/>
+          </a:prstGeom>
+        </p:spPr>
+        <p:txBody>
+          <a:bodyPr wrap="none">
+            <a:spAutoFit/>
+          </a:bodyPr>
+          <a:lstStyle/>
+          <a:p>
+            <a:r>
+              <a:rPr lang="en-US" sz="1000" dirty="0"/>
+              <a:t>https://en.wikipedia.org/wiki/Right-to-left_mark</a:t>
             </a:r>
           </a:p>
         </p:txBody>
@@ -7215,217 +9666,7 @@
     </p:spTree>
     <p:extLst>
       <p:ext uri="{BB962C8B-B14F-4D97-AF65-F5344CB8AC3E}">
-        <p14:creationId xmlns:p14="http://schemas.microsoft.com/office/powerpoint/2010/main" val="3395952972"/>
-      </p:ext>
-    </p:extLst>
-  </p:cSld>
-  <p:clrMapOvr>
-    <a:masterClrMapping/>
-  </p:clrMapOvr>
-  <p:timing>
-    <p:tnLst>
-      <p:par>
-        <p:cTn id="1" dur="indefinite" restart="never" nodeType="tmRoot"/>
-      </p:par>
-    </p:tnLst>
-  </p:timing>
-</p:sld>
-</file>
-
-<file path=ppt/slides/slide4.xml><?xml version="1.0" encoding="utf-8"?>
-<p:sld xmlns:a="http://schemas.openxmlformats.org/drawingml/2006/main" xmlns:r="http://schemas.openxmlformats.org/officeDocument/2006/relationships" xmlns:p="http://schemas.openxmlformats.org/presentationml/2006/main">
-  <p:cSld>
-    <p:spTree>
-      <p:nvGrpSpPr>
-        <p:cNvPr id="1" name=""/>
-        <p:cNvGrpSpPr/>
-        <p:nvPr/>
-      </p:nvGrpSpPr>
-      <p:grpSpPr>
-        <a:xfrm>
-          <a:off x="0" y="0"/>
-          <a:ext cx="0" cy="0"/>
-          <a:chOff x="0" y="0"/>
-          <a:chExt cx="0" cy="0"/>
-        </a:xfrm>
-      </p:grpSpPr>
-      <p:sp>
-        <p:nvSpPr>
-          <p:cNvPr id="2" name="Title 1"/>
-          <p:cNvSpPr>
-            <a:spLocks noGrp="1"/>
-          </p:cNvSpPr>
-          <p:nvPr>
-            <p:ph type="title"/>
-          </p:nvPr>
-        </p:nvSpPr>
-        <p:spPr/>
-        <p:txBody>
-          <a:bodyPr/>
-          <a:lstStyle/>
-          <a:p>
-            <a:r>
-              <a:rPr lang="en-US" dirty="0" smtClean="0"/>
-              <a:t>Unicode </a:t>
-            </a:r>
-            <a:r>
-              <a:rPr lang="en-US" dirty="0" err="1" smtClean="0"/>
-              <a:t>Bidirection</a:t>
-            </a:r>
-            <a:r>
-              <a:rPr lang="en-US" dirty="0" smtClean="0"/>
-              <a:t> Algorithm</a:t>
-            </a:r>
-            <a:endParaRPr lang="en-US" dirty="0"/>
-          </a:p>
-        </p:txBody>
-      </p:sp>
-      <p:sp>
-        <p:nvSpPr>
-          <p:cNvPr id="3" name="Content Placeholder 2"/>
-          <p:cNvSpPr>
-            <a:spLocks noGrp="1"/>
-          </p:cNvSpPr>
-          <p:nvPr>
-            <p:ph idx="1"/>
-          </p:nvPr>
-        </p:nvSpPr>
-        <p:spPr/>
-        <p:txBody>
-          <a:bodyPr/>
-          <a:lstStyle/>
-          <a:p>
-            <a:r>
-              <a:rPr lang="en-US" dirty="0" smtClean="0">
-                <a:solidFill>
-                  <a:schemeClr val="bg2"/>
-                </a:solidFill>
-              </a:rPr>
-              <a:t>Code points have directionality assigned to them</a:t>
-            </a:r>
-          </a:p>
-          <a:p>
-            <a:r>
-              <a:rPr lang="en-US" dirty="0" smtClean="0"/>
-              <a:t>Partitioned into 4 types</a:t>
-            </a:r>
-          </a:p>
-        </p:txBody>
-      </p:sp>
-    </p:spTree>
-    <p:extLst>
-      <p:ext uri="{BB962C8B-B14F-4D97-AF65-F5344CB8AC3E}">
-        <p14:creationId xmlns:p14="http://schemas.microsoft.com/office/powerpoint/2010/main" val="1470018818"/>
-      </p:ext>
-    </p:extLst>
-  </p:cSld>
-  <p:clrMapOvr>
-    <a:masterClrMapping/>
-  </p:clrMapOvr>
-  <p:timing>
-    <p:tnLst>
-      <p:par>
-        <p:cTn id="1" dur="indefinite" restart="never" nodeType="tmRoot"/>
-      </p:par>
-    </p:tnLst>
-  </p:timing>
-</p:sld>
-</file>
-
-<file path=ppt/slides/slide5.xml><?xml version="1.0" encoding="utf-8"?>
-<p:sld xmlns:a="http://schemas.openxmlformats.org/drawingml/2006/main" xmlns:r="http://schemas.openxmlformats.org/officeDocument/2006/relationships" xmlns:p="http://schemas.openxmlformats.org/presentationml/2006/main">
-  <p:cSld>
-    <p:spTree>
-      <p:nvGrpSpPr>
-        <p:cNvPr id="1" name=""/>
-        <p:cNvGrpSpPr/>
-        <p:nvPr/>
-      </p:nvGrpSpPr>
-      <p:grpSpPr>
-        <a:xfrm>
-          <a:off x="0" y="0"/>
-          <a:ext cx="0" cy="0"/>
-          <a:chOff x="0" y="0"/>
-          <a:chExt cx="0" cy="0"/>
-        </a:xfrm>
-      </p:grpSpPr>
-      <p:sp>
-        <p:nvSpPr>
-          <p:cNvPr id="2" name="Title 1"/>
-          <p:cNvSpPr>
-            <a:spLocks noGrp="1"/>
-          </p:cNvSpPr>
-          <p:nvPr>
-            <p:ph type="title"/>
-          </p:nvPr>
-        </p:nvSpPr>
-        <p:spPr/>
-        <p:txBody>
-          <a:bodyPr/>
-          <a:lstStyle/>
-          <a:p>
-            <a:r>
-              <a:rPr lang="en-US" dirty="0" smtClean="0"/>
-              <a:t>Strong characters</a:t>
-            </a:r>
-            <a:endParaRPr lang="en-US" dirty="0"/>
-          </a:p>
-        </p:txBody>
-      </p:sp>
-      <p:sp>
-        <p:nvSpPr>
-          <p:cNvPr id="3" name="Content Placeholder 2"/>
-          <p:cNvSpPr>
-            <a:spLocks noGrp="1"/>
-          </p:cNvSpPr>
-          <p:nvPr>
-            <p:ph idx="1"/>
-          </p:nvPr>
-        </p:nvSpPr>
-        <p:spPr/>
-        <p:txBody>
-          <a:bodyPr/>
-          <a:lstStyle/>
-          <a:p>
-            <a:r>
-              <a:rPr lang="en-US" dirty="0" smtClean="0"/>
-              <a:t>Have a definite direction</a:t>
-            </a:r>
-          </a:p>
-          <a:p>
-            <a:r>
-              <a:rPr lang="en-US" dirty="0" smtClean="0"/>
-              <a:t>Examples</a:t>
-            </a:r>
-          </a:p>
-          <a:p>
-            <a:pPr lvl="1"/>
-            <a:r>
-              <a:rPr lang="en-US" dirty="0" smtClean="0"/>
-              <a:t>Alphabetic characters</a:t>
-            </a:r>
-          </a:p>
-          <a:p>
-            <a:pPr lvl="1"/>
-            <a:r>
-              <a:rPr lang="en-US" dirty="0" smtClean="0"/>
-              <a:t>Arabic</a:t>
-            </a:r>
-          </a:p>
-          <a:p>
-            <a:pPr lvl="1"/>
-            <a:r>
-              <a:rPr lang="en-US" dirty="0" smtClean="0"/>
-              <a:t>Marks (control character)</a:t>
-            </a:r>
-            <a:endParaRPr lang="en-US" dirty="0"/>
-          </a:p>
-        </p:txBody>
-      </p:sp>
-    </p:spTree>
-    <p:extLst>
-      <p:ext uri="{BB962C8B-B14F-4D97-AF65-F5344CB8AC3E}">
-        <p14:creationId xmlns:p14="http://schemas.microsoft.com/office/powerpoint/2010/main" val="3850170569"/>
+        <p14:creationId xmlns:p14="http://schemas.microsoft.com/office/powerpoint/2010/main" val="2246548978"/>
       </p:ext>
     </p:extLst>
   </p:cSld>
@@ -7466,11 +9707,7 @@
                                           </p:stCondLst>
                                         </p:cTn>
                                         <p:tgtEl>
-                                          <p:spTgt spid="3">
-                                            <p:txEl>
-                                              <p:pRg st="0" end="0"/>
-                                            </p:txEl>
-                                          </p:spTgt>
+                                          <p:spTgt spid="3"/>
                                         </p:tgtEl>
                                         <p:attrNameLst>
                                           <p:attrName>style.visibility</p:attrName>
@@ -7515,104 +9752,7 @@
                                           </p:stCondLst>
                                         </p:cTn>
                                         <p:tgtEl>
-                                          <p:spTgt spid="3">
-                                            <p:txEl>
-                                              <p:pRg st="1" end="1"/>
-                                            </p:txEl>
-                                          </p:spTgt>
-                                        </p:tgtEl>
-                                        <p:attrNameLst>
-                                          <p:attrName>style.visibility</p:attrName>
-                                        </p:attrNameLst>
-                                      </p:cBhvr>
-                                      <p:to>
-                                        <p:strVal val="visible"/>
-                                      </p:to>
-                                    </p:set>
-                                  </p:childTnLst>
-                                </p:cTn>
-                              </p:par>
-                              <p:par>
-                                <p:cTn id="11" presetID="1" presetClass="entr" presetSubtype="0" fill="hold" grpId="0" nodeType="withEffect">
-                                  <p:stCondLst>
-                                    <p:cond delay="0"/>
-                                  </p:stCondLst>
-                                  <p:childTnLst>
-                                    <p:set>
-                                      <p:cBhvr>
-                                        <p:cTn id="12" dur="1" fill="hold">
-                                          <p:stCondLst>
-                                            <p:cond delay="0"/>
-                                          </p:stCondLst>
-                                        </p:cTn>
-                                        <p:tgtEl>
-                                          <p:spTgt spid="3">
-                                            <p:txEl>
-                                              <p:pRg st="2" end="2"/>
-                                            </p:txEl>
-                                          </p:spTgt>
-                                        </p:tgtEl>
-                                        <p:attrNameLst>
-                                          <p:attrName>style.visibility</p:attrName>
-                                        </p:attrNameLst>
-                                      </p:cBhvr>
-                                      <p:to>
-                                        <p:strVal val="visible"/>
-                                      </p:to>
-                                    </p:set>
-                                  </p:childTnLst>
-                                </p:cTn>
-                              </p:par>
-                              <p:par>
-                                <p:cTn id="13" presetID="1" presetClass="entr" presetSubtype="0" fill="hold" grpId="0" nodeType="withEffect">
-                                  <p:stCondLst>
-                                    <p:cond delay="0"/>
-                                  </p:stCondLst>
-                                  <p:childTnLst>
-                                    <p:set>
-                                      <p:cBhvr>
-                                        <p:cTn id="14" dur="1" fill="hold">
-                                          <p:stCondLst>
-                                            <p:cond delay="0"/>
-                                          </p:stCondLst>
-                                        </p:cTn>
-                                        <p:tgtEl>
-                                          <p:spTgt spid="3">
-                                            <p:txEl>
-                                              <p:pRg st="3" end="3"/>
-                                            </p:txEl>
-                                          </p:spTgt>
-                                        </p:tgtEl>
-                                        <p:attrNameLst>
-                                          <p:attrName>style.visibility</p:attrName>
-                                        </p:attrNameLst>
-                                      </p:cBhvr>
-                                      <p:to>
-                                        <p:strVal val="visible"/>
-                                      </p:to>
-                                    </p:set>
-                                  </p:childTnLst>
-                                </p:cTn>
-                              </p:par>
-                              <p:par>
-                                <p:cTn id="15" presetID="1" presetClass="entr" presetSubtype="0" fill="hold" grpId="0" nodeType="withEffect">
-                                  <p:stCondLst>
-                                    <p:cond delay="0"/>
-                                  </p:stCondLst>
-                                  <p:childTnLst>
-                                    <p:set>
-                                      <p:cBhvr>
-                                        <p:cTn id="16" dur="1" fill="hold">
-                                          <p:stCondLst>
-                                            <p:cond delay="0"/>
-                                          </p:stCondLst>
-                                        </p:cTn>
-                                        <p:tgtEl>
-                                          <p:spTgt spid="3">
-                                            <p:txEl>
-                                              <p:pRg st="4" end="4"/>
-                                            </p:txEl>
-                                          </p:spTgt>
+                                          <p:spTgt spid="2"/>
                                         </p:tgtEl>
                                         <p:attrNameLst>
                                           <p:attrName>style.visibility</p:attrName>
@@ -7653,8 +9793,707 @@
       </p:par>
     </p:tnLst>
     <p:bldLst>
-      <p:bldP spid="3" grpId="0" build="p"/>
+      <p:bldP spid="2" grpId="0"/>
+      <p:bldP spid="3" grpId="0"/>
     </p:bldLst>
+  </p:timing>
+</p:sld>
+</file>
+
+<file path=ppt/slides/slide24.xml><?xml version="1.0" encoding="utf-8"?>
+<p:sld xmlns:a="http://schemas.openxmlformats.org/drawingml/2006/main" xmlns:r="http://schemas.openxmlformats.org/officeDocument/2006/relationships" xmlns:p="http://schemas.openxmlformats.org/presentationml/2006/main">
+  <p:cSld>
+    <p:spTree>
+      <p:nvGrpSpPr>
+        <p:cNvPr id="1" name=""/>
+        <p:cNvGrpSpPr/>
+        <p:nvPr/>
+      </p:nvGrpSpPr>
+      <p:grpSpPr>
+        <a:xfrm>
+          <a:off x="0" y="0"/>
+          <a:ext cx="0" cy="0"/>
+          <a:chOff x="0" y="0"/>
+          <a:chExt cx="0" cy="0"/>
+        </a:xfrm>
+      </p:grpSpPr>
+      <p:sp>
+        <p:nvSpPr>
+          <p:cNvPr id="2" name="Rectangle 1"/>
+          <p:cNvSpPr>
+            <a:spLocks noChangeArrowheads="1"/>
+          </p:cNvSpPr>
+          <p:nvPr/>
+        </p:nvSpPr>
+        <p:spPr bwMode="auto">
+          <a:xfrm>
+            <a:off x="2290483" y="3136613"/>
+            <a:ext cx="7611035" cy="584775"/>
+          </a:xfrm>
+          <a:prstGeom prst="rect">
+            <a:avLst/>
+          </a:prstGeom>
+          <a:noFill/>
+          <a:ln>
+            <a:noFill/>
+          </a:ln>
+          <a:effectLst/>
+          <a:extLst>
+            <a:ext uri="{909E8E84-426E-40DD-AFC4-6F175D3DCCD1}">
+              <a14:hiddenFill xmlns:a14="http://schemas.microsoft.com/office/drawing/2010/main">
+                <a:solidFill>
+                  <a:schemeClr val="accent1"/>
+                </a:solidFill>
+              </a14:hiddenFill>
+            </a:ext>
+            <a:ext uri="{91240B29-F687-4F45-9708-019B960494DF}">
+              <a14:hiddenLine xmlns:a14="http://schemas.microsoft.com/office/drawing/2010/main" w="9525">
+                <a:solidFill>
+                  <a:schemeClr val="tx1"/>
+                </a:solidFill>
+                <a:miter lim="800000"/>
+                <a:headEnd/>
+                <a:tailEnd/>
+              </a14:hiddenLine>
+            </a:ext>
+            <a:ext uri="{AF507438-7753-43E0-B8FC-AC1667EBCBE1}">
+              <a14:hiddenEffects xmlns:a14="http://schemas.microsoft.com/office/drawing/2010/main">
+                <a:effectLst>
+                  <a:outerShdw dist="35921" dir="2700000" algn="ctr" rotWithShape="0">
+                    <a:schemeClr val="bg2"/>
+                  </a:outerShdw>
+                </a:effectLst>
+              </a14:hiddenEffects>
+            </a:ext>
+          </a:extLst>
+        </p:spPr>
+        <p:txBody>
+          <a:bodyPr vert="horz" wrap="square" lIns="91440" tIns="45720" rIns="91440" bIns="45720" numCol="1" anchor="ctr" anchorCtr="0" compatLnSpc="1">
+            <a:prstTxWarp prst="textNoShape">
+              <a:avLst/>
+            </a:prstTxWarp>
+            <a:spAutoFit/>
+          </a:bodyPr>
+          <a:lstStyle/>
+          <a:p>
+            <a:pPr lvl="0" eaLnBrk="0" fontAlgn="base" hangingPunct="0">
+              <a:spcBef>
+                <a:spcPct val="0"/>
+              </a:spcBef>
+              <a:spcAft>
+                <a:spcPct val="0"/>
+              </a:spcAft>
+            </a:pPr>
+            <a:r>
+              <a:rPr kumimoji="0" lang="en-US" altLang="en-US" sz="3200" b="0" i="0" u="none" strike="noStrike" cap="none" normalizeH="0" baseline="0" dirty="0" smtClean="0">
+                <a:ln>
+                  <a:noFill/>
+                </a:ln>
+                <a:solidFill>
+                  <a:schemeClr val="tx1"/>
+                </a:solidFill>
+                <a:effectLst/>
+                <a:latin typeface="Arial Unicode MS" panose="020B0604020202020204" pitchFamily="34" charset="-128"/>
+              </a:rPr>
+              <a:t>I enjoyed staying</a:t>
+            </a:r>
+            <a:r>
+              <a:rPr kumimoji="0" lang="en-US" altLang="en-US" sz="3200" b="0" i="0" u="none" strike="noStrike" cap="none" normalizeH="0" dirty="0" smtClean="0">
+                <a:ln>
+                  <a:noFill/>
+                </a:ln>
+                <a:solidFill>
+                  <a:schemeClr val="tx1"/>
+                </a:solidFill>
+                <a:effectLst/>
+                <a:latin typeface="Arial Unicode MS" panose="020B0604020202020204" pitchFamily="34" charset="-128"/>
+              </a:rPr>
+              <a:t> -- </a:t>
+            </a:r>
+            <a:r>
+              <a:rPr lang="he-IL" altLang="en-US" sz="3200" dirty="0">
+                <a:solidFill>
+                  <a:schemeClr val="accent2"/>
+                </a:solidFill>
+                <a:latin typeface="Arial Unicode MS" panose="020B0604020202020204" pitchFamily="34" charset="-128"/>
+              </a:rPr>
+              <a:t>באמת!</a:t>
+            </a:r>
+            <a:r>
+              <a:rPr kumimoji="0" lang="en-US" altLang="en-US" sz="3200" b="0" i="0" u="none" strike="noStrike" cap="none" normalizeH="0" dirty="0" smtClean="0">
+                <a:ln>
+                  <a:noFill/>
+                </a:ln>
+                <a:solidFill>
+                  <a:schemeClr val="tx1"/>
+                </a:solidFill>
+                <a:effectLst/>
+                <a:latin typeface="Arial Unicode MS" panose="020B0604020202020204" pitchFamily="34" charset="-128"/>
+              </a:rPr>
+              <a:t> -- </a:t>
+            </a:r>
+            <a:r>
+              <a:rPr kumimoji="0" lang="en-US" altLang="en-US" sz="3200" b="0" i="0" u="none" strike="noStrike" cap="none" normalizeH="0" baseline="0" dirty="0" smtClean="0">
+                <a:ln>
+                  <a:noFill/>
+                </a:ln>
+                <a:solidFill>
+                  <a:schemeClr val="tx1"/>
+                </a:solidFill>
+                <a:effectLst/>
+                <a:latin typeface="Arial Unicode MS" panose="020B0604020202020204" pitchFamily="34" charset="-128"/>
+              </a:rPr>
+              <a:t>at his house.</a:t>
+            </a:r>
+            <a:r>
+              <a:rPr kumimoji="0" lang="en-US" altLang="en-US" sz="3200" b="0" i="0" u="none" strike="noStrike" cap="none" normalizeH="0" baseline="0" dirty="0" smtClean="0">
+                <a:ln>
+                  <a:noFill/>
+                </a:ln>
+                <a:solidFill>
+                  <a:schemeClr val="tx1"/>
+                </a:solidFill>
+                <a:effectLst/>
+              </a:rPr>
+              <a:t> </a:t>
+            </a:r>
+            <a:endParaRPr kumimoji="0" lang="en-US" altLang="en-US" sz="3200" b="0" i="0" u="none" strike="noStrike" cap="none" normalizeH="0" baseline="0" dirty="0" smtClean="0">
+              <a:ln>
+                <a:noFill/>
+              </a:ln>
+              <a:solidFill>
+                <a:schemeClr val="tx1"/>
+              </a:solidFill>
+              <a:effectLst/>
+              <a:latin typeface="Arial" panose="020B0604020202020204" pitchFamily="34" charset="0"/>
+            </a:endParaRPr>
+          </a:p>
+        </p:txBody>
+      </p:sp>
+      <p:sp>
+        <p:nvSpPr>
+          <p:cNvPr id="3" name="Rectangle 2"/>
+          <p:cNvSpPr/>
+          <p:nvPr/>
+        </p:nvSpPr>
+        <p:spPr>
+          <a:xfrm>
+            <a:off x="4527179" y="3873678"/>
+            <a:ext cx="5244351" cy="369332"/>
+          </a:xfrm>
+          <a:prstGeom prst="rect">
+            <a:avLst/>
+          </a:prstGeom>
+        </p:spPr>
+        <p:txBody>
+          <a:bodyPr wrap="square">
+            <a:spAutoFit/>
+          </a:bodyPr>
+          <a:lstStyle/>
+          <a:p>
+            <a:r>
+              <a:rPr lang="en-US" altLang="en-US" dirty="0">
+                <a:solidFill>
+                  <a:schemeClr val="accent2"/>
+                </a:solidFill>
+                <a:latin typeface="Arial Unicode MS" panose="020B0604020202020204" pitchFamily="34" charset="-128"/>
+              </a:rPr>
+              <a:t>[ </a:t>
+            </a:r>
+            <a:r>
+              <a:rPr lang="he-IL" altLang="en-US" dirty="0">
+                <a:solidFill>
+                  <a:schemeClr val="accent2"/>
+                </a:solidFill>
+                <a:latin typeface="Arial Unicode MS" panose="020B0604020202020204" pitchFamily="34" charset="-128"/>
+              </a:rPr>
+              <a:t>ב</a:t>
+            </a:r>
+            <a:r>
+              <a:rPr lang="en-US" dirty="0">
+                <a:solidFill>
+                  <a:schemeClr val="accent2"/>
+                </a:solidFill>
+              </a:rPr>
+              <a:t>, </a:t>
+            </a:r>
+            <a:r>
+              <a:rPr lang="he-IL" altLang="en-US" dirty="0">
+                <a:solidFill>
+                  <a:schemeClr val="accent2"/>
+                </a:solidFill>
+                <a:latin typeface="Arial Unicode MS" panose="020B0604020202020204" pitchFamily="34" charset="-128"/>
+              </a:rPr>
+              <a:t>א</a:t>
+            </a:r>
+            <a:r>
+              <a:rPr lang="en-US" dirty="0">
+                <a:solidFill>
+                  <a:schemeClr val="accent2"/>
+                </a:solidFill>
+              </a:rPr>
+              <a:t>, </a:t>
+            </a:r>
+            <a:r>
+              <a:rPr lang="he-IL" altLang="en-US" dirty="0">
+                <a:solidFill>
+                  <a:schemeClr val="accent2"/>
+                </a:solidFill>
+                <a:latin typeface="Arial Unicode MS" panose="020B0604020202020204" pitchFamily="34" charset="-128"/>
+              </a:rPr>
+              <a:t>מ</a:t>
+            </a:r>
+            <a:r>
+              <a:rPr lang="en-US" dirty="0">
+                <a:solidFill>
+                  <a:schemeClr val="accent2"/>
+                </a:solidFill>
+              </a:rPr>
+              <a:t>, </a:t>
+            </a:r>
+            <a:r>
+              <a:rPr lang="he-IL" altLang="en-US" dirty="0">
+                <a:solidFill>
+                  <a:schemeClr val="accent2"/>
+                </a:solidFill>
+                <a:latin typeface="Arial Unicode MS" panose="020B0604020202020204" pitchFamily="34" charset="-128"/>
+              </a:rPr>
+              <a:t>ת</a:t>
+            </a:r>
+            <a:r>
+              <a:rPr lang="en-US" dirty="0">
+                <a:solidFill>
+                  <a:schemeClr val="accent2"/>
+                </a:solidFill>
+              </a:rPr>
+              <a:t>, </a:t>
+            </a:r>
+            <a:r>
+              <a:rPr lang="en-US" dirty="0" smtClean="0">
+                <a:solidFill>
+                  <a:schemeClr val="accent2"/>
+                </a:solidFill>
+              </a:rPr>
+              <a:t>!, </a:t>
+            </a:r>
+            <a:r>
+              <a:rPr lang="en-US" dirty="0" smtClean="0">
+                <a:solidFill>
+                  <a:srgbClr val="7030A0"/>
+                </a:solidFill>
+              </a:rPr>
+              <a:t>U+200F (Right to Left mark) </a:t>
+            </a:r>
+            <a:r>
+              <a:rPr lang="en-US" dirty="0" smtClean="0">
+                <a:solidFill>
+                  <a:schemeClr val="accent2"/>
+                </a:solidFill>
+              </a:rPr>
+              <a:t>]</a:t>
+            </a:r>
+            <a:endParaRPr lang="en-US" dirty="0">
+              <a:solidFill>
+                <a:schemeClr val="accent2"/>
+              </a:solidFill>
+            </a:endParaRPr>
+          </a:p>
+        </p:txBody>
+      </p:sp>
+    </p:spTree>
+    <p:extLst>
+      <p:ext uri="{BB962C8B-B14F-4D97-AF65-F5344CB8AC3E}">
+        <p14:creationId xmlns:p14="http://schemas.microsoft.com/office/powerpoint/2010/main" val="2011651223"/>
+      </p:ext>
+    </p:extLst>
+  </p:cSld>
+  <p:clrMapOvr>
+    <a:masterClrMapping/>
+  </p:clrMapOvr>
+  <p:timing>
+    <p:tnLst>
+      <p:par>
+        <p:cTn id="1" dur="indefinite" restart="never" nodeType="tmRoot"/>
+      </p:par>
+    </p:tnLst>
+  </p:timing>
+</p:sld>
+</file>
+
+<file path=ppt/slides/slide25.xml><?xml version="1.0" encoding="utf-8"?>
+<p:sld xmlns:a="http://schemas.openxmlformats.org/drawingml/2006/main" xmlns:r="http://schemas.openxmlformats.org/officeDocument/2006/relationships" xmlns:p="http://schemas.openxmlformats.org/presentationml/2006/main">
+  <p:cSld>
+    <p:spTree>
+      <p:nvGrpSpPr>
+        <p:cNvPr id="1" name=""/>
+        <p:cNvGrpSpPr/>
+        <p:nvPr/>
+      </p:nvGrpSpPr>
+      <p:grpSpPr>
+        <a:xfrm>
+          <a:off x="0" y="0"/>
+          <a:ext cx="0" cy="0"/>
+          <a:chOff x="0" y="0"/>
+          <a:chExt cx="0" cy="0"/>
+        </a:xfrm>
+      </p:grpSpPr>
+      <p:sp>
+        <p:nvSpPr>
+          <p:cNvPr id="2" name="Title 1"/>
+          <p:cNvSpPr>
+            <a:spLocks noGrp="1"/>
+          </p:cNvSpPr>
+          <p:nvPr>
+            <p:ph type="title"/>
+          </p:nvPr>
+        </p:nvSpPr>
+        <p:spPr>
+          <a:xfrm>
+            <a:off x="4519333" y="2118215"/>
+            <a:ext cx="3153335" cy="2621570"/>
+          </a:xfrm>
+        </p:spPr>
+        <p:txBody>
+          <a:bodyPr>
+            <a:normAutofit/>
+          </a:bodyPr>
+          <a:lstStyle/>
+          <a:p>
+            <a:r>
+              <a:rPr lang="en-US" sz="9600" dirty="0" err="1" smtClean="0"/>
+              <a:t>omeD</a:t>
+            </a:r>
+            <a:endParaRPr lang="en-US" sz="9600" dirty="0"/>
+          </a:p>
+        </p:txBody>
+      </p:sp>
+    </p:spTree>
+    <p:extLst>
+      <p:ext uri="{BB962C8B-B14F-4D97-AF65-F5344CB8AC3E}">
+        <p14:creationId xmlns:p14="http://schemas.microsoft.com/office/powerpoint/2010/main" val="4168163651"/>
+      </p:ext>
+    </p:extLst>
+  </p:cSld>
+  <p:clrMapOvr>
+    <a:masterClrMapping/>
+  </p:clrMapOvr>
+  <p:timing>
+    <p:tnLst>
+      <p:par>
+        <p:cTn id="1" dur="indefinite" restart="never" nodeType="tmRoot"/>
+      </p:par>
+    </p:tnLst>
+  </p:timing>
+</p:sld>
+</file>
+
+<file path=ppt/slides/slide3.xml><?xml version="1.0" encoding="utf-8"?>
+<p:sld xmlns:a="http://schemas.openxmlformats.org/drawingml/2006/main" xmlns:r="http://schemas.openxmlformats.org/officeDocument/2006/relationships" xmlns:p="http://schemas.openxmlformats.org/presentationml/2006/main">
+  <p:cSld>
+    <p:spTree>
+      <p:nvGrpSpPr>
+        <p:cNvPr id="1" name=""/>
+        <p:cNvGrpSpPr/>
+        <p:nvPr/>
+      </p:nvGrpSpPr>
+      <p:grpSpPr>
+        <a:xfrm>
+          <a:off x="0" y="0"/>
+          <a:ext cx="0" cy="0"/>
+          <a:chOff x="0" y="0"/>
+          <a:chExt cx="0" cy="0"/>
+        </a:xfrm>
+      </p:grpSpPr>
+      <p:sp>
+        <p:nvSpPr>
+          <p:cNvPr id="2" name="Title 1"/>
+          <p:cNvSpPr>
+            <a:spLocks noGrp="1"/>
+          </p:cNvSpPr>
+          <p:nvPr>
+            <p:ph type="title"/>
+          </p:nvPr>
+        </p:nvSpPr>
+        <p:spPr/>
+        <p:txBody>
+          <a:bodyPr/>
+          <a:lstStyle/>
+          <a:p>
+            <a:r>
+              <a:rPr lang="en-US" dirty="0" smtClean="0"/>
+              <a:t>Unicode </a:t>
+            </a:r>
+            <a:r>
+              <a:rPr lang="en-US" dirty="0" err="1" smtClean="0"/>
+              <a:t>Bidirection</a:t>
+            </a:r>
+            <a:r>
+              <a:rPr lang="en-US" dirty="0" smtClean="0"/>
+              <a:t> Algorithm</a:t>
+            </a:r>
+            <a:endParaRPr lang="en-US" dirty="0"/>
+          </a:p>
+        </p:txBody>
+      </p:sp>
+      <p:sp>
+        <p:nvSpPr>
+          <p:cNvPr id="3" name="Content Placeholder 2"/>
+          <p:cNvSpPr>
+            <a:spLocks noGrp="1"/>
+          </p:cNvSpPr>
+          <p:nvPr>
+            <p:ph idx="1"/>
+          </p:nvPr>
+        </p:nvSpPr>
+        <p:spPr/>
+        <p:txBody>
+          <a:bodyPr/>
+          <a:lstStyle/>
+          <a:p>
+            <a:r>
+              <a:rPr lang="en-US" dirty="0" smtClean="0"/>
+              <a:t>Code points have directionality assigned to them</a:t>
+            </a:r>
+          </a:p>
+        </p:txBody>
+      </p:sp>
+    </p:spTree>
+    <p:extLst>
+      <p:ext uri="{BB962C8B-B14F-4D97-AF65-F5344CB8AC3E}">
+        <p14:creationId xmlns:p14="http://schemas.microsoft.com/office/powerpoint/2010/main" val="3395952972"/>
+      </p:ext>
+    </p:extLst>
+  </p:cSld>
+  <p:clrMapOvr>
+    <a:masterClrMapping/>
+  </p:clrMapOvr>
+  <p:timing>
+    <p:tnLst>
+      <p:par>
+        <p:cTn id="1" dur="indefinite" restart="never" nodeType="tmRoot"/>
+      </p:par>
+    </p:tnLst>
+  </p:timing>
+</p:sld>
+</file>
+
+<file path=ppt/slides/slide4.xml><?xml version="1.0" encoding="utf-8"?>
+<p:sld xmlns:a="http://schemas.openxmlformats.org/drawingml/2006/main" xmlns:r="http://schemas.openxmlformats.org/officeDocument/2006/relationships" xmlns:p="http://schemas.openxmlformats.org/presentationml/2006/main">
+  <p:cSld>
+    <p:spTree>
+      <p:nvGrpSpPr>
+        <p:cNvPr id="1" name=""/>
+        <p:cNvGrpSpPr/>
+        <p:nvPr/>
+      </p:nvGrpSpPr>
+      <p:grpSpPr>
+        <a:xfrm>
+          <a:off x="0" y="0"/>
+          <a:ext cx="0" cy="0"/>
+          <a:chOff x="0" y="0"/>
+          <a:chExt cx="0" cy="0"/>
+        </a:xfrm>
+      </p:grpSpPr>
+      <p:sp>
+        <p:nvSpPr>
+          <p:cNvPr id="2" name="Title 1"/>
+          <p:cNvSpPr>
+            <a:spLocks noGrp="1"/>
+          </p:cNvSpPr>
+          <p:nvPr>
+            <p:ph type="title"/>
+          </p:nvPr>
+        </p:nvSpPr>
+        <p:spPr/>
+        <p:txBody>
+          <a:bodyPr/>
+          <a:lstStyle/>
+          <a:p>
+            <a:r>
+              <a:rPr lang="en-US" dirty="0" smtClean="0"/>
+              <a:t>Unicode </a:t>
+            </a:r>
+            <a:r>
+              <a:rPr lang="en-US" dirty="0" err="1" smtClean="0"/>
+              <a:t>Bidirection</a:t>
+            </a:r>
+            <a:r>
+              <a:rPr lang="en-US" dirty="0" smtClean="0"/>
+              <a:t> Algorithm</a:t>
+            </a:r>
+            <a:endParaRPr lang="en-US" dirty="0"/>
+          </a:p>
+        </p:txBody>
+      </p:sp>
+      <p:sp>
+        <p:nvSpPr>
+          <p:cNvPr id="3" name="Content Placeholder 2"/>
+          <p:cNvSpPr>
+            <a:spLocks noGrp="1"/>
+          </p:cNvSpPr>
+          <p:nvPr>
+            <p:ph idx="1"/>
+          </p:nvPr>
+        </p:nvSpPr>
+        <p:spPr/>
+        <p:txBody>
+          <a:bodyPr/>
+          <a:lstStyle/>
+          <a:p>
+            <a:r>
+              <a:rPr lang="en-US" dirty="0" smtClean="0">
+                <a:solidFill>
+                  <a:schemeClr val="bg2"/>
+                </a:solidFill>
+              </a:rPr>
+              <a:t>Code points have directionality assigned to them</a:t>
+            </a:r>
+          </a:p>
+          <a:p>
+            <a:r>
+              <a:rPr lang="en-US" dirty="0" smtClean="0"/>
+              <a:t>Partitioned into 4 types</a:t>
+            </a:r>
+          </a:p>
+        </p:txBody>
+      </p:sp>
+    </p:spTree>
+    <p:extLst>
+      <p:ext uri="{BB962C8B-B14F-4D97-AF65-F5344CB8AC3E}">
+        <p14:creationId xmlns:p14="http://schemas.microsoft.com/office/powerpoint/2010/main" val="1470018818"/>
+      </p:ext>
+    </p:extLst>
+  </p:cSld>
+  <p:clrMapOvr>
+    <a:masterClrMapping/>
+  </p:clrMapOvr>
+  <p:timing>
+    <p:tnLst>
+      <p:par>
+        <p:cTn id="1" dur="indefinite" restart="never" nodeType="tmRoot"/>
+      </p:par>
+    </p:tnLst>
+  </p:timing>
+</p:sld>
+</file>
+
+<file path=ppt/slides/slide5.xml><?xml version="1.0" encoding="utf-8"?>
+<p:sld xmlns:a="http://schemas.openxmlformats.org/drawingml/2006/main" xmlns:r="http://schemas.openxmlformats.org/officeDocument/2006/relationships" xmlns:p="http://schemas.openxmlformats.org/presentationml/2006/main">
+  <p:cSld>
+    <p:spTree>
+      <p:nvGrpSpPr>
+        <p:cNvPr id="1" name=""/>
+        <p:cNvGrpSpPr/>
+        <p:nvPr/>
+      </p:nvGrpSpPr>
+      <p:grpSpPr>
+        <a:xfrm>
+          <a:off x="0" y="0"/>
+          <a:ext cx="0" cy="0"/>
+          <a:chOff x="0" y="0"/>
+          <a:chExt cx="0" cy="0"/>
+        </a:xfrm>
+      </p:grpSpPr>
+      <p:sp>
+        <p:nvSpPr>
+          <p:cNvPr id="2" name="Title 1"/>
+          <p:cNvSpPr>
+            <a:spLocks noGrp="1"/>
+          </p:cNvSpPr>
+          <p:nvPr>
+            <p:ph type="title"/>
+          </p:nvPr>
+        </p:nvSpPr>
+        <p:spPr/>
+        <p:txBody>
+          <a:bodyPr/>
+          <a:lstStyle/>
+          <a:p>
+            <a:r>
+              <a:rPr lang="en-US" dirty="0" smtClean="0"/>
+              <a:t>Strong characters</a:t>
+            </a:r>
+            <a:endParaRPr lang="en-US" dirty="0"/>
+          </a:p>
+        </p:txBody>
+      </p:sp>
+      <p:sp>
+        <p:nvSpPr>
+          <p:cNvPr id="3" name="Content Placeholder 2"/>
+          <p:cNvSpPr>
+            <a:spLocks noGrp="1"/>
+          </p:cNvSpPr>
+          <p:nvPr>
+            <p:ph idx="1"/>
+          </p:nvPr>
+        </p:nvSpPr>
+        <p:spPr/>
+        <p:txBody>
+          <a:bodyPr/>
+          <a:lstStyle/>
+          <a:p>
+            <a:r>
+              <a:rPr lang="en-US" dirty="0" smtClean="0"/>
+              <a:t>Have a definite direction</a:t>
+            </a:r>
+          </a:p>
+          <a:p>
+            <a:r>
+              <a:rPr lang="en-US" dirty="0" smtClean="0"/>
+              <a:t>Examples</a:t>
+            </a:r>
+          </a:p>
+          <a:p>
+            <a:pPr lvl="1"/>
+            <a:r>
+              <a:rPr lang="en-US" dirty="0" smtClean="0"/>
+              <a:t>Alphabetic characters</a:t>
+            </a:r>
+          </a:p>
+          <a:p>
+            <a:pPr lvl="1"/>
+            <a:r>
+              <a:rPr lang="en-US" dirty="0" smtClean="0"/>
+              <a:t>Arabic</a:t>
+            </a:r>
+          </a:p>
+          <a:p>
+            <a:pPr lvl="1"/>
+            <a:r>
+              <a:rPr lang="en-US" dirty="0" smtClean="0"/>
+              <a:t>Marks (control character</a:t>
+            </a:r>
+            <a:r>
+              <a:rPr lang="en-US" dirty="0" smtClean="0"/>
+              <a:t>)</a:t>
+            </a:r>
+          </a:p>
+          <a:p>
+            <a:pPr lvl="1"/>
+            <a:r>
+              <a:rPr lang="en-US" dirty="0" smtClean="0"/>
+              <a:t>Punctuation specific to the script</a:t>
+            </a:r>
+            <a:endParaRPr lang="en-US" dirty="0"/>
+          </a:p>
+        </p:txBody>
+      </p:sp>
+    </p:spTree>
+    <p:extLst>
+      <p:ext uri="{BB962C8B-B14F-4D97-AF65-F5344CB8AC3E}">
+        <p14:creationId xmlns:p14="http://schemas.microsoft.com/office/powerpoint/2010/main" val="3850170569"/>
+      </p:ext>
+    </p:extLst>
+  </p:cSld>
+  <p:clrMapOvr>
+    <a:masterClrMapping/>
+  </p:clrMapOvr>
+  <p:timing>
+    <p:tnLst>
+      <p:par>
+        <p:cTn id="1" dur="indefinite" restart="never" nodeType="tmRoot"/>
+      </p:par>
+    </p:tnLst>
   </p:timing>
 </p:sld>
 </file>
@@ -7722,8 +10561,13 @@
           <a:p>
             <a:r>
               <a:rPr lang="en-US" dirty="0" smtClean="0"/>
-              <a:t>Special rules when mixed with strong characters of opposite direction</a:t>
-            </a:r>
+              <a:t>Special rules when mixed with strong </a:t>
+            </a:r>
+            <a:r>
+              <a:rPr lang="en-US" dirty="0" smtClean="0"/>
+              <a:t>characters</a:t>
+            </a:r>
+            <a:endParaRPr lang="en-US" dirty="0" smtClean="0"/>
           </a:p>
           <a:p>
             <a:r>
@@ -7735,18 +10579,15 @@
             <a:pPr lvl="1"/>
             <a:r>
               <a:rPr lang="en-US" dirty="0" smtClean="0"/>
-              <a:t>Numbers</a:t>
-            </a:r>
+              <a:t>Numbers (have special rule)</a:t>
+            </a:r>
+            <a:endParaRPr lang="en-US" dirty="0" smtClean="0"/>
           </a:p>
           <a:p>
             <a:pPr lvl="1"/>
             <a:r>
               <a:rPr lang="en-US" dirty="0" smtClean="0"/>
-              <a:t>Arithmetic </a:t>
-            </a:r>
-            <a:r>
-              <a:rPr lang="en-US" dirty="0" smtClean="0"/>
-              <a:t>symbols</a:t>
+              <a:t>Arithmetic symbols</a:t>
             </a:r>
           </a:p>
           <a:p>
@@ -7754,6 +10595,13 @@
             <a:r>
               <a:rPr lang="en-US" dirty="0" smtClean="0"/>
               <a:t>Currency</a:t>
+            </a:r>
+          </a:p>
+          <a:p>
+            <a:pPr lvl="1"/>
+            <a:r>
+              <a:rPr lang="en-US" dirty="0" smtClean="0"/>
+              <a:t>Common punctuation</a:t>
             </a:r>
             <a:endParaRPr lang="en-US" dirty="0"/>
           </a:p>
@@ -7772,275 +10620,9 @@
   <p:timing>
     <p:tnLst>
       <p:par>
-        <p:cTn id="1" dur="indefinite" restart="never" nodeType="tmRoot">
-          <p:childTnLst>
-            <p:seq concurrent="1" nextAc="seek">
-              <p:cTn id="2" dur="indefinite" nodeType="mainSeq">
-                <p:childTnLst>
-                  <p:par>
-                    <p:cTn id="3" fill="hold">
-                      <p:stCondLst>
-                        <p:cond delay="indefinite"/>
-                      </p:stCondLst>
-                      <p:childTnLst>
-                        <p:par>
-                          <p:cTn id="4" fill="hold">
-                            <p:stCondLst>
-                              <p:cond delay="0"/>
-                            </p:stCondLst>
-                            <p:childTnLst>
-                              <p:par>
-                                <p:cTn id="5" presetID="1" presetClass="entr" presetSubtype="0" fill="hold" grpId="0" nodeType="clickEffect">
-                                  <p:stCondLst>
-                                    <p:cond delay="0"/>
-                                  </p:stCondLst>
-                                  <p:childTnLst>
-                                    <p:set>
-                                      <p:cBhvr>
-                                        <p:cTn id="6" dur="1" fill="hold">
-                                          <p:stCondLst>
-                                            <p:cond delay="0"/>
-                                          </p:stCondLst>
-                                        </p:cTn>
-                                        <p:tgtEl>
-                                          <p:spTgt spid="3">
-                                            <p:txEl>
-                                              <p:pRg st="0" end="0"/>
-                                            </p:txEl>
-                                          </p:spTgt>
-                                        </p:tgtEl>
-                                        <p:attrNameLst>
-                                          <p:attrName>style.visibility</p:attrName>
-                                        </p:attrNameLst>
-                                      </p:cBhvr>
-                                      <p:to>
-                                        <p:strVal val="visible"/>
-                                      </p:to>
-                                    </p:set>
-                                  </p:childTnLst>
-                                </p:cTn>
-                              </p:par>
-                            </p:childTnLst>
-                          </p:cTn>
-                        </p:par>
-                      </p:childTnLst>
-                    </p:cTn>
-                  </p:par>
-                  <p:par>
-                    <p:cTn id="7" fill="hold">
-                      <p:stCondLst>
-                        <p:cond delay="indefinite"/>
-                      </p:stCondLst>
-                      <p:childTnLst>
-                        <p:par>
-                          <p:cTn id="8" fill="hold">
-                            <p:stCondLst>
-                              <p:cond delay="0"/>
-                            </p:stCondLst>
-                            <p:childTnLst>
-                              <p:par>
-                                <p:cTn id="9" presetID="1" presetClass="entr" presetSubtype="0" fill="hold" grpId="0" nodeType="clickEffect">
-                                  <p:stCondLst>
-                                    <p:cond delay="0"/>
-                                  </p:stCondLst>
-                                  <p:childTnLst>
-                                    <p:set>
-                                      <p:cBhvr>
-                                        <p:cTn id="10" dur="1" fill="hold">
-                                          <p:stCondLst>
-                                            <p:cond delay="0"/>
-                                          </p:stCondLst>
-                                        </p:cTn>
-                                        <p:tgtEl>
-                                          <p:spTgt spid="3">
-                                            <p:txEl>
-                                              <p:pRg st="1" end="1"/>
-                                            </p:txEl>
-                                          </p:spTgt>
-                                        </p:tgtEl>
-                                        <p:attrNameLst>
-                                          <p:attrName>style.visibility</p:attrName>
-                                        </p:attrNameLst>
-                                      </p:cBhvr>
-                                      <p:to>
-                                        <p:strVal val="visible"/>
-                                      </p:to>
-                                    </p:set>
-                                  </p:childTnLst>
-                                </p:cTn>
-                              </p:par>
-                            </p:childTnLst>
-                          </p:cTn>
-                        </p:par>
-                      </p:childTnLst>
-                    </p:cTn>
-                  </p:par>
-                  <p:par>
-                    <p:cTn id="11" fill="hold">
-                      <p:stCondLst>
-                        <p:cond delay="indefinite"/>
-                      </p:stCondLst>
-                      <p:childTnLst>
-                        <p:par>
-                          <p:cTn id="12" fill="hold">
-                            <p:stCondLst>
-                              <p:cond delay="0"/>
-                            </p:stCondLst>
-                            <p:childTnLst>
-                              <p:par>
-                                <p:cTn id="13" presetID="1" presetClass="entr" presetSubtype="0" fill="hold" grpId="0" nodeType="clickEffect">
-                                  <p:stCondLst>
-                                    <p:cond delay="0"/>
-                                  </p:stCondLst>
-                                  <p:childTnLst>
-                                    <p:set>
-                                      <p:cBhvr>
-                                        <p:cTn id="14" dur="1" fill="hold">
-                                          <p:stCondLst>
-                                            <p:cond delay="0"/>
-                                          </p:stCondLst>
-                                        </p:cTn>
-                                        <p:tgtEl>
-                                          <p:spTgt spid="3">
-                                            <p:txEl>
-                                              <p:pRg st="2" end="2"/>
-                                            </p:txEl>
-                                          </p:spTgt>
-                                        </p:tgtEl>
-                                        <p:attrNameLst>
-                                          <p:attrName>style.visibility</p:attrName>
-                                        </p:attrNameLst>
-                                      </p:cBhvr>
-                                      <p:to>
-                                        <p:strVal val="visible"/>
-                                      </p:to>
-                                    </p:set>
-                                  </p:childTnLst>
-                                </p:cTn>
-                              </p:par>
-                              <p:par>
-                                <p:cTn id="15" presetID="1" presetClass="entr" presetSubtype="0" fill="hold" grpId="0" nodeType="withEffect">
-                                  <p:stCondLst>
-                                    <p:cond delay="0"/>
-                                  </p:stCondLst>
-                                  <p:childTnLst>
-                                    <p:set>
-                                      <p:cBhvr>
-                                        <p:cTn id="16" dur="1" fill="hold">
-                                          <p:stCondLst>
-                                            <p:cond delay="0"/>
-                                          </p:stCondLst>
-                                        </p:cTn>
-                                        <p:tgtEl>
-                                          <p:spTgt spid="3">
-                                            <p:txEl>
-                                              <p:pRg st="3" end="3"/>
-                                            </p:txEl>
-                                          </p:spTgt>
-                                        </p:tgtEl>
-                                        <p:attrNameLst>
-                                          <p:attrName>style.visibility</p:attrName>
-                                        </p:attrNameLst>
-                                      </p:cBhvr>
-                                      <p:to>
-                                        <p:strVal val="visible"/>
-                                      </p:to>
-                                    </p:set>
-                                  </p:childTnLst>
-                                </p:cTn>
-                              </p:par>
-                              <p:par>
-                                <p:cTn id="17" presetID="1" presetClass="entr" presetSubtype="0" fill="hold" grpId="0" nodeType="withEffect">
-                                  <p:stCondLst>
-                                    <p:cond delay="0"/>
-                                  </p:stCondLst>
-                                  <p:childTnLst>
-                                    <p:set>
-                                      <p:cBhvr>
-                                        <p:cTn id="18" dur="1" fill="hold">
-                                          <p:stCondLst>
-                                            <p:cond delay="0"/>
-                                          </p:stCondLst>
-                                        </p:cTn>
-                                        <p:tgtEl>
-                                          <p:spTgt spid="3">
-                                            <p:txEl>
-                                              <p:pRg st="4" end="4"/>
-                                            </p:txEl>
-                                          </p:spTgt>
-                                        </p:tgtEl>
-                                        <p:attrNameLst>
-                                          <p:attrName>style.visibility</p:attrName>
-                                        </p:attrNameLst>
-                                      </p:cBhvr>
-                                      <p:to>
-                                        <p:strVal val="visible"/>
-                                      </p:to>
-                                    </p:set>
-                                  </p:childTnLst>
-                                </p:cTn>
-                              </p:par>
-                              <p:par>
-                                <p:cTn id="19" presetID="1" presetClass="entr" presetSubtype="0" fill="hold" grpId="0" nodeType="withEffect">
-                                  <p:stCondLst>
-                                    <p:cond delay="0"/>
-                                  </p:stCondLst>
-                                  <p:childTnLst>
-                                    <p:set>
-                                      <p:cBhvr>
-                                        <p:cTn id="20" dur="1" fill="hold">
-                                          <p:stCondLst>
-                                            <p:cond delay="0"/>
-                                          </p:stCondLst>
-                                        </p:cTn>
-                                        <p:tgtEl>
-                                          <p:spTgt spid="3">
-                                            <p:txEl>
-                                              <p:pRg st="5" end="5"/>
-                                            </p:txEl>
-                                          </p:spTgt>
-                                        </p:tgtEl>
-                                        <p:attrNameLst>
-                                          <p:attrName>style.visibility</p:attrName>
-                                        </p:attrNameLst>
-                                      </p:cBhvr>
-                                      <p:to>
-                                        <p:strVal val="visible"/>
-                                      </p:to>
-                                    </p:set>
-                                  </p:childTnLst>
-                                </p:cTn>
-                              </p:par>
-                            </p:childTnLst>
-                          </p:cTn>
-                        </p:par>
-                      </p:childTnLst>
-                    </p:cTn>
-                  </p:par>
-                </p:childTnLst>
-              </p:cTn>
-              <p:prevCondLst>
-                <p:cond evt="onPrev" delay="0">
-                  <p:tgtEl>
-                    <p:sldTgt/>
-                  </p:tgtEl>
-                </p:cond>
-              </p:prevCondLst>
-              <p:nextCondLst>
-                <p:cond evt="onNext" delay="0">
-                  <p:tgtEl>
-                    <p:sldTgt/>
-                  </p:tgtEl>
-                </p:cond>
-              </p:nextCondLst>
-            </p:seq>
-          </p:childTnLst>
-        </p:cTn>
+        <p:cTn id="1" dur="indefinite" restart="never" nodeType="tmRoot"/>
       </p:par>
     </p:tnLst>
-    <p:bldLst>
-      <p:bldP spid="3" grpId="0" build="p"/>
-    </p:bldLst>
   </p:timing>
 </p:sld>
 </file>
@@ -8102,8 +10684,27 @@
           <a:p>
             <a:r>
               <a:rPr lang="en-US" dirty="0" smtClean="0"/>
-              <a:t>Direction determined by surrounding </a:t>
-            </a:r>
+              <a:t>Direction determined by </a:t>
+            </a:r>
+            <a:r>
+              <a:rPr lang="en-US" dirty="0" smtClean="0"/>
+              <a:t>surrounding</a:t>
+            </a:r>
+          </a:p>
+          <a:p>
+            <a:r>
+              <a:rPr lang="en-US" dirty="0"/>
+              <a:t>Special rules when mixed with strong </a:t>
+            </a:r>
+            <a:r>
+              <a:rPr lang="en-US" dirty="0" smtClean="0"/>
+              <a:t>characters</a:t>
+            </a:r>
+            <a:r>
+              <a:rPr lang="en-US" dirty="0" smtClean="0"/>
+              <a:t> </a:t>
+            </a:r>
+            <a:endParaRPr lang="en-US" dirty="0" smtClean="0"/>
           </a:p>
           <a:p>
             <a:r>
@@ -8134,164 +10735,9 @@
   <p:timing>
     <p:tnLst>
       <p:par>
-        <p:cTn id="1" dur="indefinite" restart="never" nodeType="tmRoot">
-          <p:childTnLst>
-            <p:seq concurrent="1" nextAc="seek">
-              <p:cTn id="2" dur="indefinite" nodeType="mainSeq">
-                <p:childTnLst>
-                  <p:par>
-                    <p:cTn id="3" fill="hold">
-                      <p:stCondLst>
-                        <p:cond delay="indefinite"/>
-                      </p:stCondLst>
-                      <p:childTnLst>
-                        <p:par>
-                          <p:cTn id="4" fill="hold">
-                            <p:stCondLst>
-                              <p:cond delay="0"/>
-                            </p:stCondLst>
-                            <p:childTnLst>
-                              <p:par>
-                                <p:cTn id="5" presetID="1" presetClass="entr" presetSubtype="0" fill="hold" grpId="0" nodeType="clickEffect">
-                                  <p:stCondLst>
-                                    <p:cond delay="0"/>
-                                  </p:stCondLst>
-                                  <p:childTnLst>
-                                    <p:set>
-                                      <p:cBhvr>
-                                        <p:cTn id="6" dur="1" fill="hold">
-                                          <p:stCondLst>
-                                            <p:cond delay="0"/>
-                                          </p:stCondLst>
-                                        </p:cTn>
-                                        <p:tgtEl>
-                                          <p:spTgt spid="3">
-                                            <p:txEl>
-                                              <p:pRg st="0" end="0"/>
-                                            </p:txEl>
-                                          </p:spTgt>
-                                        </p:tgtEl>
-                                        <p:attrNameLst>
-                                          <p:attrName>style.visibility</p:attrName>
-                                        </p:attrNameLst>
-                                      </p:cBhvr>
-                                      <p:to>
-                                        <p:strVal val="visible"/>
-                                      </p:to>
-                                    </p:set>
-                                  </p:childTnLst>
-                                </p:cTn>
-                              </p:par>
-                            </p:childTnLst>
-                          </p:cTn>
-                        </p:par>
-                      </p:childTnLst>
-                    </p:cTn>
-                  </p:par>
-                  <p:par>
-                    <p:cTn id="7" fill="hold">
-                      <p:stCondLst>
-                        <p:cond delay="indefinite"/>
-                      </p:stCondLst>
-                      <p:childTnLst>
-                        <p:par>
-                          <p:cTn id="8" fill="hold">
-                            <p:stCondLst>
-                              <p:cond delay="0"/>
-                            </p:stCondLst>
-                            <p:childTnLst>
-                              <p:par>
-                                <p:cTn id="9" presetID="1" presetClass="entr" presetSubtype="0" fill="hold" grpId="0" nodeType="clickEffect">
-                                  <p:stCondLst>
-                                    <p:cond delay="0"/>
-                                  </p:stCondLst>
-                                  <p:childTnLst>
-                                    <p:set>
-                                      <p:cBhvr>
-                                        <p:cTn id="10" dur="1" fill="hold">
-                                          <p:stCondLst>
-                                            <p:cond delay="0"/>
-                                          </p:stCondLst>
-                                        </p:cTn>
-                                        <p:tgtEl>
-                                          <p:spTgt spid="3">
-                                            <p:txEl>
-                                              <p:pRg st="1" end="1"/>
-                                            </p:txEl>
-                                          </p:spTgt>
-                                        </p:tgtEl>
-                                        <p:attrNameLst>
-                                          <p:attrName>style.visibility</p:attrName>
-                                        </p:attrNameLst>
-                                      </p:cBhvr>
-                                      <p:to>
-                                        <p:strVal val="visible"/>
-                                      </p:to>
-                                    </p:set>
-                                  </p:childTnLst>
-                                </p:cTn>
-                              </p:par>
-                              <p:par>
-                                <p:cTn id="11" presetID="1" presetClass="entr" presetSubtype="0" fill="hold" grpId="0" nodeType="withEffect">
-                                  <p:stCondLst>
-                                    <p:cond delay="0"/>
-                                  </p:stCondLst>
-                                  <p:childTnLst>
-                                    <p:set>
-                                      <p:cBhvr>
-                                        <p:cTn id="12" dur="1" fill="hold">
-                                          <p:stCondLst>
-                                            <p:cond delay="0"/>
-                                          </p:stCondLst>
-                                        </p:cTn>
-                                        <p:tgtEl>
-                                          <p:spTgt spid="3">
-                                            <p:txEl>
-                                              <p:pRg st="2" end="2"/>
-                                            </p:txEl>
-                                          </p:spTgt>
-                                        </p:tgtEl>
-                                        <p:attrNameLst>
-                                          <p:attrName>style.visibility</p:attrName>
-                                        </p:attrNameLst>
-                                      </p:cBhvr>
-                                      <p:to>
-                                        <p:strVal val="visible"/>
-                                      </p:to>
-                                    </p:set>
-                                  </p:childTnLst>
-                                </p:cTn>
-                              </p:par>
-                            </p:childTnLst>
-                          </p:cTn>
-                        </p:par>
-                      </p:childTnLst>
-                    </p:cTn>
-                  </p:par>
-                </p:childTnLst>
-              </p:cTn>
-              <p:prevCondLst>
-                <p:cond evt="onPrev" delay="0">
-                  <p:tgtEl>
-                    <p:sldTgt/>
-                  </p:tgtEl>
-                </p:cond>
-              </p:prevCondLst>
-              <p:nextCondLst>
-                <p:cond evt="onNext" delay="0">
-                  <p:tgtEl>
-                    <p:sldTgt/>
-                  </p:tgtEl>
-                </p:cond>
-              </p:nextCondLst>
-            </p:seq>
-          </p:childTnLst>
-        </p:cTn>
+        <p:cTn id="1" dur="indefinite" restart="never" nodeType="tmRoot"/>
       </p:par>
     </p:tnLst>
-    <p:bldLst>
-      <p:bldP spid="3" grpId="0" build="p"/>
-    </p:bldLst>
   </p:timing>
 </p:sld>
 </file>
@@ -8398,280 +10844,9 @@
   <p:timing>
     <p:tnLst>
       <p:par>
-        <p:cTn id="1" dur="indefinite" restart="never" nodeType="tmRoot">
-          <p:childTnLst>
-            <p:seq concurrent="1" nextAc="seek">
-              <p:cTn id="2" dur="indefinite" nodeType="mainSeq">
-                <p:childTnLst>
-                  <p:par>
-                    <p:cTn id="3" fill="hold">
-                      <p:stCondLst>
-                        <p:cond delay="indefinite"/>
-                      </p:stCondLst>
-                      <p:childTnLst>
-                        <p:par>
-                          <p:cTn id="4" fill="hold">
-                            <p:stCondLst>
-                              <p:cond delay="0"/>
-                            </p:stCondLst>
-                            <p:childTnLst>
-                              <p:par>
-                                <p:cTn id="5" presetID="1" presetClass="entr" presetSubtype="0" fill="hold" grpId="0" nodeType="clickEffect">
-                                  <p:stCondLst>
-                                    <p:cond delay="0"/>
-                                  </p:stCondLst>
-                                  <p:childTnLst>
-                                    <p:set>
-                                      <p:cBhvr>
-                                        <p:cTn id="6" dur="1" fill="hold">
-                                          <p:stCondLst>
-                                            <p:cond delay="0"/>
-                                          </p:stCondLst>
-                                        </p:cTn>
-                                        <p:tgtEl>
-                                          <p:spTgt spid="3">
-                                            <p:txEl>
-                                              <p:pRg st="0" end="0"/>
-                                            </p:txEl>
-                                          </p:spTgt>
-                                        </p:tgtEl>
-                                        <p:attrNameLst>
-                                          <p:attrName>style.visibility</p:attrName>
-                                        </p:attrNameLst>
-                                      </p:cBhvr>
-                                      <p:to>
-                                        <p:strVal val="visible"/>
-                                      </p:to>
-                                    </p:set>
-                                  </p:childTnLst>
-                                </p:cTn>
-                              </p:par>
-                            </p:childTnLst>
-                          </p:cTn>
-                        </p:par>
-                      </p:childTnLst>
-                    </p:cTn>
-                  </p:par>
-                  <p:par>
-                    <p:cTn id="7" fill="hold">
-                      <p:stCondLst>
-                        <p:cond delay="indefinite"/>
-                      </p:stCondLst>
-                      <p:childTnLst>
-                        <p:par>
-                          <p:cTn id="8" fill="hold">
-                            <p:stCondLst>
-                              <p:cond delay="0"/>
-                            </p:stCondLst>
-                            <p:childTnLst>
-                              <p:par>
-                                <p:cTn id="9" presetID="1" presetClass="entr" presetSubtype="0" fill="hold" grpId="0" nodeType="clickEffect">
-                                  <p:stCondLst>
-                                    <p:cond delay="0"/>
-                                  </p:stCondLst>
-                                  <p:childTnLst>
-                                    <p:set>
-                                      <p:cBhvr>
-                                        <p:cTn id="10" dur="1" fill="hold">
-                                          <p:stCondLst>
-                                            <p:cond delay="0"/>
-                                          </p:stCondLst>
-                                        </p:cTn>
-                                        <p:tgtEl>
-                                          <p:spTgt spid="3">
-                                            <p:txEl>
-                                              <p:pRg st="1" end="1"/>
-                                            </p:txEl>
-                                          </p:spTgt>
-                                        </p:tgtEl>
-                                        <p:attrNameLst>
-                                          <p:attrName>style.visibility</p:attrName>
-                                        </p:attrNameLst>
-                                      </p:cBhvr>
-                                      <p:to>
-                                        <p:strVal val="visible"/>
-                                      </p:to>
-                                    </p:set>
-                                  </p:childTnLst>
-                                </p:cTn>
-                              </p:par>
-                            </p:childTnLst>
-                          </p:cTn>
-                        </p:par>
-                      </p:childTnLst>
-                    </p:cTn>
-                  </p:par>
-                  <p:par>
-                    <p:cTn id="11" fill="hold">
-                      <p:stCondLst>
-                        <p:cond delay="indefinite"/>
-                      </p:stCondLst>
-                      <p:childTnLst>
-                        <p:par>
-                          <p:cTn id="12" fill="hold">
-                            <p:stCondLst>
-                              <p:cond delay="0"/>
-                            </p:stCondLst>
-                            <p:childTnLst>
-                              <p:par>
-                                <p:cTn id="13" presetID="1" presetClass="entr" presetSubtype="0" fill="hold" grpId="0" nodeType="clickEffect">
-                                  <p:stCondLst>
-                                    <p:cond delay="0"/>
-                                  </p:stCondLst>
-                                  <p:childTnLst>
-                                    <p:set>
-                                      <p:cBhvr>
-                                        <p:cTn id="14" dur="1" fill="hold">
-                                          <p:stCondLst>
-                                            <p:cond delay="0"/>
-                                          </p:stCondLst>
-                                        </p:cTn>
-                                        <p:tgtEl>
-                                          <p:spTgt spid="3">
-                                            <p:txEl>
-                                              <p:pRg st="2" end="2"/>
-                                            </p:txEl>
-                                          </p:spTgt>
-                                        </p:tgtEl>
-                                        <p:attrNameLst>
-                                          <p:attrName>style.visibility</p:attrName>
-                                        </p:attrNameLst>
-                                      </p:cBhvr>
-                                      <p:to>
-                                        <p:strVal val="visible"/>
-                                      </p:to>
-                                    </p:set>
-                                  </p:childTnLst>
-                                </p:cTn>
-                              </p:par>
-                            </p:childTnLst>
-                          </p:cTn>
-                        </p:par>
-                      </p:childTnLst>
-                    </p:cTn>
-                  </p:par>
-                  <p:par>
-                    <p:cTn id="15" fill="hold">
-                      <p:stCondLst>
-                        <p:cond delay="indefinite"/>
-                      </p:stCondLst>
-                      <p:childTnLst>
-                        <p:par>
-                          <p:cTn id="16" fill="hold">
-                            <p:stCondLst>
-                              <p:cond delay="0"/>
-                            </p:stCondLst>
-                            <p:childTnLst>
-                              <p:par>
-                                <p:cTn id="17" presetID="1" presetClass="entr" presetSubtype="0" fill="hold" grpId="0" nodeType="clickEffect">
-                                  <p:stCondLst>
-                                    <p:cond delay="0"/>
-                                  </p:stCondLst>
-                                  <p:childTnLst>
-                                    <p:set>
-                                      <p:cBhvr>
-                                        <p:cTn id="18" dur="1" fill="hold">
-                                          <p:stCondLst>
-                                            <p:cond delay="0"/>
-                                          </p:stCondLst>
-                                        </p:cTn>
-                                        <p:tgtEl>
-                                          <p:spTgt spid="3">
-                                            <p:txEl>
-                                              <p:pRg st="3" end="3"/>
-                                            </p:txEl>
-                                          </p:spTgt>
-                                        </p:tgtEl>
-                                        <p:attrNameLst>
-                                          <p:attrName>style.visibility</p:attrName>
-                                        </p:attrNameLst>
-                                      </p:cBhvr>
-                                      <p:to>
-                                        <p:strVal val="visible"/>
-                                      </p:to>
-                                    </p:set>
-                                  </p:childTnLst>
-                                </p:cTn>
-                              </p:par>
-                            </p:childTnLst>
-                          </p:cTn>
-                        </p:par>
-                      </p:childTnLst>
-                    </p:cTn>
-                  </p:par>
-                  <p:par>
-                    <p:cTn id="19" fill="hold">
-                      <p:stCondLst>
-                        <p:cond delay="indefinite"/>
-                      </p:stCondLst>
-                      <p:childTnLst>
-                        <p:par>
-                          <p:cTn id="20" fill="hold">
-                            <p:stCondLst>
-                              <p:cond delay="0"/>
-                            </p:stCondLst>
-                            <p:childTnLst>
-                              <p:par>
-                                <p:cTn id="21" presetID="1" presetClass="entr" presetSubtype="0" fill="hold" grpId="0" nodeType="clickEffect">
-                                  <p:stCondLst>
-                                    <p:cond delay="0"/>
-                                  </p:stCondLst>
-                                  <p:childTnLst>
-                                    <p:set>
-                                      <p:cBhvr>
-                                        <p:cTn id="22" dur="1" fill="hold">
-                                          <p:stCondLst>
-                                            <p:cond delay="0"/>
-                                          </p:stCondLst>
-                                        </p:cTn>
-                                        <p:tgtEl>
-                                          <p:spTgt spid="3">
-                                            <p:txEl>
-                                              <p:pRg st="4" end="4"/>
-                                            </p:txEl>
-                                          </p:spTgt>
-                                        </p:tgtEl>
-                                        <p:attrNameLst>
-                                          <p:attrName>style.visibility</p:attrName>
-                                        </p:attrNameLst>
-                                      </p:cBhvr>
-                                      <p:to>
-                                        <p:strVal val="visible"/>
-                                      </p:to>
-                                    </p:set>
-                                  </p:childTnLst>
-                                </p:cTn>
-                              </p:par>
-                            </p:childTnLst>
-                          </p:cTn>
-                        </p:par>
-                      </p:childTnLst>
-                    </p:cTn>
-                  </p:par>
-                </p:childTnLst>
-              </p:cTn>
-              <p:prevCondLst>
-                <p:cond evt="onPrev" delay="0">
-                  <p:tgtEl>
-                    <p:sldTgt/>
-                  </p:tgtEl>
-                </p:cond>
-              </p:prevCondLst>
-              <p:nextCondLst>
-                <p:cond evt="onNext" delay="0">
-                  <p:tgtEl>
-                    <p:sldTgt/>
-                  </p:tgtEl>
-                </p:cond>
-              </p:nextCondLst>
-            </p:seq>
-          </p:childTnLst>
-        </p:cTn>
+        <p:cTn id="1" dur="indefinite" restart="never" nodeType="tmRoot"/>
       </p:par>
     </p:tnLst>
-    <p:bldLst>
-      <p:bldP spid="3" grpId="0" uiExpand="1" build="p"/>
-    </p:bldLst>
   </p:timing>
 </p:sld>
 </file>
@@ -8746,14 +10921,11 @@
             <a:pPr lvl="1"/>
             <a:r>
               <a:rPr lang="en-US" dirty="0" smtClean="0"/>
-              <a:t>Marks – Used to change grouping of adjacent characters</a:t>
-            </a:r>
-          </a:p>
-          <a:p>
-            <a:pPr lvl="1"/>
-            <a:r>
-              <a:rPr lang="en-US" dirty="0" smtClean="0"/>
-              <a:t>Embedding – Classic method of explicit formatting. </a:t>
+              <a:t>Embedding </a:t>
+            </a:r>
+            <a:r>
+              <a:rPr lang="en-US" dirty="0" smtClean="0"/>
+              <a:t>– Classic method of explicit formatting. </a:t>
             </a:r>
             <a:r>
               <a:rPr lang="en-US" dirty="0" smtClean="0">
@@ -8789,7 +10961,6 @@
               <a:rPr lang="en-US" dirty="0" smtClean="0"/>
               <a:t>RIGHT-TO-LEFT EMBEDDING</a:t>
             </a:r>
-            <a:endParaRPr lang="en-US" dirty="0" smtClean="0"/>
           </a:p>
           <a:p>
             <a:pPr lvl="2"/>
@@ -8810,167 +10981,9 @@
   <p:timing>
     <p:tnLst>
       <p:par>
-        <p:cTn id="1" dur="indefinite" restart="never" nodeType="tmRoot">
-          <p:childTnLst>
-            <p:seq concurrent="1" nextAc="seek">
-              <p:cTn id="2" dur="indefinite" nodeType="mainSeq">
-                <p:childTnLst>
-                  <p:par>
-                    <p:cTn id="3" fill="hold">
-                      <p:stCondLst>
-                        <p:cond delay="indefinite"/>
-                        <p:cond evt="onBegin" delay="0">
-                          <p:tn val="2"/>
-                        </p:cond>
-                      </p:stCondLst>
-                      <p:childTnLst>
-                        <p:par>
-                          <p:cTn id="4" fill="hold">
-                            <p:stCondLst>
-                              <p:cond delay="0"/>
-                            </p:stCondLst>
-                            <p:childTnLst>
-                              <p:par>
-                                <p:cTn id="5" presetID="1" presetClass="entr" presetSubtype="0" fill="hold" grpId="0" nodeType="withEffect">
-                                  <p:stCondLst>
-                                    <p:cond delay="0"/>
-                                  </p:stCondLst>
-                                  <p:childTnLst>
-                                    <p:set>
-                                      <p:cBhvr>
-                                        <p:cTn id="6" dur="1" fill="hold">
-                                          <p:stCondLst>
-                                            <p:cond delay="0"/>
-                                          </p:stCondLst>
-                                        </p:cTn>
-                                        <p:tgtEl>
-                                          <p:spTgt spid="3">
-                                            <p:txEl>
-                                              <p:pRg st="3" end="3"/>
-                                            </p:txEl>
-                                          </p:spTgt>
-                                        </p:tgtEl>
-                                        <p:attrNameLst>
-                                          <p:attrName>style.visibility</p:attrName>
-                                        </p:attrNameLst>
-                                      </p:cBhvr>
-                                      <p:to>
-                                        <p:strVal val="visible"/>
-                                      </p:to>
-                                    </p:set>
-                                  </p:childTnLst>
-                                </p:cTn>
-                              </p:par>
-                            </p:childTnLst>
-                          </p:cTn>
-                        </p:par>
-                      </p:childTnLst>
-                    </p:cTn>
-                  </p:par>
-                  <p:par>
-                    <p:cTn id="7" fill="hold">
-                      <p:stCondLst>
-                        <p:cond delay="indefinite"/>
-                      </p:stCondLst>
-                      <p:childTnLst>
-                        <p:par>
-                          <p:cTn id="8" fill="hold">
-                            <p:stCondLst>
-                              <p:cond delay="0"/>
-                            </p:stCondLst>
-                            <p:childTnLst>
-                              <p:par>
-                                <p:cTn id="9" presetID="1" presetClass="entr" presetSubtype="0" fill="hold" grpId="0" nodeType="clickEffect">
-                                  <p:stCondLst>
-                                    <p:cond delay="0"/>
-                                  </p:stCondLst>
-                                  <p:childTnLst>
-                                    <p:set>
-                                      <p:cBhvr>
-                                        <p:cTn id="10" dur="1" fill="hold">
-                                          <p:stCondLst>
-                                            <p:cond delay="0"/>
-                                          </p:stCondLst>
-                                        </p:cTn>
-                                        <p:tgtEl>
-                                          <p:spTgt spid="3">
-                                            <p:txEl>
-                                              <p:pRg st="4" end="4"/>
-                                            </p:txEl>
-                                          </p:spTgt>
-                                        </p:tgtEl>
-                                        <p:attrNameLst>
-                                          <p:attrName>style.visibility</p:attrName>
-                                        </p:attrNameLst>
-                                      </p:cBhvr>
-                                      <p:to>
-                                        <p:strVal val="visible"/>
-                                      </p:to>
-                                    </p:set>
-                                  </p:childTnLst>
-                                </p:cTn>
-                              </p:par>
-                              <p:par>
-                                <p:cTn id="11" presetID="1" presetClass="entr" presetSubtype="0" fill="hold" grpId="0" nodeType="withEffect">
-                                  <p:stCondLst>
-                                    <p:cond delay="0"/>
-                                  </p:stCondLst>
-                                  <p:childTnLst>
-                                    <p:set>
-                                      <p:cBhvr>
-                                        <p:cTn id="12" dur="1" fill="hold">
-                                          <p:stCondLst>
-                                            <p:cond delay="0"/>
-                                          </p:stCondLst>
-                                        </p:cTn>
-                                        <p:tgtEl>
-                                          <p:spTgt spid="3">
-                                            <p:txEl>
-                                              <p:pRg st="5" end="5"/>
-                                            </p:txEl>
-                                          </p:spTgt>
-                                        </p:tgtEl>
-                                        <p:attrNameLst>
-                                          <p:attrName>style.visibility</p:attrName>
-                                        </p:attrNameLst>
-                                      </p:cBhvr>
-                                      <p:to>
-                                        <p:strVal val="visible"/>
-                                      </p:to>
-                                    </p:set>
-                                  </p:childTnLst>
-                                </p:cTn>
-                              </p:par>
-                            </p:childTnLst>
-                          </p:cTn>
-                        </p:par>
-                      </p:childTnLst>
-                    </p:cTn>
-                  </p:par>
-                </p:childTnLst>
-              </p:cTn>
-              <p:prevCondLst>
-                <p:cond evt="onPrev" delay="0">
-                  <p:tgtEl>
-                    <p:sldTgt/>
-                  </p:tgtEl>
-                </p:cond>
-              </p:prevCondLst>
-              <p:nextCondLst>
-                <p:cond evt="onNext" delay="0">
-                  <p:tgtEl>
-                    <p:sldTgt/>
-                  </p:tgtEl>
-                </p:cond>
-              </p:nextCondLst>
-            </p:seq>
-          </p:childTnLst>
-        </p:cTn>
+        <p:cTn id="1" dur="indefinite" restart="never" nodeType="tmRoot"/>
       </p:par>
     </p:tnLst>
-    <p:bldLst>
-      <p:bldP spid="3" grpId="0" uiExpand="1" build="p"/>
-    </p:bldLst>
   </p:timing>
 </p:sld>
 </file>
@@ -9234,4 +11247,265 @@
     </a:ext>
   </a:extLst>
 </a:theme>
+</file>
+
+<file path=ppt/theme/theme2.xml><?xml version="1.0" encoding="utf-8"?>
+<a:theme xmlns:a="http://schemas.openxmlformats.org/drawingml/2006/main" name="Office Theme">
+  <a:themeElements>
+    <a:clrScheme name="Office">
+      <a:dk1>
+        <a:sysClr val="windowText" lastClr="000000"/>
+      </a:dk1>
+      <a:lt1>
+        <a:sysClr val="window" lastClr="FFFFFF"/>
+      </a:lt1>
+      <a:dk2>
+        <a:srgbClr val="44546A"/>
+      </a:dk2>
+      <a:lt2>
+        <a:srgbClr val="E7E6E6"/>
+      </a:lt2>
+      <a:accent1>
+        <a:srgbClr val="5B9BD5"/>
+      </a:accent1>
+      <a:accent2>
+        <a:srgbClr val="ED7D31"/>
+      </a:accent2>
+      <a:accent3>
+        <a:srgbClr val="A5A5A5"/>
+      </a:accent3>
+      <a:accent4>
+        <a:srgbClr val="FFC000"/>
+      </a:accent4>
+      <a:accent5>
+        <a:srgbClr val="4472C4"/>
+      </a:accent5>
+      <a:accent6>
+        <a:srgbClr val="70AD47"/>
+      </a:accent6>
+      <a:hlink>
+        <a:srgbClr val="0563C1"/>
+      </a:hlink>
+      <a:folHlink>
+        <a:srgbClr val="954F72"/>
+      </a:folHlink>
+    </a:clrScheme>
+    <a:fontScheme name="Office">
+      <a:majorFont>
+        <a:latin typeface="Calibri Light" panose="020F0302020204030204"/>
+        <a:ea typeface=""/>
+        <a:cs typeface=""/>
+        <a:font script="Jpan" typeface="ＭＳ Ｐゴシック"/>
+        <a:font script="Hang" typeface="맑은 고딕"/>
+        <a:font script="Hans" typeface="宋体"/>
+        <a:font script="Hant" typeface="新細明體"/>
+        <a:font script="Arab" typeface="Times New Roman"/>
+        <a:font script="Hebr" typeface="Times New Roman"/>
+        <a:font script="Thai" typeface="Angsana New"/>
+        <a:font script="Ethi" typeface="Nyala"/>
+        <a:font script="Beng" typeface="Vrinda"/>
+        <a:font script="Gujr" typeface="Shruti"/>
+        <a:font script="Khmr" typeface="MoolBoran"/>
+        <a:font script="Knda" typeface="Tunga"/>
+        <a:font script="Guru" typeface="Raavi"/>
+        <a:font script="Cans" typeface="Euphemia"/>
+        <a:font script="Cher" typeface="Plantagenet Cherokee"/>
+        <a:font script="Yiii" typeface="Microsoft Yi Baiti"/>
+        <a:font script="Tibt" typeface="Microsoft Himalaya"/>
+        <a:font script="Thaa" typeface="MV Boli"/>
+        <a:font script="Deva" typeface="Mangal"/>
+        <a:font script="Telu" typeface="Gautami"/>
+        <a:font script="Taml" typeface="Latha"/>
+        <a:font script="Syrc" typeface="Estrangelo Edessa"/>
+        <a:font script="Orya" typeface="Kalinga"/>
+        <a:font script="Mlym" typeface="Kartika"/>
+        <a:font script="Laoo" typeface="DokChampa"/>
+        <a:font script="Sinh" typeface="Iskoola Pota"/>
+        <a:font script="Mong" typeface="Mongolian Baiti"/>
+        <a:font script="Viet" typeface="Times New Roman"/>
+        <a:font script="Uigh" typeface="Microsoft Uighur"/>
+        <a:font script="Geor" typeface="Sylfaen"/>
+      </a:majorFont>
+      <a:minorFont>
+        <a:latin typeface="Calibri" panose="020F0502020204030204"/>
+        <a:ea typeface=""/>
+        <a:cs typeface=""/>
+        <a:font script="Jpan" typeface="ＭＳ Ｐゴシック"/>
+        <a:font script="Hang" typeface="맑은 고딕"/>
+        <a:font script="Hans" typeface="宋体"/>
+        <a:font script="Hant" typeface="新細明體"/>
+        <a:font script="Arab" typeface="Arial"/>
+        <a:font script="Hebr" typeface="Arial"/>
+        <a:font script="Thai" typeface="Cordia New"/>
+        <a:font script="Ethi" typeface="Nyala"/>
+        <a:font script="Beng" typeface="Vrinda"/>
+        <a:font script="Gujr" typeface="Shruti"/>
+        <a:font script="Khmr" typeface="DaunPenh"/>
+        <a:font script="Knda" typeface="Tunga"/>
+        <a:font script="Guru" typeface="Raavi"/>
+        <a:font script="Cans" typeface="Euphemia"/>
+        <a:font script="Cher" typeface="Plantagenet Cherokee"/>
+        <a:font script="Yiii" typeface="Microsoft Yi Baiti"/>
+        <a:font script="Tibt" typeface="Microsoft Himalaya"/>
+        <a:font script="Thaa" typeface="MV Boli"/>
+        <a:font script="Deva" typeface="Mangal"/>
+        <a:font script="Telu" typeface="Gautami"/>
+        <a:font script="Taml" typeface="Latha"/>
+        <a:font script="Syrc" typeface="Estrangelo Edessa"/>
+        <a:font script="Orya" typeface="Kalinga"/>
+        <a:font script="Mlym" typeface="Kartika"/>
+        <a:font script="Laoo" typeface="DokChampa"/>
+        <a:font script="Sinh" typeface="Iskoola Pota"/>
+        <a:font script="Mong" typeface="Mongolian Baiti"/>
+        <a:font script="Viet" typeface="Arial"/>
+        <a:font script="Uigh" typeface="Microsoft Uighur"/>
+        <a:font script="Geor" typeface="Sylfaen"/>
+      </a:minorFont>
+    </a:fontScheme>
+    <a:fmtScheme name="Office">
+      <a:fillStyleLst>
+        <a:solidFill>
+          <a:schemeClr val="phClr"/>
+        </a:solidFill>
+        <a:gradFill rotWithShape="1">
+          <a:gsLst>
+            <a:gs pos="0">
+              <a:schemeClr val="phClr">
+                <a:lumMod val="110000"/>
+                <a:satMod val="105000"/>
+                <a:tint val="67000"/>
+              </a:schemeClr>
+            </a:gs>
+            <a:gs pos="50000">
+              <a:schemeClr val="phClr">
+                <a:lumMod val="105000"/>
+                <a:satMod val="103000"/>
+                <a:tint val="73000"/>
+              </a:schemeClr>
+            </a:gs>
+            <a:gs pos="100000">
+              <a:schemeClr val="phClr">
+                <a:lumMod val="105000"/>
+                <a:satMod val="109000"/>
+                <a:tint val="81000"/>
+              </a:schemeClr>
+            </a:gs>
+          </a:gsLst>
+          <a:lin ang="5400000" scaled="0"/>
+        </a:gradFill>
+        <a:gradFill rotWithShape="1">
+          <a:gsLst>
+            <a:gs pos="0">
+              <a:schemeClr val="phClr">
+                <a:satMod val="103000"/>
+                <a:lumMod val="102000"/>
+                <a:tint val="94000"/>
+              </a:schemeClr>
+            </a:gs>
+            <a:gs pos="50000">
+              <a:schemeClr val="phClr">
+                <a:satMod val="110000"/>
+                <a:lumMod val="100000"/>
+                <a:shade val="100000"/>
+              </a:schemeClr>
+            </a:gs>
+            <a:gs pos="100000">
+              <a:schemeClr val="phClr">
+                <a:lumMod val="99000"/>
+                <a:satMod val="120000"/>
+                <a:shade val="78000"/>
+              </a:schemeClr>
+            </a:gs>
+          </a:gsLst>
+          <a:lin ang="5400000" scaled="0"/>
+        </a:gradFill>
+      </a:fillStyleLst>
+      <a:lnStyleLst>
+        <a:ln w="6350" cap="flat" cmpd="sng" algn="ctr">
+          <a:solidFill>
+            <a:schemeClr val="phClr"/>
+          </a:solidFill>
+          <a:prstDash val="solid"/>
+          <a:miter lim="800000"/>
+        </a:ln>
+        <a:ln w="12700" cap="flat" cmpd="sng" algn="ctr">
+          <a:solidFill>
+            <a:schemeClr val="phClr"/>
+          </a:solidFill>
+          <a:prstDash val="solid"/>
+          <a:miter lim="800000"/>
+        </a:ln>
+        <a:ln w="19050" cap="flat" cmpd="sng" algn="ctr">
+          <a:solidFill>
+            <a:schemeClr val="phClr"/>
+          </a:solidFill>
+          <a:prstDash val="solid"/>
+          <a:miter lim="800000"/>
+        </a:ln>
+      </a:lnStyleLst>
+      <a:effectStyleLst>
+        <a:effectStyle>
+          <a:effectLst/>
+        </a:effectStyle>
+        <a:effectStyle>
+          <a:effectLst/>
+        </a:effectStyle>
+        <a:effectStyle>
+          <a:effectLst>
+            <a:outerShdw blurRad="57150" dist="19050" dir="5400000" algn="ctr" rotWithShape="0">
+              <a:srgbClr val="000000">
+                <a:alpha val="63000"/>
+              </a:srgbClr>
+            </a:outerShdw>
+          </a:effectLst>
+        </a:effectStyle>
+      </a:effectStyleLst>
+      <a:bgFillStyleLst>
+        <a:solidFill>
+          <a:schemeClr val="phClr"/>
+        </a:solidFill>
+        <a:solidFill>
+          <a:schemeClr val="phClr">
+            <a:tint val="95000"/>
+            <a:satMod val="170000"/>
+          </a:schemeClr>
+        </a:solidFill>
+        <a:gradFill rotWithShape="1">
+          <a:gsLst>
+            <a:gs pos="0">
+              <a:schemeClr val="phClr">
+                <a:tint val="93000"/>
+                <a:satMod val="150000"/>
+                <a:shade val="98000"/>
+                <a:lumMod val="102000"/>
+              </a:schemeClr>
+            </a:gs>
+            <a:gs pos="50000">
+              <a:schemeClr val="phClr">
+                <a:tint val="98000"/>
+                <a:satMod val="130000"/>
+                <a:shade val="90000"/>
+                <a:lumMod val="103000"/>
+              </a:schemeClr>
+            </a:gs>
+            <a:gs pos="100000">
+              <a:schemeClr val="phClr">
+                <a:shade val="63000"/>
+                <a:satMod val="120000"/>
+              </a:schemeClr>
+            </a:gs>
+          </a:gsLst>
+          <a:lin ang="5400000" scaled="0"/>
+        </a:gradFill>
+      </a:bgFillStyleLst>
+    </a:fmtScheme>
+  </a:themeElements>
+  <a:objectDefaults/>
+  <a:extraClrSchemeLst/>
+  <a:extLst>
+    <a:ext uri="{05A4C25C-085E-4340-85A3-A5531E510DB2}">
+      <thm15:themeFamily xmlns:thm15="http://schemas.microsoft.com/office/thememl/2012/main" name="Office Theme" id="{62F939B6-93AF-4DB8-9C6B-D6C7DFDC589F}" vid="{4A3C46E8-61CC-4603-A589-7422A47A8E4A}"/>
+    </a:ext>
+  </a:extLst>
+</a:theme>
 </file>
--- a/RTL.pptx
+++ b/RTL.pptx
@@ -221,7 +221,7 @@
           <a:p>
             <a:fld id="{9D3A8545-0C7E-49D9-A6ED-B7986246E901}" type="datetimeFigureOut">
               <a:rPr lang="en-US" smtClean="0"/>
-              <a:t>2/27/2018</a:t>
+              <a:t>2/28/2018</a:t>
             </a:fld>
             <a:endParaRPr lang="en-US"/>
           </a:p>
@@ -533,10 +533,6 @@
           <a:bodyPr/>
           <a:lstStyle/>
           <a:p>
-            <a:r>
-              <a:rPr lang="en-US" dirty="0" smtClean="0"/>
-              <a:t>Talk about marks later</a:t>
-            </a:r>
             <a:endParaRPr lang="en-US" dirty="0"/>
           </a:p>
         </p:txBody>
@@ -558,7 +554,7 @@
           <a:p>
             <a:fld id="{5845F458-97E0-4448-9DA7-C7B2C7E1BA9B}" type="slidenum">
               <a:rPr lang="en-US" smtClean="0"/>
-              <a:t>5</a:t>
+              <a:t>1</a:t>
             </a:fld>
             <a:endParaRPr lang="en-US"/>
           </a:p>
@@ -567,7 +563,7 @@
     </p:spTree>
     <p:extLst>
       <p:ext uri="{BB962C8B-B14F-4D97-AF65-F5344CB8AC3E}">
-        <p14:creationId xmlns:p14="http://schemas.microsoft.com/office/powerpoint/2010/main" val="1580686349"/>
+        <p14:creationId xmlns:p14="http://schemas.microsoft.com/office/powerpoint/2010/main" val="3525101317"/>
       </p:ext>
     </p:extLst>
   </p:cSld>
@@ -623,11 +619,11 @@
           <a:p>
             <a:r>
               <a:rPr lang="en-US" dirty="0" smtClean="0"/>
-              <a:t>- is</a:t>
+              <a:t>Between 2 opposite</a:t>
             </a:r>
             <a:r>
               <a:rPr lang="en-US" baseline="0" dirty="0" smtClean="0"/>
-              <a:t> weak so ‘- 5’ is right to left, </a:t>
+              <a:t> directions, uses base direction</a:t>
             </a:r>
             <a:endParaRPr lang="en-US" dirty="0"/>
           </a:p>
@@ -650,7 +646,7 @@
           <a:p>
             <a:fld id="{5845F458-97E0-4448-9DA7-C7B2C7E1BA9B}" type="slidenum">
               <a:rPr lang="en-US" smtClean="0"/>
-              <a:t>22</a:t>
+              <a:t>19</a:t>
             </a:fld>
             <a:endParaRPr lang="en-US"/>
           </a:p>
@@ -659,7 +655,7 @@
     </p:spTree>
     <p:extLst>
       <p:ext uri="{BB962C8B-B14F-4D97-AF65-F5344CB8AC3E}">
-        <p14:creationId xmlns:p14="http://schemas.microsoft.com/office/powerpoint/2010/main" val="1652204170"/>
+        <p14:creationId xmlns:p14="http://schemas.microsoft.com/office/powerpoint/2010/main" val="719540834"/>
       </p:ext>
     </p:extLst>
   </p:cSld>
@@ -715,11 +711,11 @@
           <a:p>
             <a:r>
               <a:rPr lang="en-US" dirty="0" smtClean="0"/>
-              <a:t>Exclamation</a:t>
-            </a:r>
-            <a:r>
-              <a:rPr lang="en-US" baseline="0" dirty="0" smtClean="0"/>
-              <a:t> mark is weak. Base direction right to left</a:t>
+              <a:t>Special rules for weak </a:t>
+            </a:r>
+            <a:r>
+              <a:rPr lang="en-US" dirty="0" smtClean="0"/>
+              <a:t>characters</a:t>
             </a:r>
             <a:endParaRPr lang="en-US" dirty="0"/>
           </a:p>
@@ -742,7 +738,7 @@
           <a:p>
             <a:fld id="{5845F458-97E0-4448-9DA7-C7B2C7E1BA9B}" type="slidenum">
               <a:rPr lang="en-US" smtClean="0"/>
-              <a:t>23</a:t>
+              <a:t>20</a:t>
             </a:fld>
             <a:endParaRPr lang="en-US"/>
           </a:p>
@@ -751,7 +747,7 @@
     </p:spTree>
     <p:extLst>
       <p:ext uri="{BB962C8B-B14F-4D97-AF65-F5344CB8AC3E}">
-        <p14:creationId xmlns:p14="http://schemas.microsoft.com/office/powerpoint/2010/main" val="2435700857"/>
+        <p14:creationId xmlns:p14="http://schemas.microsoft.com/office/powerpoint/2010/main" val="1304199737"/>
       </p:ext>
     </p:extLst>
   </p:cSld>
@@ -807,9 +803,308 @@
           <a:p>
             <a:r>
               <a:rPr lang="en-US" dirty="0" smtClean="0"/>
+              <a:t>Important</a:t>
+            </a:r>
+            <a:r>
+              <a:rPr lang="en-US" baseline="0" dirty="0" smtClean="0"/>
+              <a:t> to know for </a:t>
+            </a:r>
+            <a:r>
+              <a:rPr lang="en-US" baseline="0" dirty="0" err="1" smtClean="0"/>
+              <a:t>ui</a:t>
+            </a:r>
+            <a:r>
+              <a:rPr lang="en-US" baseline="0" dirty="0" smtClean="0"/>
+              <a:t> and internationalization. Cant just translate</a:t>
+            </a:r>
+            <a:endParaRPr lang="en-US" dirty="0"/>
+          </a:p>
+        </p:txBody>
+      </p:sp>
+      <p:sp>
+        <p:nvSpPr>
+          <p:cNvPr id="4" name="Slide Number Placeholder 3"/>
+          <p:cNvSpPr>
+            <a:spLocks noGrp="1"/>
+          </p:cNvSpPr>
+          <p:nvPr>
+            <p:ph type="sldNum" sz="quarter" idx="10"/>
+          </p:nvPr>
+        </p:nvSpPr>
+        <p:spPr/>
+        <p:txBody>
+          <a:bodyPr/>
+          <a:lstStyle/>
+          <a:p>
+            <a:fld id="{5845F458-97E0-4448-9DA7-C7B2C7E1BA9B}" type="slidenum">
+              <a:rPr lang="en-US" smtClean="0"/>
+              <a:t>21</a:t>
+            </a:fld>
+            <a:endParaRPr lang="en-US"/>
+          </a:p>
+        </p:txBody>
+      </p:sp>
+    </p:spTree>
+    <p:extLst>
+      <p:ext uri="{BB962C8B-B14F-4D97-AF65-F5344CB8AC3E}">
+        <p14:creationId xmlns:p14="http://schemas.microsoft.com/office/powerpoint/2010/main" val="109054784"/>
+      </p:ext>
+    </p:extLst>
+  </p:cSld>
+  <p:clrMapOvr>
+    <a:masterClrMapping/>
+  </p:clrMapOvr>
+</p:notes>
+</file>
+
+<file path=ppt/notesSlides/notesSlide13.xml><?xml version="1.0" encoding="utf-8"?>
+<p:notes xmlns:a="http://schemas.openxmlformats.org/drawingml/2006/main" xmlns:r="http://schemas.openxmlformats.org/officeDocument/2006/relationships" xmlns:p="http://schemas.openxmlformats.org/presentationml/2006/main">
+  <p:cSld>
+    <p:spTree>
+      <p:nvGrpSpPr>
+        <p:cNvPr id="1" name=""/>
+        <p:cNvGrpSpPr/>
+        <p:nvPr/>
+      </p:nvGrpSpPr>
+      <p:grpSpPr>
+        <a:xfrm>
+          <a:off x="0" y="0"/>
+          <a:ext cx="0" cy="0"/>
+          <a:chOff x="0" y="0"/>
+          <a:chExt cx="0" cy="0"/>
+        </a:xfrm>
+      </p:grpSpPr>
+      <p:sp>
+        <p:nvSpPr>
+          <p:cNvPr id="2" name="Slide Image Placeholder 1"/>
+          <p:cNvSpPr>
+            <a:spLocks noGrp="1" noRot="1" noChangeAspect="1"/>
+          </p:cNvSpPr>
+          <p:nvPr>
+            <p:ph type="sldImg"/>
+          </p:nvPr>
+        </p:nvSpPr>
+        <p:spPr/>
+      </p:sp>
+      <p:sp>
+        <p:nvSpPr>
+          <p:cNvPr id="3" name="Notes Placeholder 2"/>
+          <p:cNvSpPr>
+            <a:spLocks noGrp="1"/>
+          </p:cNvSpPr>
+          <p:nvPr>
+            <p:ph type="body" idx="1"/>
+          </p:nvPr>
+        </p:nvSpPr>
+        <p:spPr/>
+        <p:txBody>
+          <a:bodyPr/>
+          <a:lstStyle/>
+          <a:p>
+            <a:r>
+              <a:rPr lang="en-US" dirty="0" smtClean="0"/>
+              <a:t>- is</a:t>
+            </a:r>
+            <a:r>
+              <a:rPr lang="en-US" baseline="0" dirty="0" smtClean="0"/>
+              <a:t> weak so ‘- 5’ is right to left, </a:t>
+            </a:r>
+            <a:endParaRPr lang="en-US" dirty="0"/>
+          </a:p>
+        </p:txBody>
+      </p:sp>
+      <p:sp>
+        <p:nvSpPr>
+          <p:cNvPr id="4" name="Slide Number Placeholder 3"/>
+          <p:cNvSpPr>
+            <a:spLocks noGrp="1"/>
+          </p:cNvSpPr>
+          <p:nvPr>
+            <p:ph type="sldNum" sz="quarter" idx="10"/>
+          </p:nvPr>
+        </p:nvSpPr>
+        <p:spPr/>
+        <p:txBody>
+          <a:bodyPr/>
+          <a:lstStyle/>
+          <a:p>
+            <a:fld id="{5845F458-97E0-4448-9DA7-C7B2C7E1BA9B}" type="slidenum">
+              <a:rPr lang="en-US" smtClean="0"/>
+              <a:t>22</a:t>
+            </a:fld>
+            <a:endParaRPr lang="en-US"/>
+          </a:p>
+        </p:txBody>
+      </p:sp>
+    </p:spTree>
+    <p:extLst>
+      <p:ext uri="{BB962C8B-B14F-4D97-AF65-F5344CB8AC3E}">
+        <p14:creationId xmlns:p14="http://schemas.microsoft.com/office/powerpoint/2010/main" val="1652204170"/>
+      </p:ext>
+    </p:extLst>
+  </p:cSld>
+  <p:clrMapOvr>
+    <a:masterClrMapping/>
+  </p:clrMapOvr>
+</p:notes>
+</file>
+
+<file path=ppt/notesSlides/notesSlide14.xml><?xml version="1.0" encoding="utf-8"?>
+<p:notes xmlns:a="http://schemas.openxmlformats.org/drawingml/2006/main" xmlns:r="http://schemas.openxmlformats.org/officeDocument/2006/relationships" xmlns:p="http://schemas.openxmlformats.org/presentationml/2006/main">
+  <p:cSld>
+    <p:spTree>
+      <p:nvGrpSpPr>
+        <p:cNvPr id="1" name=""/>
+        <p:cNvGrpSpPr/>
+        <p:nvPr/>
+      </p:nvGrpSpPr>
+      <p:grpSpPr>
+        <a:xfrm>
+          <a:off x="0" y="0"/>
+          <a:ext cx="0" cy="0"/>
+          <a:chOff x="0" y="0"/>
+          <a:chExt cx="0" cy="0"/>
+        </a:xfrm>
+      </p:grpSpPr>
+      <p:sp>
+        <p:nvSpPr>
+          <p:cNvPr id="2" name="Slide Image Placeholder 1"/>
+          <p:cNvSpPr>
+            <a:spLocks noGrp="1" noRot="1" noChangeAspect="1"/>
+          </p:cNvSpPr>
+          <p:nvPr>
+            <p:ph type="sldImg"/>
+          </p:nvPr>
+        </p:nvSpPr>
+        <p:spPr/>
+      </p:sp>
+      <p:sp>
+        <p:nvSpPr>
+          <p:cNvPr id="3" name="Notes Placeholder 2"/>
+          <p:cNvSpPr>
+            <a:spLocks noGrp="1"/>
+          </p:cNvSpPr>
+          <p:nvPr>
+            <p:ph type="body" idx="1"/>
+          </p:nvPr>
+        </p:nvSpPr>
+        <p:spPr/>
+        <p:txBody>
+          <a:bodyPr/>
+          <a:lstStyle/>
+          <a:p>
+            <a:r>
+              <a:rPr lang="en-US" dirty="0" smtClean="0"/>
+              <a:t>Exclamation</a:t>
+            </a:r>
+            <a:r>
+              <a:rPr lang="en-US" baseline="0" dirty="0" smtClean="0"/>
+              <a:t> mark is weak. Base direction right to left</a:t>
+            </a:r>
+            <a:endParaRPr lang="en-US" dirty="0"/>
+          </a:p>
+        </p:txBody>
+      </p:sp>
+      <p:sp>
+        <p:nvSpPr>
+          <p:cNvPr id="4" name="Slide Number Placeholder 3"/>
+          <p:cNvSpPr>
+            <a:spLocks noGrp="1"/>
+          </p:cNvSpPr>
+          <p:nvPr>
+            <p:ph type="sldNum" sz="quarter" idx="10"/>
+          </p:nvPr>
+        </p:nvSpPr>
+        <p:spPr/>
+        <p:txBody>
+          <a:bodyPr/>
+          <a:lstStyle/>
+          <a:p>
+            <a:fld id="{5845F458-97E0-4448-9DA7-C7B2C7E1BA9B}" type="slidenum">
+              <a:rPr lang="en-US" smtClean="0"/>
+              <a:t>23</a:t>
+            </a:fld>
+            <a:endParaRPr lang="en-US"/>
+          </a:p>
+        </p:txBody>
+      </p:sp>
+    </p:spTree>
+    <p:extLst>
+      <p:ext uri="{BB962C8B-B14F-4D97-AF65-F5344CB8AC3E}">
+        <p14:creationId xmlns:p14="http://schemas.microsoft.com/office/powerpoint/2010/main" val="2435700857"/>
+      </p:ext>
+    </p:extLst>
+  </p:cSld>
+  <p:clrMapOvr>
+    <a:masterClrMapping/>
+  </p:clrMapOvr>
+</p:notes>
+</file>
+
+<file path=ppt/notesSlides/notesSlide15.xml><?xml version="1.0" encoding="utf-8"?>
+<p:notes xmlns:a="http://schemas.openxmlformats.org/drawingml/2006/main" xmlns:r="http://schemas.openxmlformats.org/officeDocument/2006/relationships" xmlns:p="http://schemas.openxmlformats.org/presentationml/2006/main">
+  <p:cSld>
+    <p:spTree>
+      <p:nvGrpSpPr>
+        <p:cNvPr id="1" name=""/>
+        <p:cNvGrpSpPr/>
+        <p:nvPr/>
+      </p:nvGrpSpPr>
+      <p:grpSpPr>
+        <a:xfrm>
+          <a:off x="0" y="0"/>
+          <a:ext cx="0" cy="0"/>
+          <a:chOff x="0" y="0"/>
+          <a:chExt cx="0" cy="0"/>
+        </a:xfrm>
+      </p:grpSpPr>
+      <p:sp>
+        <p:nvSpPr>
+          <p:cNvPr id="2" name="Slide Image Placeholder 1"/>
+          <p:cNvSpPr>
+            <a:spLocks noGrp="1" noRot="1" noChangeAspect="1"/>
+          </p:cNvSpPr>
+          <p:nvPr>
+            <p:ph type="sldImg"/>
+          </p:nvPr>
+        </p:nvSpPr>
+        <p:spPr/>
+      </p:sp>
+      <p:sp>
+        <p:nvSpPr>
+          <p:cNvPr id="3" name="Notes Placeholder 2"/>
+          <p:cNvSpPr>
+            <a:spLocks noGrp="1"/>
+          </p:cNvSpPr>
+          <p:nvPr>
+            <p:ph type="body" idx="1"/>
+          </p:nvPr>
+        </p:nvSpPr>
+        <p:spPr/>
+        <p:txBody>
+          <a:bodyPr/>
+          <a:lstStyle/>
+          <a:p>
+            <a:r>
+              <a:rPr lang="en-US" dirty="0" smtClean="0"/>
               <a:t>User RTL mark which is a strong character. Strong – weak – strong </a:t>
             </a:r>
-            <a:endParaRPr lang="en-US" dirty="0"/>
+            <a:endParaRPr lang="en-US" dirty="0" smtClean="0"/>
+          </a:p>
+          <a:p>
+            <a:r>
+              <a:rPr lang="en-US" dirty="0" smtClean="0"/>
+              <a:t>Or</a:t>
+            </a:r>
+            <a:r>
+              <a:rPr lang="en-US" baseline="0" dirty="0" smtClean="0"/>
+              <a:t> change the base </a:t>
+            </a:r>
+            <a:r>
+              <a:rPr lang="en-US" baseline="0" dirty="0" err="1" smtClean="0"/>
+              <a:t>direciton</a:t>
+            </a:r>
+            <a:endParaRPr lang="en-US" dirty="0" smtClean="0"/>
           </a:p>
         </p:txBody>
       </p:sp>
@@ -893,6 +1188,14 @@
           <a:bodyPr/>
           <a:lstStyle/>
           <a:p>
+            <a:r>
+              <a:rPr lang="en-US" dirty="0" smtClean="0"/>
+              <a:t>Standard</a:t>
+            </a:r>
+            <a:r>
+              <a:rPr lang="en-US" baseline="0" dirty="0" smtClean="0"/>
+              <a:t> to representation and handling of text. Utf-7, utf-1</a:t>
+            </a:r>
             <a:endParaRPr lang="en-US" dirty="0"/>
           </a:p>
         </p:txBody>
@@ -914,7 +1217,7 @@
           <a:p>
             <a:fld id="{5845F458-97E0-4448-9DA7-C7B2C7E1BA9B}" type="slidenum">
               <a:rPr lang="en-US" smtClean="0"/>
-              <a:t>12</a:t>
+              <a:t>2</a:t>
             </a:fld>
             <a:endParaRPr lang="en-US"/>
           </a:p>
@@ -923,7 +1226,7 @@
     </p:spTree>
     <p:extLst>
       <p:ext uri="{BB962C8B-B14F-4D97-AF65-F5344CB8AC3E}">
-        <p14:creationId xmlns:p14="http://schemas.microsoft.com/office/powerpoint/2010/main" val="3070691637"/>
+        <p14:creationId xmlns:p14="http://schemas.microsoft.com/office/powerpoint/2010/main" val="2484272769"/>
       </p:ext>
     </p:extLst>
   </p:cSld>
@@ -979,11 +1282,7 @@
           <a:p>
             <a:r>
               <a:rPr lang="en-US" dirty="0" smtClean="0"/>
-              <a:t>Boundaries between runs of different</a:t>
-            </a:r>
-            <a:r>
-              <a:rPr lang="en-US" baseline="0" dirty="0" smtClean="0"/>
-              <a:t> directions</a:t>
+              <a:t>Talk about marks later</a:t>
             </a:r>
             <a:endParaRPr lang="en-US" dirty="0"/>
           </a:p>
@@ -1006,7 +1305,7 @@
           <a:p>
             <a:fld id="{5845F458-97E0-4448-9DA7-C7B2C7E1BA9B}" type="slidenum">
               <a:rPr lang="en-US" smtClean="0"/>
-              <a:t>15</a:t>
+              <a:t>5</a:t>
             </a:fld>
             <a:endParaRPr lang="en-US"/>
           </a:p>
@@ -1015,7 +1314,7 @@
     </p:spTree>
     <p:extLst>
       <p:ext uri="{BB962C8B-B14F-4D97-AF65-F5344CB8AC3E}">
-        <p14:creationId xmlns:p14="http://schemas.microsoft.com/office/powerpoint/2010/main" val="3454726571"/>
+        <p14:creationId xmlns:p14="http://schemas.microsoft.com/office/powerpoint/2010/main" val="1580686349"/>
       </p:ext>
     </p:extLst>
   </p:cSld>
@@ -1069,14 +1368,6 @@
           <a:bodyPr/>
           <a:lstStyle/>
           <a:p>
-            <a:r>
-              <a:rPr lang="en-US" dirty="0" smtClean="0"/>
-              <a:t>Representation</a:t>
-            </a:r>
-            <a:r>
-              <a:rPr lang="en-US" baseline="0" dirty="0" smtClean="0"/>
-              <a:t> of the text in memory / bytes. Different than display order</a:t>
-            </a:r>
             <a:endParaRPr lang="en-US" dirty="0"/>
           </a:p>
         </p:txBody>
@@ -1098,7 +1389,7 @@
           <a:p>
             <a:fld id="{5845F458-97E0-4448-9DA7-C7B2C7E1BA9B}" type="slidenum">
               <a:rPr lang="en-US" smtClean="0"/>
-              <a:t>16</a:t>
+              <a:t>6</a:t>
             </a:fld>
             <a:endParaRPr lang="en-US"/>
           </a:p>
@@ -1107,7 +1398,7 @@
     </p:spTree>
     <p:extLst>
       <p:ext uri="{BB962C8B-B14F-4D97-AF65-F5344CB8AC3E}">
-        <p14:creationId xmlns:p14="http://schemas.microsoft.com/office/powerpoint/2010/main" val="771986577"/>
+        <p14:creationId xmlns:p14="http://schemas.microsoft.com/office/powerpoint/2010/main" val="588102980"/>
       </p:ext>
     </p:extLst>
   </p:cSld>
@@ -1161,10 +1452,6 @@
           <a:bodyPr/>
           <a:lstStyle/>
           <a:p>
-            <a:r>
-              <a:rPr lang="en-US" dirty="0" smtClean="0"/>
-              <a:t>Base direction</a:t>
-            </a:r>
             <a:endParaRPr lang="en-US" dirty="0"/>
           </a:p>
         </p:txBody>
@@ -1186,7 +1473,7 @@
           <a:p>
             <a:fld id="{5845F458-97E0-4448-9DA7-C7B2C7E1BA9B}" type="slidenum">
               <a:rPr lang="en-US" smtClean="0"/>
-              <a:t>17</a:t>
+              <a:t>12</a:t>
             </a:fld>
             <a:endParaRPr lang="en-US"/>
           </a:p>
@@ -1195,7 +1482,7 @@
     </p:spTree>
     <p:extLst>
       <p:ext uri="{BB962C8B-B14F-4D97-AF65-F5344CB8AC3E}">
-        <p14:creationId xmlns:p14="http://schemas.microsoft.com/office/powerpoint/2010/main" val="3552166949"/>
+        <p14:creationId xmlns:p14="http://schemas.microsoft.com/office/powerpoint/2010/main" val="3070691637"/>
       </p:ext>
     </p:extLst>
   </p:cSld>
@@ -1251,11 +1538,11 @@
           <a:p>
             <a:r>
               <a:rPr lang="en-US" dirty="0" smtClean="0"/>
-              <a:t>If between two STRONG</a:t>
+              <a:t>Boundaries between runs of different</a:t>
             </a:r>
             <a:r>
               <a:rPr lang="en-US" baseline="0" dirty="0" smtClean="0"/>
-              <a:t> characters, assumes directionality. Neutral and weak characters have same rules except in some cases for weak characters</a:t>
+              <a:t> directions</a:t>
             </a:r>
             <a:endParaRPr lang="en-US" dirty="0"/>
           </a:p>
@@ -1278,7 +1565,7 @@
           <a:p>
             <a:fld id="{5845F458-97E0-4448-9DA7-C7B2C7E1BA9B}" type="slidenum">
               <a:rPr lang="en-US" smtClean="0"/>
-              <a:t>18</a:t>
+              <a:t>15</a:t>
             </a:fld>
             <a:endParaRPr lang="en-US"/>
           </a:p>
@@ -1287,7 +1574,7 @@
     </p:spTree>
     <p:extLst>
       <p:ext uri="{BB962C8B-B14F-4D97-AF65-F5344CB8AC3E}">
-        <p14:creationId xmlns:p14="http://schemas.microsoft.com/office/powerpoint/2010/main" val="3196855243"/>
+        <p14:creationId xmlns:p14="http://schemas.microsoft.com/office/powerpoint/2010/main" val="3454726571"/>
       </p:ext>
     </p:extLst>
   </p:cSld>
@@ -1343,11 +1630,11 @@
           <a:p>
             <a:r>
               <a:rPr lang="en-US" dirty="0" smtClean="0"/>
-              <a:t>Between 2 opposite</a:t>
+              <a:t>Representation</a:t>
             </a:r>
             <a:r>
               <a:rPr lang="en-US" baseline="0" dirty="0" smtClean="0"/>
-              <a:t> directions, uses base direction</a:t>
+              <a:t> of the text in memory / bytes. Different than display order</a:t>
             </a:r>
             <a:endParaRPr lang="en-US" dirty="0"/>
           </a:p>
@@ -1370,7 +1657,7 @@
           <a:p>
             <a:fld id="{5845F458-97E0-4448-9DA7-C7B2C7E1BA9B}" type="slidenum">
               <a:rPr lang="en-US" smtClean="0"/>
-              <a:t>19</a:t>
+              <a:t>16</a:t>
             </a:fld>
             <a:endParaRPr lang="en-US"/>
           </a:p>
@@ -1379,7 +1666,7 @@
     </p:spTree>
     <p:extLst>
       <p:ext uri="{BB962C8B-B14F-4D97-AF65-F5344CB8AC3E}">
-        <p14:creationId xmlns:p14="http://schemas.microsoft.com/office/powerpoint/2010/main" val="719540834"/>
+        <p14:creationId xmlns:p14="http://schemas.microsoft.com/office/powerpoint/2010/main" val="771986577"/>
       </p:ext>
     </p:extLst>
   </p:cSld>
@@ -1435,7 +1722,7 @@
           <a:p>
             <a:r>
               <a:rPr lang="en-US" dirty="0" smtClean="0"/>
-              <a:t>Special rules for weak character numbers</a:t>
+              <a:t>Base direction</a:t>
             </a:r>
             <a:endParaRPr lang="en-US" dirty="0"/>
           </a:p>
@@ -1458,7 +1745,7 @@
           <a:p>
             <a:fld id="{5845F458-97E0-4448-9DA7-C7B2C7E1BA9B}" type="slidenum">
               <a:rPr lang="en-US" smtClean="0"/>
-              <a:t>20</a:t>
+              <a:t>17</a:t>
             </a:fld>
             <a:endParaRPr lang="en-US"/>
           </a:p>
@@ -1467,7 +1754,7 @@
     </p:spTree>
     <p:extLst>
       <p:ext uri="{BB962C8B-B14F-4D97-AF65-F5344CB8AC3E}">
-        <p14:creationId xmlns:p14="http://schemas.microsoft.com/office/powerpoint/2010/main" val="1304199737"/>
+        <p14:creationId xmlns:p14="http://schemas.microsoft.com/office/powerpoint/2010/main" val="3552166949"/>
       </p:ext>
     </p:extLst>
   </p:cSld>
@@ -1523,19 +1810,15 @@
           <a:p>
             <a:r>
               <a:rPr lang="en-US" dirty="0" smtClean="0"/>
-              <a:t>Important</a:t>
+              <a:t>If between two STRONG</a:t>
             </a:r>
             <a:r>
               <a:rPr lang="en-US" baseline="0" dirty="0" smtClean="0"/>
-              <a:t> to know for </a:t>
-            </a:r>
-            <a:r>
-              <a:rPr lang="en-US" baseline="0" dirty="0" err="1" smtClean="0"/>
-              <a:t>ui</a:t>
+              <a:t> characters, assumes directionality</a:t>
             </a:r>
             <a:r>
               <a:rPr lang="en-US" baseline="0" dirty="0" smtClean="0"/>
-              <a:t> and internationalization. Cant just translate</a:t>
+              <a:t>.</a:t>
             </a:r>
             <a:endParaRPr lang="en-US" dirty="0"/>
           </a:p>
@@ -1558,7 +1841,7 @@
           <a:p>
             <a:fld id="{5845F458-97E0-4448-9DA7-C7B2C7E1BA9B}" type="slidenum">
               <a:rPr lang="en-US" smtClean="0"/>
-              <a:t>21</a:t>
+              <a:t>18</a:t>
             </a:fld>
             <a:endParaRPr lang="en-US"/>
           </a:p>
@@ -1567,7 +1850,7 @@
     </p:spTree>
     <p:extLst>
       <p:ext uri="{BB962C8B-B14F-4D97-AF65-F5344CB8AC3E}">
-        <p14:creationId xmlns:p14="http://schemas.microsoft.com/office/powerpoint/2010/main" val="109054784"/>
+        <p14:creationId xmlns:p14="http://schemas.microsoft.com/office/powerpoint/2010/main" val="3196855243"/>
       </p:ext>
     </p:extLst>
   </p:cSld>
@@ -1708,7 +1991,7 @@
           <a:p>
             <a:fld id="{BE6B36EC-E273-43BC-A721-048E18FED02F}" type="datetimeFigureOut">
               <a:rPr lang="en-US" smtClean="0"/>
-              <a:t>2/26/2018</a:t>
+              <a:t>2/28/2018</a:t>
             </a:fld>
             <a:endParaRPr lang="en-US"/>
           </a:p>
@@ -1878,7 +2161,7 @@
           <a:p>
             <a:fld id="{BE6B36EC-E273-43BC-A721-048E18FED02F}" type="datetimeFigureOut">
               <a:rPr lang="en-US" smtClean="0"/>
-              <a:t>2/26/2018</a:t>
+              <a:t>2/28/2018</a:t>
             </a:fld>
             <a:endParaRPr lang="en-US"/>
           </a:p>
@@ -2058,7 +2341,7 @@
           <a:p>
             <a:fld id="{BE6B36EC-E273-43BC-A721-048E18FED02F}" type="datetimeFigureOut">
               <a:rPr lang="en-US" smtClean="0"/>
-              <a:t>2/26/2018</a:t>
+              <a:t>2/28/2018</a:t>
             </a:fld>
             <a:endParaRPr lang="en-US"/>
           </a:p>
@@ -2228,7 +2511,7 @@
           <a:p>
             <a:fld id="{BE6B36EC-E273-43BC-A721-048E18FED02F}" type="datetimeFigureOut">
               <a:rPr lang="en-US" smtClean="0"/>
-              <a:t>2/26/2018</a:t>
+              <a:t>2/28/2018</a:t>
             </a:fld>
             <a:endParaRPr lang="en-US"/>
           </a:p>
@@ -2474,7 +2757,7 @@
           <a:p>
             <a:fld id="{BE6B36EC-E273-43BC-A721-048E18FED02F}" type="datetimeFigureOut">
               <a:rPr lang="en-US" smtClean="0"/>
-              <a:t>2/26/2018</a:t>
+              <a:t>2/28/2018</a:t>
             </a:fld>
             <a:endParaRPr lang="en-US"/>
           </a:p>
@@ -2706,7 +2989,7 @@
           <a:p>
             <a:fld id="{BE6B36EC-E273-43BC-A721-048E18FED02F}" type="datetimeFigureOut">
               <a:rPr lang="en-US" smtClean="0"/>
-              <a:t>2/26/2018</a:t>
+              <a:t>2/28/2018</a:t>
             </a:fld>
             <a:endParaRPr lang="en-US"/>
           </a:p>
@@ -3073,7 +3356,7 @@
           <a:p>
             <a:fld id="{BE6B36EC-E273-43BC-A721-048E18FED02F}" type="datetimeFigureOut">
               <a:rPr lang="en-US" smtClean="0"/>
-              <a:t>2/26/2018</a:t>
+              <a:t>2/28/2018</a:t>
             </a:fld>
             <a:endParaRPr lang="en-US"/>
           </a:p>
@@ -3191,7 +3474,7 @@
           <a:p>
             <a:fld id="{BE6B36EC-E273-43BC-A721-048E18FED02F}" type="datetimeFigureOut">
               <a:rPr lang="en-US" smtClean="0"/>
-              <a:t>2/26/2018</a:t>
+              <a:t>2/28/2018</a:t>
             </a:fld>
             <a:endParaRPr lang="en-US"/>
           </a:p>
@@ -3286,7 +3569,7 @@
           <a:p>
             <a:fld id="{BE6B36EC-E273-43BC-A721-048E18FED02F}" type="datetimeFigureOut">
               <a:rPr lang="en-US" smtClean="0"/>
-              <a:t>2/26/2018</a:t>
+              <a:t>2/28/2018</a:t>
             </a:fld>
             <a:endParaRPr lang="en-US"/>
           </a:p>
@@ -3563,7 +3846,7 @@
           <a:p>
             <a:fld id="{BE6B36EC-E273-43BC-A721-048E18FED02F}" type="datetimeFigureOut">
               <a:rPr lang="en-US" smtClean="0"/>
-              <a:t>2/26/2018</a:t>
+              <a:t>2/28/2018</a:t>
             </a:fld>
             <a:endParaRPr lang="en-US"/>
           </a:p>
@@ -3816,7 +4099,7 @@
           <a:p>
             <a:fld id="{BE6B36EC-E273-43BC-A721-048E18FED02F}" type="datetimeFigureOut">
               <a:rPr lang="en-US" smtClean="0"/>
-              <a:t>2/26/2018</a:t>
+              <a:t>2/28/2018</a:t>
             </a:fld>
             <a:endParaRPr lang="en-US"/>
           </a:p>
@@ -4029,7 +4312,7 @@
           <a:p>
             <a:fld id="{BE6B36EC-E273-43BC-A721-048E18FED02F}" type="datetimeFigureOut">
               <a:rPr lang="en-US" smtClean="0"/>
-              <a:t>2/26/2018</a:t>
+              <a:t>2/28/2018</a:t>
             </a:fld>
             <a:endParaRPr lang="en-US"/>
           </a:p>
@@ -4570,11 +4853,7 @@
             <a:pPr lvl="1"/>
             <a:r>
               <a:rPr lang="en-US" dirty="0" smtClean="0"/>
-              <a:t>Embedding </a:t>
-            </a:r>
-            <a:r>
-              <a:rPr lang="en-US" dirty="0" smtClean="0"/>
-              <a:t>– Classic method of explicit formatting. </a:t>
+              <a:t>Embedding – Classic method of explicit formatting. </a:t>
             </a:r>
             <a:r>
               <a:rPr lang="en-US" dirty="0" smtClean="0">
@@ -4717,11 +4996,7 @@
             <a:pPr lvl="1"/>
             <a:r>
               <a:rPr lang="en-US" dirty="0" smtClean="0"/>
-              <a:t>Embedding </a:t>
-            </a:r>
-            <a:r>
-              <a:rPr lang="en-US" dirty="0" smtClean="0"/>
-              <a:t>– Classic method of explicit formatting. </a:t>
+              <a:t>Embedding – Classic method of explicit formatting. </a:t>
             </a:r>
             <a:r>
               <a:rPr lang="en-US" dirty="0" smtClean="0">
@@ -4939,11 +5214,7 @@
             <a:pPr lvl="1"/>
             <a:r>
               <a:rPr lang="en-US" dirty="0" smtClean="0"/>
-              <a:t>Changes visual order – Remember code points are stored in an order in memory, but not necessarily displayed in that order</a:t>
-            </a:r>
-            <a:r>
-              <a:rPr lang="en-US" dirty="0" smtClean="0"/>
-              <a:t>!</a:t>
+              <a:t>Changes visual order – Remember code points are stored in an order in memory, but not necessarily displayed in that order!</a:t>
             </a:r>
           </a:p>
           <a:p>
@@ -4963,7 +5234,6 @@
               <a:rPr lang="en-US" dirty="0" smtClean="0"/>
               <a:t>Dir attribute in HTML</a:t>
             </a:r>
-            <a:endParaRPr lang="en-US" dirty="0" smtClean="0"/>
           </a:p>
         </p:txBody>
       </p:sp>
@@ -6952,11 +7222,7 @@
           <a:p>
             <a:r>
               <a:rPr lang="en-US" dirty="0" smtClean="0"/>
-              <a:t>Base direction </a:t>
-            </a:r>
-            <a:r>
-              <a:rPr lang="en-US" dirty="0" smtClean="0"/>
-              <a:t>Left to Right</a:t>
+              <a:t>Base direction Left to Right</a:t>
             </a:r>
             <a:endParaRPr lang="en-US" dirty="0"/>
           </a:p>
@@ -7143,8 +7409,8 @@
         </p:nvSpPr>
         <p:spPr>
           <a:xfrm>
-            <a:off x="3532606" y="4340714"/>
-            <a:ext cx="5126788" cy="369332"/>
+            <a:off x="3877027" y="4340714"/>
+            <a:ext cx="4437946" cy="369332"/>
           </a:xfrm>
           <a:prstGeom prst="rect">
             <a:avLst/>
@@ -7159,11 +7425,15 @@
           <a:p>
             <a:r>
               <a:rPr lang="en-US" dirty="0" smtClean="0"/>
-              <a:t>Neutral / weak </a:t>
+              <a:t>Neutral </a:t>
             </a:r>
             <a:r>
               <a:rPr lang="en-US" dirty="0" smtClean="0"/>
-              <a:t>characters take on their surroundings</a:t>
+              <a:t>characters </a:t>
+            </a:r>
+            <a:r>
+              <a:rPr lang="en-US" dirty="0" smtClean="0"/>
+              <a:t>take on their surroundings</a:t>
             </a:r>
             <a:endParaRPr lang="en-US" dirty="0"/>
           </a:p>
@@ -7517,8 +7787,8 @@
         </p:nvSpPr>
         <p:spPr>
           <a:xfrm>
-            <a:off x="3532606" y="4340714"/>
-            <a:ext cx="5126788" cy="369332"/>
+            <a:off x="3877027" y="4340714"/>
+            <a:ext cx="4437946" cy="369332"/>
           </a:xfrm>
           <a:prstGeom prst="rect">
             <a:avLst/>
@@ -7533,11 +7803,7 @@
           <a:p>
             <a:r>
               <a:rPr lang="en-US" dirty="0" smtClean="0"/>
-              <a:t>Neutral </a:t>
-            </a:r>
-            <a:r>
-              <a:rPr lang="en-US" dirty="0" smtClean="0"/>
-              <a:t>/ weak characters </a:t>
+              <a:t>Neutral characters </a:t>
             </a:r>
             <a:r>
               <a:rPr lang="en-US" dirty="0" smtClean="0"/>
@@ -7666,11 +7932,7 @@
           <a:p>
             <a:r>
               <a:rPr lang="en-US" dirty="0" smtClean="0"/>
-              <a:t>Unicode quick </a:t>
-            </a:r>
-            <a:r>
-              <a:rPr lang="en-US" dirty="0" smtClean="0"/>
-              <a:t>refresh</a:t>
+              <a:t>Unicode quick refresh</a:t>
             </a:r>
             <a:endParaRPr lang="en-US" dirty="0"/>
           </a:p>
@@ -8026,11 +8288,7 @@
           <a:p>
             <a:r>
               <a:rPr lang="en-US" dirty="0" smtClean="0"/>
-              <a:t>Numbers don’t </a:t>
-            </a:r>
-            <a:r>
-              <a:rPr lang="en-US" dirty="0" smtClean="0"/>
-              <a:t>break the run</a:t>
+              <a:t>Numbers don’t break the run</a:t>
             </a:r>
             <a:endParaRPr lang="en-US" dirty="0"/>
           </a:p>
@@ -8590,20 +8848,7 @@
                 <a:effectLst/>
                 <a:latin typeface="Arial" panose="020B0604020202020204" pitchFamily="34" charset="0"/>
               </a:rPr>
-              <a:t> </a:t>
-            </a:r>
-            <a:r>
-              <a:rPr kumimoji="0" lang="en-US" altLang="en-US" sz="2400" b="0" i="0" u="none" strike="noStrike" cap="none" normalizeH="0" baseline="0" dirty="0" smtClean="0">
-                <a:ln>
-                  <a:noFill/>
-                </a:ln>
-                <a:solidFill>
-                  <a:schemeClr val="tx1"/>
-                </a:solidFill>
-                <a:effectLst/>
-                <a:latin typeface="Arial" panose="020B0604020202020204" pitchFamily="34" charset="0"/>
-              </a:rPr>
-              <a:t>- </a:t>
+              <a:t> - </a:t>
             </a:r>
             <a:r>
               <a:rPr kumimoji="0" lang="en-US" altLang="en-US" sz="1400" b="0" i="0" u="none" strike="noStrike" cap="none" normalizeH="0" baseline="0" dirty="0" smtClean="0">
@@ -9012,14 +9257,6 @@
               </a:rPr>
               <a:t>★★★★</a:t>
             </a:r>
-            <a:endParaRPr lang="en-US" sz="2400" dirty="0" smtClean="0">
-              <a:solidFill>
-                <a:schemeClr val="accent4">
-                  <a:lumMod val="60000"/>
-                  <a:lumOff val="40000"/>
-                </a:schemeClr>
-              </a:solidFill>
-            </a:endParaRPr>
           </a:p>
           <a:p>
             <a:pPr lvl="0" eaLnBrk="0" fontAlgn="base" hangingPunct="0">
@@ -9215,20 +9452,7 @@
                 <a:effectLst/>
                 <a:latin typeface="Arial" panose="020B0604020202020204" pitchFamily="34" charset="0"/>
               </a:rPr>
-              <a:t> </a:t>
-            </a:r>
-            <a:r>
-              <a:rPr kumimoji="0" lang="en-US" altLang="en-US" sz="2400" b="0" i="0" u="none" strike="noStrike" cap="none" normalizeH="0" baseline="0" dirty="0" smtClean="0">
-                <a:ln>
-                  <a:noFill/>
-                </a:ln>
-                <a:solidFill>
-                  <a:schemeClr val="tx1"/>
-                </a:solidFill>
-                <a:effectLst/>
-                <a:latin typeface="Arial" panose="020B0604020202020204" pitchFamily="34" charset="0"/>
-              </a:rPr>
-              <a:t>- </a:t>
+              <a:t> - </a:t>
             </a:r>
             <a:r>
               <a:rPr kumimoji="0" lang="en-US" altLang="en-US" sz="1400" b="0" i="0" u="none" strike="noStrike" cap="none" normalizeH="0" baseline="0" dirty="0" smtClean="0">
@@ -10352,7 +10576,11 @@
           <a:p>
             <a:r>
               <a:rPr lang="en-US" dirty="0" smtClean="0"/>
-              <a:t>Partitioned into 4 types</a:t>
+              <a:t>4 </a:t>
+            </a:r>
+            <a:r>
+              <a:rPr lang="en-US" dirty="0" smtClean="0"/>
+              <a:t>types</a:t>
             </a:r>
           </a:p>
         </p:txBody>
@@ -10461,11 +10689,7 @@
             <a:pPr lvl="1"/>
             <a:r>
               <a:rPr lang="en-US" dirty="0" smtClean="0"/>
-              <a:t>Marks (control character</a:t>
-            </a:r>
-            <a:r>
-              <a:rPr lang="en-US" dirty="0" smtClean="0"/>
-              <a:t>)</a:t>
+              <a:t>Marks (control character)</a:t>
             </a:r>
           </a:p>
           <a:p>
@@ -10561,13 +10785,8 @@
           <a:p>
             <a:r>
               <a:rPr lang="en-US" dirty="0" smtClean="0"/>
-              <a:t>Special rules when mixed with strong </a:t>
-            </a:r>
-            <a:r>
-              <a:rPr lang="en-US" dirty="0" smtClean="0"/>
-              <a:t>characters</a:t>
-            </a:r>
-            <a:endParaRPr lang="en-US" dirty="0" smtClean="0"/>
+              <a:t>Special rules when mixed with strong characters</a:t>
+            </a:r>
           </a:p>
           <a:p>
             <a:r>
@@ -10579,7 +10798,7 @@
             <a:pPr lvl="1"/>
             <a:r>
               <a:rPr lang="en-US" dirty="0" smtClean="0"/>
-              <a:t>Numbers (have special rule)</a:t>
+              <a:t>Numbers </a:t>
             </a:r>
             <a:endParaRPr lang="en-US" dirty="0" smtClean="0"/>
           </a:p>
@@ -10587,21 +10806,22 @@
             <a:pPr lvl="1"/>
             <a:r>
               <a:rPr lang="en-US" dirty="0" smtClean="0"/>
-              <a:t>Arithmetic symbols</a:t>
+              <a:t>Arithmetic </a:t>
+            </a:r>
+            <a:r>
+              <a:rPr lang="en-US" dirty="0" smtClean="0"/>
+              <a:t>symbols</a:t>
             </a:r>
           </a:p>
           <a:p>
             <a:pPr lvl="1"/>
             <a:r>
               <a:rPr lang="en-US" dirty="0" smtClean="0"/>
-              <a:t>Currency</a:t>
-            </a:r>
-          </a:p>
-          <a:p>
-            <a:pPr lvl="1"/>
+              <a:t>Common </a:t>
+            </a:r>
             <a:r>
               <a:rPr lang="en-US" dirty="0" smtClean="0"/>
-              <a:t>Common punctuation</a:t>
+              <a:t>punctuation</a:t>
             </a:r>
             <a:endParaRPr lang="en-US" dirty="0"/>
           </a:p>
@@ -10684,11 +10904,7 @@
           <a:p>
             <a:r>
               <a:rPr lang="en-US" dirty="0" smtClean="0"/>
-              <a:t>Direction determined by </a:t>
-            </a:r>
-            <a:r>
-              <a:rPr lang="en-US" dirty="0" smtClean="0"/>
-              <a:t>surrounding</a:t>
+              <a:t>Direction determined by surrounding</a:t>
             </a:r>
           </a:p>
           <a:p>
@@ -10698,13 +10914,8 @@
             </a:r>
             <a:r>
               <a:rPr lang="en-US" dirty="0" smtClean="0"/>
-              <a:t>characters</a:t>
-            </a:r>
-            <a:r>
-              <a:rPr lang="en-US" dirty="0" smtClean="0"/>
-              <a:t> </a:t>
-            </a:r>
-            <a:endParaRPr lang="en-US" dirty="0" smtClean="0"/>
+              <a:t>characters </a:t>
+            </a:r>
           </a:p>
           <a:p>
             <a:r>
@@ -10921,11 +11132,7 @@
             <a:pPr lvl="1"/>
             <a:r>
               <a:rPr lang="en-US" dirty="0" smtClean="0"/>
-              <a:t>Embedding </a:t>
-            </a:r>
-            <a:r>
-              <a:rPr lang="en-US" dirty="0" smtClean="0"/>
-              <a:t>– Classic method of explicit formatting. </a:t>
+              <a:t>Embedding – Classic method of explicit formatting. </a:t>
             </a:r>
             <a:r>
               <a:rPr lang="en-US" dirty="0" smtClean="0">
